--- a/course/IOS_Module_03_core_data.pptx
+++ b/course/IOS_Module_03_core_data.pptx
@@ -3,17 +3,16 @@
 <p:presentation xmlns:a="http://schemas.openxmlformats.org/drawingml/2006/main" xmlns:r="http://schemas.openxmlformats.org/officeDocument/2006/relationships" xmlns:p="http://schemas.openxmlformats.org/presentationml/2006/main" saveSubsetFonts="1">
   <p:sldMasterIdLst>
     <p:sldMasterId id="2147483660" r:id="rId1"/>
-    <p:sldMasterId id="2147483673" r:id="rId2"/>
   </p:sldMasterIdLst>
   <p:notesMasterIdLst>
-    <p:notesMasterId r:id="rId8"/>
+    <p:notesMasterId r:id="rId7"/>
   </p:notesMasterIdLst>
   <p:sldIdLst>
+    <p:sldId id="257" r:id="rId2"/>
     <p:sldId id="258" r:id="rId3"/>
     <p:sldId id="259" r:id="rId4"/>
-    <p:sldId id="262" r:id="rId5"/>
-    <p:sldId id="260" r:id="rId6"/>
-    <p:sldId id="261" r:id="rId7"/>
+    <p:sldId id="260" r:id="rId5"/>
+    <p:sldId id="261" r:id="rId6"/>
   </p:sldIdLst>
   <p:sldSz cx="12192000" cy="6858000"/>
   <p:notesSz cx="6858000" cy="9144000"/>
@@ -112,11 +111,6 @@
       </a:defRPr>
     </a:lvl9pPr>
   </p:defaultTextStyle>
-  <p:extLst>
-    <p:ext uri="{EFAFB233-063F-42B5-8137-9DF3F51BA10A}">
-      <p15:sldGuideLst xmlns:p15="http://schemas.microsoft.com/office/powerpoint/2012/main"/>
-    </p:ext>
-  </p:extLst>
 </p:presentation>
 </file>
 
@@ -200,9 +194,9 @@
             </a:lvl1pPr>
           </a:lstStyle>
           <a:p>
-            <a:fld id="{05AC9688-7F4F-4100-99D8-8F50830745F5}" type="datetimeFigureOut">
+            <a:fld id="{6C716596-F596-4EA2-A006-3FF11DDC4AEF}" type="datetimeFigureOut">
               <a:rPr lang="en-US" smtClean="0"/>
-              <a:t>4/13/2015</a:t>
+              <a:t>5/13/2015</a:t>
             </a:fld>
             <a:endParaRPr lang="en-US"/>
           </a:p>
@@ -359,7 +353,7 @@
             </a:lvl1pPr>
           </a:lstStyle>
           <a:p>
-            <a:fld id="{A6D2CF33-44E7-4D71-A1E5-040E8BE2E4AF}" type="slidenum">
+            <a:fld id="{9BE9AAFF-3E02-47FF-9715-EF9A6CB8A97E}" type="slidenum">
               <a:rPr lang="en-US" smtClean="0"/>
               <a:t>‹#›</a:t>
             </a:fld>
@@ -370,7 +364,7 @@
     </p:spTree>
     <p:extLst>
       <p:ext uri="{BB962C8B-B14F-4D97-AF65-F5344CB8AC3E}">
-        <p14:creationId xmlns:p14="http://schemas.microsoft.com/office/powerpoint/2010/main" val="1043205627"/>
+        <p14:creationId xmlns:p14="http://schemas.microsoft.com/office/powerpoint/2010/main" val="3656798608"/>
       </p:ext>
     </p:extLst>
   </p:cSld>
@@ -553,7 +547,7 @@
     </p:spTree>
     <p:extLst>
       <p:ext uri="{BB962C8B-B14F-4D97-AF65-F5344CB8AC3E}">
-        <p14:creationId xmlns:p14="http://schemas.microsoft.com/office/powerpoint/2010/main" val="2633839288"/>
+        <p14:creationId xmlns:p14="http://schemas.microsoft.com/office/powerpoint/2010/main" val="1504510549"/>
       </p:ext>
     </p:extLst>
   </p:cSld>
@@ -583,7 +577,7 @@
     </p:spTree>
     <p:extLst>
       <p:ext uri="{BB962C8B-B14F-4D97-AF65-F5344CB8AC3E}">
-        <p14:creationId xmlns:p14="http://schemas.microsoft.com/office/powerpoint/2010/main" val="2020890349"/>
+        <p14:creationId xmlns:p14="http://schemas.microsoft.com/office/powerpoint/2010/main" val="3752462965"/>
       </p:ext>
     </p:extLst>
   </p:cSld>
@@ -695,7 +689,7 @@
     </p:spTree>
     <p:extLst>
       <p:ext uri="{BB962C8B-B14F-4D97-AF65-F5344CB8AC3E}">
-        <p14:creationId xmlns:p14="http://schemas.microsoft.com/office/powerpoint/2010/main" val="1440612454"/>
+        <p14:creationId xmlns:p14="http://schemas.microsoft.com/office/powerpoint/2010/main" val="1597626361"/>
       </p:ext>
     </p:extLst>
   </p:cSld>
@@ -861,7 +855,7 @@
     </p:spTree>
     <p:extLst>
       <p:ext uri="{BB962C8B-B14F-4D97-AF65-F5344CB8AC3E}">
-        <p14:creationId xmlns:p14="http://schemas.microsoft.com/office/powerpoint/2010/main" val="3706827019"/>
+        <p14:creationId xmlns:p14="http://schemas.microsoft.com/office/powerpoint/2010/main" val="1869853569"/>
       </p:ext>
     </p:extLst>
   </p:cSld>
@@ -1019,575 +1013,7 @@
     </p:spTree>
     <p:extLst>
       <p:ext uri="{BB962C8B-B14F-4D97-AF65-F5344CB8AC3E}">
-        <p14:creationId xmlns:p14="http://schemas.microsoft.com/office/powerpoint/2010/main" val="3296471808"/>
-      </p:ext>
-    </p:extLst>
-  </p:cSld>
-  <p:clrMapOvr>
-    <a:masterClrMapping/>
-  </p:clrMapOvr>
-</p:sldLayout>
-</file>
-
-<file path=ppt/slideLayouts/slideLayout13.xml><?xml version="1.0" encoding="utf-8"?>
-<p:sldLayout xmlns:a="http://schemas.openxmlformats.org/drawingml/2006/main" xmlns:r="http://schemas.openxmlformats.org/officeDocument/2006/relationships" xmlns:p="http://schemas.openxmlformats.org/presentationml/2006/main" type="blank" preserve="1">
-  <p:cSld name="Blank Slide">
-    <p:spTree>
-      <p:nvGrpSpPr>
-        <p:cNvPr id="1" name=""/>
-        <p:cNvGrpSpPr/>
-        <p:nvPr/>
-      </p:nvGrpSpPr>
-      <p:grpSpPr>
-        <a:xfrm>
-          <a:off x="0" y="0"/>
-          <a:ext cx="0" cy="0"/>
-          <a:chOff x="0" y="0"/>
-          <a:chExt cx="0" cy="0"/>
-        </a:xfrm>
-      </p:grpSpPr>
-    </p:spTree>
-    <p:extLst>
-      <p:ext uri="{BB962C8B-B14F-4D97-AF65-F5344CB8AC3E}">
-        <p14:creationId xmlns:p14="http://schemas.microsoft.com/office/powerpoint/2010/main" val="3800979004"/>
-      </p:ext>
-    </p:extLst>
-  </p:cSld>
-  <p:clrMapOvr>
-    <a:masterClrMapping/>
-  </p:clrMapOvr>
-</p:sldLayout>
-</file>
-
-<file path=ppt/slideLayouts/slideLayout14.xml><?xml version="1.0" encoding="utf-8"?>
-<p:sldLayout xmlns:a="http://schemas.openxmlformats.org/drawingml/2006/main" xmlns:r="http://schemas.openxmlformats.org/officeDocument/2006/relationships" xmlns:p="http://schemas.openxmlformats.org/presentationml/2006/main" type="tx" preserve="1">
-  <p:cSld name="Title Slide">
-    <p:spTree>
-      <p:nvGrpSpPr>
-        <p:cNvPr id="1" name=""/>
-        <p:cNvGrpSpPr/>
-        <p:nvPr/>
-      </p:nvGrpSpPr>
-      <p:grpSpPr>
-        <a:xfrm>
-          <a:off x="0" y="0"/>
-          <a:ext cx="0" cy="0"/>
-          <a:chOff x="0" y="0"/>
-          <a:chExt cx="0" cy="0"/>
-        </a:xfrm>
-      </p:grpSpPr>
-      <p:sp>
-        <p:nvSpPr>
-          <p:cNvPr id="5" name="PlaceHolder 1"/>
-          <p:cNvSpPr>
-            <a:spLocks noGrp="1"/>
-          </p:cNvSpPr>
-          <p:nvPr>
-            <p:ph type="title"/>
-          </p:nvPr>
-        </p:nvSpPr>
-        <p:spPr>
-          <a:xfrm>
-            <a:off x="609562" y="273352"/>
-            <a:ext cx="10971684" cy="1145009"/>
-          </a:xfrm>
-          <a:prstGeom prst="rect">
-            <a:avLst/>
-          </a:prstGeom>
-        </p:spPr>
-        <p:txBody>
-          <a:bodyPr lIns="0" tIns="0" rIns="0" bIns="0" anchor="ctr"/>
-          <a:lstStyle/>
-          <a:p>
-            <a:pPr algn="ctr"/>
-            <a:endParaRPr/>
-          </a:p>
-        </p:txBody>
-      </p:sp>
-      <p:sp>
-        <p:nvSpPr>
-          <p:cNvPr id="6" name="PlaceHolder 2"/>
-          <p:cNvSpPr>
-            <a:spLocks noGrp="1"/>
-          </p:cNvSpPr>
-          <p:nvPr>
-            <p:ph type="subTitle"/>
-          </p:nvPr>
-        </p:nvSpPr>
-        <p:spPr>
-          <a:xfrm>
-            <a:off x="609562" y="1604841"/>
-            <a:ext cx="10971684" cy="3977484"/>
-          </a:xfrm>
-          <a:prstGeom prst="rect">
-            <a:avLst/>
-          </a:prstGeom>
-        </p:spPr>
-        <p:txBody>
-          <a:bodyPr lIns="0" tIns="0" rIns="0" bIns="0" anchor="ctr"/>
-          <a:lstStyle/>
-          <a:p>
-            <a:pPr algn="ctr"/>
-            <a:endParaRPr/>
-          </a:p>
-        </p:txBody>
-      </p:sp>
-    </p:spTree>
-    <p:extLst>
-      <p:ext uri="{BB962C8B-B14F-4D97-AF65-F5344CB8AC3E}">
-        <p14:creationId xmlns:p14="http://schemas.microsoft.com/office/powerpoint/2010/main" val="2852441592"/>
-      </p:ext>
-    </p:extLst>
-  </p:cSld>
-  <p:clrMapOvr>
-    <a:masterClrMapping/>
-  </p:clrMapOvr>
-</p:sldLayout>
-</file>
-
-<file path=ppt/slideLayouts/slideLayout15.xml><?xml version="1.0" encoding="utf-8"?>
-<p:sldLayout xmlns:a="http://schemas.openxmlformats.org/drawingml/2006/main" xmlns:r="http://schemas.openxmlformats.org/officeDocument/2006/relationships" xmlns:p="http://schemas.openxmlformats.org/presentationml/2006/main" type="obj" preserve="1">
-  <p:cSld name="Title, Content">
-    <p:spTree>
-      <p:nvGrpSpPr>
-        <p:cNvPr id="1" name=""/>
-        <p:cNvGrpSpPr/>
-        <p:nvPr/>
-      </p:nvGrpSpPr>
-      <p:grpSpPr>
-        <a:xfrm>
-          <a:off x="0" y="0"/>
-          <a:ext cx="0" cy="0"/>
-          <a:chOff x="0" y="0"/>
-          <a:chExt cx="0" cy="0"/>
-        </a:xfrm>
-      </p:grpSpPr>
-      <p:sp>
-        <p:nvSpPr>
-          <p:cNvPr id="7" name="PlaceHolder 1"/>
-          <p:cNvSpPr>
-            <a:spLocks noGrp="1"/>
-          </p:cNvSpPr>
-          <p:nvPr>
-            <p:ph type="title"/>
-          </p:nvPr>
-        </p:nvSpPr>
-        <p:spPr>
-          <a:xfrm>
-            <a:off x="609562" y="273352"/>
-            <a:ext cx="10971684" cy="1145009"/>
-          </a:xfrm>
-          <a:prstGeom prst="rect">
-            <a:avLst/>
-          </a:prstGeom>
-        </p:spPr>
-        <p:txBody>
-          <a:bodyPr lIns="0" tIns="0" rIns="0" bIns="0" anchor="ctr"/>
-          <a:lstStyle/>
-          <a:p>
-            <a:pPr algn="ctr"/>
-            <a:endParaRPr/>
-          </a:p>
-        </p:txBody>
-      </p:sp>
-      <p:sp>
-        <p:nvSpPr>
-          <p:cNvPr id="8" name="PlaceHolder 2"/>
-          <p:cNvSpPr>
-            <a:spLocks noGrp="1"/>
-          </p:cNvSpPr>
-          <p:nvPr>
-            <p:ph type="body"/>
-          </p:nvPr>
-        </p:nvSpPr>
-        <p:spPr>
-          <a:xfrm>
-            <a:off x="609562" y="1604841"/>
-            <a:ext cx="10971684" cy="3977484"/>
-          </a:xfrm>
-          <a:prstGeom prst="rect">
-            <a:avLst/>
-          </a:prstGeom>
-        </p:spPr>
-        <p:txBody>
-          <a:bodyPr lIns="0" tIns="0" rIns="0" bIns="0"/>
-          <a:lstStyle/>
-          <a:p>
-            <a:endParaRPr/>
-          </a:p>
-        </p:txBody>
-      </p:sp>
-    </p:spTree>
-    <p:extLst>
-      <p:ext uri="{BB962C8B-B14F-4D97-AF65-F5344CB8AC3E}">
-        <p14:creationId xmlns:p14="http://schemas.microsoft.com/office/powerpoint/2010/main" val="1375974605"/>
-      </p:ext>
-    </p:extLst>
-  </p:cSld>
-  <p:clrMapOvr>
-    <a:masterClrMapping/>
-  </p:clrMapOvr>
-</p:sldLayout>
-</file>
-
-<file path=ppt/slideLayouts/slideLayout16.xml><?xml version="1.0" encoding="utf-8"?>
-<p:sldLayout xmlns:a="http://schemas.openxmlformats.org/drawingml/2006/main" xmlns:r="http://schemas.openxmlformats.org/officeDocument/2006/relationships" xmlns:p="http://schemas.openxmlformats.org/presentationml/2006/main" type="twoObj" preserve="1">
-  <p:cSld name="Title, 2 Content">
-    <p:spTree>
-      <p:nvGrpSpPr>
-        <p:cNvPr id="1" name=""/>
-        <p:cNvGrpSpPr/>
-        <p:nvPr/>
-      </p:nvGrpSpPr>
-      <p:grpSpPr>
-        <a:xfrm>
-          <a:off x="0" y="0"/>
-          <a:ext cx="0" cy="0"/>
-          <a:chOff x="0" y="0"/>
-          <a:chExt cx="0" cy="0"/>
-        </a:xfrm>
-      </p:grpSpPr>
-      <p:sp>
-        <p:nvSpPr>
-          <p:cNvPr id="9" name="PlaceHolder 1"/>
-          <p:cNvSpPr>
-            <a:spLocks noGrp="1"/>
-          </p:cNvSpPr>
-          <p:nvPr>
-            <p:ph type="title"/>
-          </p:nvPr>
-        </p:nvSpPr>
-        <p:spPr>
-          <a:xfrm>
-            <a:off x="609562" y="273352"/>
-            <a:ext cx="10971684" cy="1145009"/>
-          </a:xfrm>
-          <a:prstGeom prst="rect">
-            <a:avLst/>
-          </a:prstGeom>
-        </p:spPr>
-        <p:txBody>
-          <a:bodyPr lIns="0" tIns="0" rIns="0" bIns="0" anchor="ctr"/>
-          <a:lstStyle/>
-          <a:p>
-            <a:pPr algn="ctr"/>
-            <a:endParaRPr/>
-          </a:p>
-        </p:txBody>
-      </p:sp>
-      <p:sp>
-        <p:nvSpPr>
-          <p:cNvPr id="10" name="PlaceHolder 2"/>
-          <p:cNvSpPr>
-            <a:spLocks noGrp="1"/>
-          </p:cNvSpPr>
-          <p:nvPr>
-            <p:ph type="body"/>
-          </p:nvPr>
-        </p:nvSpPr>
-        <p:spPr>
-          <a:xfrm>
-            <a:off x="609562" y="1604841"/>
-            <a:ext cx="5354133" cy="3977484"/>
-          </a:xfrm>
-          <a:prstGeom prst="rect">
-            <a:avLst/>
-          </a:prstGeom>
-        </p:spPr>
-        <p:txBody>
-          <a:bodyPr lIns="0" tIns="0" rIns="0" bIns="0"/>
-          <a:lstStyle/>
-          <a:p>
-            <a:endParaRPr/>
-          </a:p>
-        </p:txBody>
-      </p:sp>
-      <p:sp>
-        <p:nvSpPr>
-          <p:cNvPr id="11" name="PlaceHolder 3"/>
-          <p:cNvSpPr>
-            <a:spLocks noGrp="1"/>
-          </p:cNvSpPr>
-          <p:nvPr>
-            <p:ph type="body"/>
-          </p:nvPr>
-        </p:nvSpPr>
-        <p:spPr>
-          <a:xfrm>
-            <a:off x="6231903" y="1604841"/>
-            <a:ext cx="5354133" cy="3977484"/>
-          </a:xfrm>
-          <a:prstGeom prst="rect">
-            <a:avLst/>
-          </a:prstGeom>
-        </p:spPr>
-        <p:txBody>
-          <a:bodyPr lIns="0" tIns="0" rIns="0" bIns="0"/>
-          <a:lstStyle/>
-          <a:p>
-            <a:endParaRPr/>
-          </a:p>
-        </p:txBody>
-      </p:sp>
-    </p:spTree>
-    <p:extLst>
-      <p:ext uri="{BB962C8B-B14F-4D97-AF65-F5344CB8AC3E}">
-        <p14:creationId xmlns:p14="http://schemas.microsoft.com/office/powerpoint/2010/main" val="80231406"/>
-      </p:ext>
-    </p:extLst>
-  </p:cSld>
-  <p:clrMapOvr>
-    <a:masterClrMapping/>
-  </p:clrMapOvr>
-</p:sldLayout>
-</file>
-
-<file path=ppt/slideLayouts/slideLayout17.xml><?xml version="1.0" encoding="utf-8"?>
-<p:sldLayout xmlns:a="http://schemas.openxmlformats.org/drawingml/2006/main" xmlns:r="http://schemas.openxmlformats.org/officeDocument/2006/relationships" xmlns:p="http://schemas.openxmlformats.org/presentationml/2006/main" type="titleOnly" preserve="1">
-  <p:cSld name="Title Only">
-    <p:spTree>
-      <p:nvGrpSpPr>
-        <p:cNvPr id="1" name=""/>
-        <p:cNvGrpSpPr/>
-        <p:nvPr/>
-      </p:nvGrpSpPr>
-      <p:grpSpPr>
-        <a:xfrm>
-          <a:off x="0" y="0"/>
-          <a:ext cx="0" cy="0"/>
-          <a:chOff x="0" y="0"/>
-          <a:chExt cx="0" cy="0"/>
-        </a:xfrm>
-      </p:grpSpPr>
-      <p:sp>
-        <p:nvSpPr>
-          <p:cNvPr id="12" name="PlaceHolder 1"/>
-          <p:cNvSpPr>
-            <a:spLocks noGrp="1"/>
-          </p:cNvSpPr>
-          <p:nvPr>
-            <p:ph type="title"/>
-          </p:nvPr>
-        </p:nvSpPr>
-        <p:spPr>
-          <a:xfrm>
-            <a:off x="609562" y="273352"/>
-            <a:ext cx="10971684" cy="1145009"/>
-          </a:xfrm>
-          <a:prstGeom prst="rect">
-            <a:avLst/>
-          </a:prstGeom>
-        </p:spPr>
-        <p:txBody>
-          <a:bodyPr lIns="0" tIns="0" rIns="0" bIns="0" anchor="ctr"/>
-          <a:lstStyle/>
-          <a:p>
-            <a:pPr algn="ctr"/>
-            <a:endParaRPr/>
-          </a:p>
-        </p:txBody>
-      </p:sp>
-    </p:spTree>
-    <p:extLst>
-      <p:ext uri="{BB962C8B-B14F-4D97-AF65-F5344CB8AC3E}">
-        <p14:creationId xmlns:p14="http://schemas.microsoft.com/office/powerpoint/2010/main" val="1538902688"/>
-      </p:ext>
-    </p:extLst>
-  </p:cSld>
-  <p:clrMapOvr>
-    <a:masterClrMapping/>
-  </p:clrMapOvr>
-</p:sldLayout>
-</file>
-
-<file path=ppt/slideLayouts/slideLayout18.xml><?xml version="1.0" encoding="utf-8"?>
-<p:sldLayout xmlns:a="http://schemas.openxmlformats.org/drawingml/2006/main" xmlns:r="http://schemas.openxmlformats.org/officeDocument/2006/relationships" xmlns:p="http://schemas.openxmlformats.org/presentationml/2006/main" type="objOnly" preserve="1">
-  <p:cSld name="Centered Text">
-    <p:spTree>
-      <p:nvGrpSpPr>
-        <p:cNvPr id="1" name=""/>
-        <p:cNvGrpSpPr/>
-        <p:nvPr/>
-      </p:nvGrpSpPr>
-      <p:grpSpPr>
-        <a:xfrm>
-          <a:off x="0" y="0"/>
-          <a:ext cx="0" cy="0"/>
-          <a:chOff x="0" y="0"/>
-          <a:chExt cx="0" cy="0"/>
-        </a:xfrm>
-      </p:grpSpPr>
-      <p:sp>
-        <p:nvSpPr>
-          <p:cNvPr id="13" name="PlaceHolder 1"/>
-          <p:cNvSpPr>
-            <a:spLocks noGrp="1"/>
-          </p:cNvSpPr>
-          <p:nvPr>
-            <p:ph type="subTitle"/>
-          </p:nvPr>
-        </p:nvSpPr>
-        <p:spPr>
-          <a:xfrm>
-            <a:off x="609562" y="273352"/>
-            <a:ext cx="10971684" cy="5308647"/>
-          </a:xfrm>
-          <a:prstGeom prst="rect">
-            <a:avLst/>
-          </a:prstGeom>
-        </p:spPr>
-        <p:txBody>
-          <a:bodyPr lIns="0" tIns="0" rIns="0" bIns="0" anchor="ctr"/>
-          <a:lstStyle/>
-          <a:p>
-            <a:pPr algn="ctr"/>
-            <a:endParaRPr/>
-          </a:p>
-        </p:txBody>
-      </p:sp>
-    </p:spTree>
-    <p:extLst>
-      <p:ext uri="{BB962C8B-B14F-4D97-AF65-F5344CB8AC3E}">
-        <p14:creationId xmlns:p14="http://schemas.microsoft.com/office/powerpoint/2010/main" val="1370321478"/>
-      </p:ext>
-    </p:extLst>
-  </p:cSld>
-  <p:clrMapOvr>
-    <a:masterClrMapping/>
-  </p:clrMapOvr>
-</p:sldLayout>
-</file>
-
-<file path=ppt/slideLayouts/slideLayout19.xml><?xml version="1.0" encoding="utf-8"?>
-<p:sldLayout xmlns:a="http://schemas.openxmlformats.org/drawingml/2006/main" xmlns:r="http://schemas.openxmlformats.org/officeDocument/2006/relationships" xmlns:p="http://schemas.openxmlformats.org/presentationml/2006/main" type="twoObjAndObj" preserve="1">
-  <p:cSld name="Title, 2 Content and Content">
-    <p:spTree>
-      <p:nvGrpSpPr>
-        <p:cNvPr id="1" name=""/>
-        <p:cNvGrpSpPr/>
-        <p:nvPr/>
-      </p:nvGrpSpPr>
-      <p:grpSpPr>
-        <a:xfrm>
-          <a:off x="0" y="0"/>
-          <a:ext cx="0" cy="0"/>
-          <a:chOff x="0" y="0"/>
-          <a:chExt cx="0" cy="0"/>
-        </a:xfrm>
-      </p:grpSpPr>
-      <p:sp>
-        <p:nvSpPr>
-          <p:cNvPr id="14" name="PlaceHolder 1"/>
-          <p:cNvSpPr>
-            <a:spLocks noGrp="1"/>
-          </p:cNvSpPr>
-          <p:nvPr>
-            <p:ph type="title"/>
-          </p:nvPr>
-        </p:nvSpPr>
-        <p:spPr>
-          <a:xfrm>
-            <a:off x="609562" y="273352"/>
-            <a:ext cx="10971684" cy="1145009"/>
-          </a:xfrm>
-          <a:prstGeom prst="rect">
-            <a:avLst/>
-          </a:prstGeom>
-        </p:spPr>
-        <p:txBody>
-          <a:bodyPr lIns="0" tIns="0" rIns="0" bIns="0" anchor="ctr"/>
-          <a:lstStyle/>
-          <a:p>
-            <a:pPr algn="ctr"/>
-            <a:endParaRPr/>
-          </a:p>
-        </p:txBody>
-      </p:sp>
-      <p:sp>
-        <p:nvSpPr>
-          <p:cNvPr id="15" name="PlaceHolder 2"/>
-          <p:cNvSpPr>
-            <a:spLocks noGrp="1"/>
-          </p:cNvSpPr>
-          <p:nvPr>
-            <p:ph type="body"/>
-          </p:nvPr>
-        </p:nvSpPr>
-        <p:spPr>
-          <a:xfrm>
-            <a:off x="609562" y="1604841"/>
-            <a:ext cx="5354133" cy="1897135"/>
-          </a:xfrm>
-          <a:prstGeom prst="rect">
-            <a:avLst/>
-          </a:prstGeom>
-        </p:spPr>
-        <p:txBody>
-          <a:bodyPr lIns="0" tIns="0" rIns="0" bIns="0"/>
-          <a:lstStyle/>
-          <a:p>
-            <a:endParaRPr/>
-          </a:p>
-        </p:txBody>
-      </p:sp>
-      <p:sp>
-        <p:nvSpPr>
-          <p:cNvPr id="16" name="PlaceHolder 3"/>
-          <p:cNvSpPr>
-            <a:spLocks noGrp="1"/>
-          </p:cNvSpPr>
-          <p:nvPr>
-            <p:ph type="body"/>
-          </p:nvPr>
-        </p:nvSpPr>
-        <p:spPr>
-          <a:xfrm>
-            <a:off x="609562" y="3682578"/>
-            <a:ext cx="5354133" cy="1897135"/>
-          </a:xfrm>
-          <a:prstGeom prst="rect">
-            <a:avLst/>
-          </a:prstGeom>
-        </p:spPr>
-        <p:txBody>
-          <a:bodyPr lIns="0" tIns="0" rIns="0" bIns="0"/>
-          <a:lstStyle/>
-          <a:p>
-            <a:endParaRPr/>
-          </a:p>
-        </p:txBody>
-      </p:sp>
-      <p:sp>
-        <p:nvSpPr>
-          <p:cNvPr id="17" name="PlaceHolder 4"/>
-          <p:cNvSpPr>
-            <a:spLocks noGrp="1"/>
-          </p:cNvSpPr>
-          <p:nvPr>
-            <p:ph type="body"/>
-          </p:nvPr>
-        </p:nvSpPr>
-        <p:spPr>
-          <a:xfrm>
-            <a:off x="6231903" y="1604841"/>
-            <a:ext cx="5354133" cy="3977484"/>
-          </a:xfrm>
-          <a:prstGeom prst="rect">
-            <a:avLst/>
-          </a:prstGeom>
-        </p:spPr>
-        <p:txBody>
-          <a:bodyPr lIns="0" tIns="0" rIns="0" bIns="0"/>
-          <a:lstStyle/>
-          <a:p>
-            <a:endParaRPr/>
-          </a:p>
-        </p:txBody>
-      </p:sp>
-    </p:spTree>
-    <p:extLst>
-      <p:ext uri="{BB962C8B-B14F-4D97-AF65-F5344CB8AC3E}">
-        <p14:creationId xmlns:p14="http://schemas.microsoft.com/office/powerpoint/2010/main" val="3756964665"/>
+        <p14:creationId xmlns:p14="http://schemas.microsoft.com/office/powerpoint/2010/main" val="3765470032"/>
       </p:ext>
     </p:extLst>
   </p:cSld>
@@ -1673,721 +1099,7 @@
     </p:spTree>
     <p:extLst>
       <p:ext uri="{BB962C8B-B14F-4D97-AF65-F5344CB8AC3E}">
-        <p14:creationId xmlns:p14="http://schemas.microsoft.com/office/powerpoint/2010/main" val="771229431"/>
-      </p:ext>
-    </p:extLst>
-  </p:cSld>
-  <p:clrMapOvr>
-    <a:masterClrMapping/>
-  </p:clrMapOvr>
-</p:sldLayout>
-</file>
-
-<file path=ppt/slideLayouts/slideLayout20.xml><?xml version="1.0" encoding="utf-8"?>
-<p:sldLayout xmlns:a="http://schemas.openxmlformats.org/drawingml/2006/main" xmlns:r="http://schemas.openxmlformats.org/officeDocument/2006/relationships" xmlns:p="http://schemas.openxmlformats.org/presentationml/2006/main" type="objAndTwoObj" preserve="1">
-  <p:cSld name="Title Content and 2 Content">
-    <p:spTree>
-      <p:nvGrpSpPr>
-        <p:cNvPr id="1" name=""/>
-        <p:cNvGrpSpPr/>
-        <p:nvPr/>
-      </p:nvGrpSpPr>
-      <p:grpSpPr>
-        <a:xfrm>
-          <a:off x="0" y="0"/>
-          <a:ext cx="0" cy="0"/>
-          <a:chOff x="0" y="0"/>
-          <a:chExt cx="0" cy="0"/>
-        </a:xfrm>
-      </p:grpSpPr>
-      <p:sp>
-        <p:nvSpPr>
-          <p:cNvPr id="18" name="PlaceHolder 1"/>
-          <p:cNvSpPr>
-            <a:spLocks noGrp="1"/>
-          </p:cNvSpPr>
-          <p:nvPr>
-            <p:ph type="title"/>
-          </p:nvPr>
-        </p:nvSpPr>
-        <p:spPr>
-          <a:xfrm>
-            <a:off x="609562" y="273352"/>
-            <a:ext cx="10971684" cy="1145009"/>
-          </a:xfrm>
-          <a:prstGeom prst="rect">
-            <a:avLst/>
-          </a:prstGeom>
-        </p:spPr>
-        <p:txBody>
-          <a:bodyPr lIns="0" tIns="0" rIns="0" bIns="0" anchor="ctr"/>
-          <a:lstStyle/>
-          <a:p>
-            <a:pPr algn="ctr"/>
-            <a:endParaRPr/>
-          </a:p>
-        </p:txBody>
-      </p:sp>
-      <p:sp>
-        <p:nvSpPr>
-          <p:cNvPr id="19" name="PlaceHolder 2"/>
-          <p:cNvSpPr>
-            <a:spLocks noGrp="1"/>
-          </p:cNvSpPr>
-          <p:nvPr>
-            <p:ph type="body"/>
-          </p:nvPr>
-        </p:nvSpPr>
-        <p:spPr>
-          <a:xfrm>
-            <a:off x="609562" y="1604841"/>
-            <a:ext cx="5354133" cy="3977484"/>
-          </a:xfrm>
-          <a:prstGeom prst="rect">
-            <a:avLst/>
-          </a:prstGeom>
-        </p:spPr>
-        <p:txBody>
-          <a:bodyPr lIns="0" tIns="0" rIns="0" bIns="0"/>
-          <a:lstStyle/>
-          <a:p>
-            <a:endParaRPr/>
-          </a:p>
-        </p:txBody>
-      </p:sp>
-      <p:sp>
-        <p:nvSpPr>
-          <p:cNvPr id="20" name="PlaceHolder 3"/>
-          <p:cNvSpPr>
-            <a:spLocks noGrp="1"/>
-          </p:cNvSpPr>
-          <p:nvPr>
-            <p:ph type="body"/>
-          </p:nvPr>
-        </p:nvSpPr>
-        <p:spPr>
-          <a:xfrm>
-            <a:off x="6231903" y="1604841"/>
-            <a:ext cx="5354133" cy="1897135"/>
-          </a:xfrm>
-          <a:prstGeom prst="rect">
-            <a:avLst/>
-          </a:prstGeom>
-        </p:spPr>
-        <p:txBody>
-          <a:bodyPr lIns="0" tIns="0" rIns="0" bIns="0"/>
-          <a:lstStyle/>
-          <a:p>
-            <a:endParaRPr/>
-          </a:p>
-        </p:txBody>
-      </p:sp>
-      <p:sp>
-        <p:nvSpPr>
-          <p:cNvPr id="21" name="PlaceHolder 4"/>
-          <p:cNvSpPr>
-            <a:spLocks noGrp="1"/>
-          </p:cNvSpPr>
-          <p:nvPr>
-            <p:ph type="body"/>
-          </p:nvPr>
-        </p:nvSpPr>
-        <p:spPr>
-          <a:xfrm>
-            <a:off x="6231903" y="3682578"/>
-            <a:ext cx="5354133" cy="1897135"/>
-          </a:xfrm>
-          <a:prstGeom prst="rect">
-            <a:avLst/>
-          </a:prstGeom>
-        </p:spPr>
-        <p:txBody>
-          <a:bodyPr lIns="0" tIns="0" rIns="0" bIns="0"/>
-          <a:lstStyle/>
-          <a:p>
-            <a:endParaRPr/>
-          </a:p>
-        </p:txBody>
-      </p:sp>
-    </p:spTree>
-    <p:extLst>
-      <p:ext uri="{BB962C8B-B14F-4D97-AF65-F5344CB8AC3E}">
-        <p14:creationId xmlns:p14="http://schemas.microsoft.com/office/powerpoint/2010/main" val="3058464944"/>
-      </p:ext>
-    </p:extLst>
-  </p:cSld>
-  <p:clrMapOvr>
-    <a:masterClrMapping/>
-  </p:clrMapOvr>
-</p:sldLayout>
-</file>
-
-<file path=ppt/slideLayouts/slideLayout21.xml><?xml version="1.0" encoding="utf-8"?>
-<p:sldLayout xmlns:a="http://schemas.openxmlformats.org/drawingml/2006/main" xmlns:r="http://schemas.openxmlformats.org/officeDocument/2006/relationships" xmlns:p="http://schemas.openxmlformats.org/presentationml/2006/main" type="twoObjOverTx" preserve="1">
-  <p:cSld name="Title, 2 Content over Content">
-    <p:spTree>
-      <p:nvGrpSpPr>
-        <p:cNvPr id="1" name=""/>
-        <p:cNvGrpSpPr/>
-        <p:nvPr/>
-      </p:nvGrpSpPr>
-      <p:grpSpPr>
-        <a:xfrm>
-          <a:off x="0" y="0"/>
-          <a:ext cx="0" cy="0"/>
-          <a:chOff x="0" y="0"/>
-          <a:chExt cx="0" cy="0"/>
-        </a:xfrm>
-      </p:grpSpPr>
-      <p:sp>
-        <p:nvSpPr>
-          <p:cNvPr id="22" name="PlaceHolder 1"/>
-          <p:cNvSpPr>
-            <a:spLocks noGrp="1"/>
-          </p:cNvSpPr>
-          <p:nvPr>
-            <p:ph type="title"/>
-          </p:nvPr>
-        </p:nvSpPr>
-        <p:spPr>
-          <a:xfrm>
-            <a:off x="609562" y="273352"/>
-            <a:ext cx="10971684" cy="1145009"/>
-          </a:xfrm>
-          <a:prstGeom prst="rect">
-            <a:avLst/>
-          </a:prstGeom>
-        </p:spPr>
-        <p:txBody>
-          <a:bodyPr lIns="0" tIns="0" rIns="0" bIns="0" anchor="ctr"/>
-          <a:lstStyle/>
-          <a:p>
-            <a:pPr algn="ctr"/>
-            <a:endParaRPr/>
-          </a:p>
-        </p:txBody>
-      </p:sp>
-      <p:sp>
-        <p:nvSpPr>
-          <p:cNvPr id="23" name="PlaceHolder 2"/>
-          <p:cNvSpPr>
-            <a:spLocks noGrp="1"/>
-          </p:cNvSpPr>
-          <p:nvPr>
-            <p:ph type="body"/>
-          </p:nvPr>
-        </p:nvSpPr>
-        <p:spPr>
-          <a:xfrm>
-            <a:off x="609562" y="1604841"/>
-            <a:ext cx="5354133" cy="1897135"/>
-          </a:xfrm>
-          <a:prstGeom prst="rect">
-            <a:avLst/>
-          </a:prstGeom>
-        </p:spPr>
-        <p:txBody>
-          <a:bodyPr lIns="0" tIns="0" rIns="0" bIns="0"/>
-          <a:lstStyle/>
-          <a:p>
-            <a:endParaRPr/>
-          </a:p>
-        </p:txBody>
-      </p:sp>
-      <p:sp>
-        <p:nvSpPr>
-          <p:cNvPr id="24" name="PlaceHolder 3"/>
-          <p:cNvSpPr>
-            <a:spLocks noGrp="1"/>
-          </p:cNvSpPr>
-          <p:nvPr>
-            <p:ph type="body"/>
-          </p:nvPr>
-        </p:nvSpPr>
-        <p:spPr>
-          <a:xfrm>
-            <a:off x="6231903" y="1604841"/>
-            <a:ext cx="5354133" cy="1897135"/>
-          </a:xfrm>
-          <a:prstGeom prst="rect">
-            <a:avLst/>
-          </a:prstGeom>
-        </p:spPr>
-        <p:txBody>
-          <a:bodyPr lIns="0" tIns="0" rIns="0" bIns="0"/>
-          <a:lstStyle/>
-          <a:p>
-            <a:endParaRPr/>
-          </a:p>
-        </p:txBody>
-      </p:sp>
-      <p:sp>
-        <p:nvSpPr>
-          <p:cNvPr id="25" name="PlaceHolder 4"/>
-          <p:cNvSpPr>
-            <a:spLocks noGrp="1"/>
-          </p:cNvSpPr>
-          <p:nvPr>
-            <p:ph type="body"/>
-          </p:nvPr>
-        </p:nvSpPr>
-        <p:spPr>
-          <a:xfrm>
-            <a:off x="609562" y="3682578"/>
-            <a:ext cx="10971684" cy="1897135"/>
-          </a:xfrm>
-          <a:prstGeom prst="rect">
-            <a:avLst/>
-          </a:prstGeom>
-        </p:spPr>
-        <p:txBody>
-          <a:bodyPr lIns="0" tIns="0" rIns="0" bIns="0"/>
-          <a:lstStyle/>
-          <a:p>
-            <a:endParaRPr/>
-          </a:p>
-        </p:txBody>
-      </p:sp>
-    </p:spTree>
-    <p:extLst>
-      <p:ext uri="{BB962C8B-B14F-4D97-AF65-F5344CB8AC3E}">
-        <p14:creationId xmlns:p14="http://schemas.microsoft.com/office/powerpoint/2010/main" val="3273576672"/>
-      </p:ext>
-    </p:extLst>
-  </p:cSld>
-  <p:clrMapOvr>
-    <a:masterClrMapping/>
-  </p:clrMapOvr>
-</p:sldLayout>
-</file>
-
-<file path=ppt/slideLayouts/slideLayout22.xml><?xml version="1.0" encoding="utf-8"?>
-<p:sldLayout xmlns:a="http://schemas.openxmlformats.org/drawingml/2006/main" xmlns:r="http://schemas.openxmlformats.org/officeDocument/2006/relationships" xmlns:p="http://schemas.openxmlformats.org/presentationml/2006/main" type="objOverTx" preserve="1">
-  <p:cSld name="Title, Content over Content">
-    <p:spTree>
-      <p:nvGrpSpPr>
-        <p:cNvPr id="1" name=""/>
-        <p:cNvGrpSpPr/>
-        <p:nvPr/>
-      </p:nvGrpSpPr>
-      <p:grpSpPr>
-        <a:xfrm>
-          <a:off x="0" y="0"/>
-          <a:ext cx="0" cy="0"/>
-          <a:chOff x="0" y="0"/>
-          <a:chExt cx="0" cy="0"/>
-        </a:xfrm>
-      </p:grpSpPr>
-      <p:sp>
-        <p:nvSpPr>
-          <p:cNvPr id="26" name="PlaceHolder 1"/>
-          <p:cNvSpPr>
-            <a:spLocks noGrp="1"/>
-          </p:cNvSpPr>
-          <p:nvPr>
-            <p:ph type="title"/>
-          </p:nvPr>
-        </p:nvSpPr>
-        <p:spPr>
-          <a:xfrm>
-            <a:off x="609562" y="273352"/>
-            <a:ext cx="10971684" cy="1145009"/>
-          </a:xfrm>
-          <a:prstGeom prst="rect">
-            <a:avLst/>
-          </a:prstGeom>
-        </p:spPr>
-        <p:txBody>
-          <a:bodyPr lIns="0" tIns="0" rIns="0" bIns="0" anchor="ctr"/>
-          <a:lstStyle/>
-          <a:p>
-            <a:pPr algn="ctr"/>
-            <a:endParaRPr/>
-          </a:p>
-        </p:txBody>
-      </p:sp>
-      <p:sp>
-        <p:nvSpPr>
-          <p:cNvPr id="27" name="PlaceHolder 2"/>
-          <p:cNvSpPr>
-            <a:spLocks noGrp="1"/>
-          </p:cNvSpPr>
-          <p:nvPr>
-            <p:ph type="body"/>
-          </p:nvPr>
-        </p:nvSpPr>
-        <p:spPr>
-          <a:xfrm>
-            <a:off x="609562" y="1604841"/>
-            <a:ext cx="10971684" cy="1897135"/>
-          </a:xfrm>
-          <a:prstGeom prst="rect">
-            <a:avLst/>
-          </a:prstGeom>
-        </p:spPr>
-        <p:txBody>
-          <a:bodyPr lIns="0" tIns="0" rIns="0" bIns="0"/>
-          <a:lstStyle/>
-          <a:p>
-            <a:endParaRPr/>
-          </a:p>
-        </p:txBody>
-      </p:sp>
-      <p:sp>
-        <p:nvSpPr>
-          <p:cNvPr id="28" name="PlaceHolder 3"/>
-          <p:cNvSpPr>
-            <a:spLocks noGrp="1"/>
-          </p:cNvSpPr>
-          <p:nvPr>
-            <p:ph type="body"/>
-          </p:nvPr>
-        </p:nvSpPr>
-        <p:spPr>
-          <a:xfrm>
-            <a:off x="609562" y="3682578"/>
-            <a:ext cx="10971684" cy="1897135"/>
-          </a:xfrm>
-          <a:prstGeom prst="rect">
-            <a:avLst/>
-          </a:prstGeom>
-        </p:spPr>
-        <p:txBody>
-          <a:bodyPr lIns="0" tIns="0" rIns="0" bIns="0"/>
-          <a:lstStyle/>
-          <a:p>
-            <a:endParaRPr/>
-          </a:p>
-        </p:txBody>
-      </p:sp>
-    </p:spTree>
-    <p:extLst>
-      <p:ext uri="{BB962C8B-B14F-4D97-AF65-F5344CB8AC3E}">
-        <p14:creationId xmlns:p14="http://schemas.microsoft.com/office/powerpoint/2010/main" val="1808432815"/>
-      </p:ext>
-    </p:extLst>
-  </p:cSld>
-  <p:clrMapOvr>
-    <a:masterClrMapping/>
-  </p:clrMapOvr>
-</p:sldLayout>
-</file>
-
-<file path=ppt/slideLayouts/slideLayout23.xml><?xml version="1.0" encoding="utf-8"?>
-<p:sldLayout xmlns:a="http://schemas.openxmlformats.org/drawingml/2006/main" xmlns:r="http://schemas.openxmlformats.org/officeDocument/2006/relationships" xmlns:p="http://schemas.openxmlformats.org/presentationml/2006/main" type="fourObj" preserve="1">
-  <p:cSld name="Title, 4 Content">
-    <p:spTree>
-      <p:nvGrpSpPr>
-        <p:cNvPr id="1" name=""/>
-        <p:cNvGrpSpPr/>
-        <p:nvPr/>
-      </p:nvGrpSpPr>
-      <p:grpSpPr>
-        <a:xfrm>
-          <a:off x="0" y="0"/>
-          <a:ext cx="0" cy="0"/>
-          <a:chOff x="0" y="0"/>
-          <a:chExt cx="0" cy="0"/>
-        </a:xfrm>
-      </p:grpSpPr>
-      <p:sp>
-        <p:nvSpPr>
-          <p:cNvPr id="29" name="PlaceHolder 1"/>
-          <p:cNvSpPr>
-            <a:spLocks noGrp="1"/>
-          </p:cNvSpPr>
-          <p:nvPr>
-            <p:ph type="title"/>
-          </p:nvPr>
-        </p:nvSpPr>
-        <p:spPr>
-          <a:xfrm>
-            <a:off x="609562" y="273352"/>
-            <a:ext cx="10971684" cy="1145009"/>
-          </a:xfrm>
-          <a:prstGeom prst="rect">
-            <a:avLst/>
-          </a:prstGeom>
-        </p:spPr>
-        <p:txBody>
-          <a:bodyPr lIns="0" tIns="0" rIns="0" bIns="0" anchor="ctr"/>
-          <a:lstStyle/>
-          <a:p>
-            <a:pPr algn="ctr"/>
-            <a:endParaRPr/>
-          </a:p>
-        </p:txBody>
-      </p:sp>
-      <p:sp>
-        <p:nvSpPr>
-          <p:cNvPr id="30" name="PlaceHolder 2"/>
-          <p:cNvSpPr>
-            <a:spLocks noGrp="1"/>
-          </p:cNvSpPr>
-          <p:nvPr>
-            <p:ph type="body"/>
-          </p:nvPr>
-        </p:nvSpPr>
-        <p:spPr>
-          <a:xfrm>
-            <a:off x="609562" y="1604841"/>
-            <a:ext cx="5354133" cy="1897135"/>
-          </a:xfrm>
-          <a:prstGeom prst="rect">
-            <a:avLst/>
-          </a:prstGeom>
-        </p:spPr>
-        <p:txBody>
-          <a:bodyPr lIns="0" tIns="0" rIns="0" bIns="0"/>
-          <a:lstStyle/>
-          <a:p>
-            <a:endParaRPr/>
-          </a:p>
-        </p:txBody>
-      </p:sp>
-      <p:sp>
-        <p:nvSpPr>
-          <p:cNvPr id="31" name="PlaceHolder 3"/>
-          <p:cNvSpPr>
-            <a:spLocks noGrp="1"/>
-          </p:cNvSpPr>
-          <p:nvPr>
-            <p:ph type="body"/>
-          </p:nvPr>
-        </p:nvSpPr>
-        <p:spPr>
-          <a:xfrm>
-            <a:off x="6231903" y="1604841"/>
-            <a:ext cx="5354133" cy="1897135"/>
-          </a:xfrm>
-          <a:prstGeom prst="rect">
-            <a:avLst/>
-          </a:prstGeom>
-        </p:spPr>
-        <p:txBody>
-          <a:bodyPr lIns="0" tIns="0" rIns="0" bIns="0"/>
-          <a:lstStyle/>
-          <a:p>
-            <a:endParaRPr/>
-          </a:p>
-        </p:txBody>
-      </p:sp>
-      <p:sp>
-        <p:nvSpPr>
-          <p:cNvPr id="32" name="PlaceHolder 4"/>
-          <p:cNvSpPr>
-            <a:spLocks noGrp="1"/>
-          </p:cNvSpPr>
-          <p:nvPr>
-            <p:ph type="body"/>
-          </p:nvPr>
-        </p:nvSpPr>
-        <p:spPr>
-          <a:xfrm>
-            <a:off x="6231903" y="3682578"/>
-            <a:ext cx="5354133" cy="1897135"/>
-          </a:xfrm>
-          <a:prstGeom prst="rect">
-            <a:avLst/>
-          </a:prstGeom>
-        </p:spPr>
-        <p:txBody>
-          <a:bodyPr lIns="0" tIns="0" rIns="0" bIns="0"/>
-          <a:lstStyle/>
-          <a:p>
-            <a:endParaRPr/>
-          </a:p>
-        </p:txBody>
-      </p:sp>
-      <p:sp>
-        <p:nvSpPr>
-          <p:cNvPr id="33" name="PlaceHolder 5"/>
-          <p:cNvSpPr>
-            <a:spLocks noGrp="1"/>
-          </p:cNvSpPr>
-          <p:nvPr>
-            <p:ph type="body"/>
-          </p:nvPr>
-        </p:nvSpPr>
-        <p:spPr>
-          <a:xfrm>
-            <a:off x="609562" y="3682578"/>
-            <a:ext cx="5354133" cy="1897135"/>
-          </a:xfrm>
-          <a:prstGeom prst="rect">
-            <a:avLst/>
-          </a:prstGeom>
-        </p:spPr>
-        <p:txBody>
-          <a:bodyPr lIns="0" tIns="0" rIns="0" bIns="0"/>
-          <a:lstStyle/>
-          <a:p>
-            <a:endParaRPr/>
-          </a:p>
-        </p:txBody>
-      </p:sp>
-    </p:spTree>
-    <p:extLst>
-      <p:ext uri="{BB962C8B-B14F-4D97-AF65-F5344CB8AC3E}">
-        <p14:creationId xmlns:p14="http://schemas.microsoft.com/office/powerpoint/2010/main" val="70246308"/>
-      </p:ext>
-    </p:extLst>
-  </p:cSld>
-  <p:clrMapOvr>
-    <a:masterClrMapping/>
-  </p:clrMapOvr>
-</p:sldLayout>
-</file>
-
-<file path=ppt/slideLayouts/slideLayout24.xml><?xml version="1.0" encoding="utf-8"?>
-<p:sldLayout xmlns:a="http://schemas.openxmlformats.org/drawingml/2006/main" xmlns:r="http://schemas.openxmlformats.org/officeDocument/2006/relationships" xmlns:p="http://schemas.openxmlformats.org/presentationml/2006/main" type="blank" preserve="1">
-  <p:cSld name="Title, 6 Content">
-    <p:spTree>
-      <p:nvGrpSpPr>
-        <p:cNvPr id="1" name=""/>
-        <p:cNvGrpSpPr/>
-        <p:nvPr/>
-      </p:nvGrpSpPr>
-      <p:grpSpPr>
-        <a:xfrm>
-          <a:off x="0" y="0"/>
-          <a:ext cx="0" cy="0"/>
-          <a:chOff x="0" y="0"/>
-          <a:chExt cx="0" cy="0"/>
-        </a:xfrm>
-      </p:grpSpPr>
-      <p:sp>
-        <p:nvSpPr>
-          <p:cNvPr id="34" name="PlaceHolder 1"/>
-          <p:cNvSpPr>
-            <a:spLocks noGrp="1"/>
-          </p:cNvSpPr>
-          <p:nvPr>
-            <p:ph type="title"/>
-          </p:nvPr>
-        </p:nvSpPr>
-        <p:spPr>
-          <a:xfrm>
-            <a:off x="609562" y="273352"/>
-            <a:ext cx="10971684" cy="1145009"/>
-          </a:xfrm>
-          <a:prstGeom prst="rect">
-            <a:avLst/>
-          </a:prstGeom>
-        </p:spPr>
-        <p:txBody>
-          <a:bodyPr lIns="0" tIns="0" rIns="0" bIns="0" anchor="ctr"/>
-          <a:lstStyle/>
-          <a:p>
-            <a:pPr algn="ctr"/>
-            <a:endParaRPr/>
-          </a:p>
-        </p:txBody>
-      </p:sp>
-      <p:sp>
-        <p:nvSpPr>
-          <p:cNvPr id="35" name="PlaceHolder 2"/>
-          <p:cNvSpPr>
-            <a:spLocks noGrp="1"/>
-          </p:cNvSpPr>
-          <p:nvPr>
-            <p:ph type="body"/>
-          </p:nvPr>
-        </p:nvSpPr>
-        <p:spPr>
-          <a:xfrm>
-            <a:off x="609562" y="1604841"/>
-            <a:ext cx="10971684" cy="3977484"/>
-          </a:xfrm>
-          <a:prstGeom prst="rect">
-            <a:avLst/>
-          </a:prstGeom>
-        </p:spPr>
-        <p:txBody>
-          <a:bodyPr lIns="0" tIns="0" rIns="0" bIns="0"/>
-          <a:lstStyle/>
-          <a:p>
-            <a:endParaRPr/>
-          </a:p>
-        </p:txBody>
-      </p:sp>
-      <p:sp>
-        <p:nvSpPr>
-          <p:cNvPr id="36" name="PlaceHolder 3"/>
-          <p:cNvSpPr>
-            <a:spLocks noGrp="1"/>
-          </p:cNvSpPr>
-          <p:nvPr>
-            <p:ph type="body"/>
-          </p:nvPr>
-        </p:nvSpPr>
-        <p:spPr>
-          <a:xfrm>
-            <a:off x="609562" y="1604841"/>
-            <a:ext cx="10971684" cy="3977484"/>
-          </a:xfrm>
-          <a:prstGeom prst="rect">
-            <a:avLst/>
-          </a:prstGeom>
-        </p:spPr>
-        <p:txBody>
-          <a:bodyPr lIns="0" tIns="0" rIns="0" bIns="0"/>
-          <a:lstStyle/>
-          <a:p>
-            <a:endParaRPr/>
-          </a:p>
-        </p:txBody>
-      </p:sp>
-      <p:pic>
-        <p:nvPicPr>
-          <p:cNvPr id="37" name="Picture 36"/>
-          <p:cNvPicPr/>
-          <p:nvPr/>
-        </p:nvPicPr>
-        <p:blipFill>
-          <a:blip r:embed="rId2"/>
-          <a:stretch/>
-        </p:blipFill>
-        <p:spPr>
-          <a:xfrm>
-            <a:off x="2772202" y="1604515"/>
-            <a:ext cx="6645970" cy="3977484"/>
-          </a:xfrm>
-          <a:prstGeom prst="rect">
-            <a:avLst/>
-          </a:prstGeom>
-          <a:ln>
-            <a:noFill/>
-          </a:ln>
-        </p:spPr>
-      </p:pic>
-      <p:pic>
-        <p:nvPicPr>
-          <p:cNvPr id="38" name="Picture 37"/>
-          <p:cNvPicPr/>
-          <p:nvPr/>
-        </p:nvPicPr>
-        <p:blipFill>
-          <a:blip r:embed="rId2"/>
-          <a:stretch/>
-        </p:blipFill>
-        <p:spPr>
-          <a:xfrm>
-            <a:off x="2772202" y="1604515"/>
-            <a:ext cx="6645970" cy="3977484"/>
-          </a:xfrm>
-          <a:prstGeom prst="rect">
-            <a:avLst/>
-          </a:prstGeom>
-          <a:ln>
-            <a:noFill/>
-          </a:ln>
-        </p:spPr>
-      </p:pic>
-    </p:spTree>
-    <p:extLst>
-      <p:ext uri="{BB962C8B-B14F-4D97-AF65-F5344CB8AC3E}">
-        <p14:creationId xmlns:p14="http://schemas.microsoft.com/office/powerpoint/2010/main" val="2556886079"/>
+        <p14:creationId xmlns:p14="http://schemas.microsoft.com/office/powerpoint/2010/main" val="3910996609"/>
       </p:ext>
     </p:extLst>
   </p:cSld>
@@ -2472,7 +1184,7 @@
     </p:spTree>
     <p:extLst>
       <p:ext uri="{BB962C8B-B14F-4D97-AF65-F5344CB8AC3E}">
-        <p14:creationId xmlns:p14="http://schemas.microsoft.com/office/powerpoint/2010/main" val="3970076262"/>
+        <p14:creationId xmlns:p14="http://schemas.microsoft.com/office/powerpoint/2010/main" val="2548920562"/>
       </p:ext>
     </p:extLst>
   </p:cSld>
@@ -2584,7 +1296,7 @@
     </p:spTree>
     <p:extLst>
       <p:ext uri="{BB962C8B-B14F-4D97-AF65-F5344CB8AC3E}">
-        <p14:creationId xmlns:p14="http://schemas.microsoft.com/office/powerpoint/2010/main" val="2731872708"/>
+        <p14:creationId xmlns:p14="http://schemas.microsoft.com/office/powerpoint/2010/main" val="3808252034"/>
       </p:ext>
     </p:extLst>
   </p:cSld>
@@ -2642,7 +1354,7 @@
     </p:spTree>
     <p:extLst>
       <p:ext uri="{BB962C8B-B14F-4D97-AF65-F5344CB8AC3E}">
-        <p14:creationId xmlns:p14="http://schemas.microsoft.com/office/powerpoint/2010/main" val="2065044451"/>
+        <p14:creationId xmlns:p14="http://schemas.microsoft.com/office/powerpoint/2010/main" val="3996515029"/>
       </p:ext>
     </p:extLst>
   </p:cSld>
@@ -2700,7 +1412,7 @@
     </p:spTree>
     <p:extLst>
       <p:ext uri="{BB962C8B-B14F-4D97-AF65-F5344CB8AC3E}">
-        <p14:creationId xmlns:p14="http://schemas.microsoft.com/office/powerpoint/2010/main" val="3393704646"/>
+        <p14:creationId xmlns:p14="http://schemas.microsoft.com/office/powerpoint/2010/main" val="2306405884"/>
       </p:ext>
     </p:extLst>
   </p:cSld>
@@ -2839,7 +1551,7 @@
     </p:spTree>
     <p:extLst>
       <p:ext uri="{BB962C8B-B14F-4D97-AF65-F5344CB8AC3E}">
-        <p14:creationId xmlns:p14="http://schemas.microsoft.com/office/powerpoint/2010/main" val="2051898308"/>
+        <p14:creationId xmlns:p14="http://schemas.microsoft.com/office/powerpoint/2010/main" val="1550982707"/>
       </p:ext>
     </p:extLst>
   </p:cSld>
@@ -2978,7 +1690,7 @@
     </p:spTree>
     <p:extLst>
       <p:ext uri="{BB962C8B-B14F-4D97-AF65-F5344CB8AC3E}">
-        <p14:creationId xmlns:p14="http://schemas.microsoft.com/office/powerpoint/2010/main" val="179003060"/>
+        <p14:creationId xmlns:p14="http://schemas.microsoft.com/office/powerpoint/2010/main" val="2421243475"/>
       </p:ext>
     </p:extLst>
   </p:cSld>
@@ -3117,7 +1829,7 @@
     </p:spTree>
     <p:extLst>
       <p:ext uri="{BB962C8B-B14F-4D97-AF65-F5344CB8AC3E}">
-        <p14:creationId xmlns:p14="http://schemas.microsoft.com/office/powerpoint/2010/main" val="3736064854"/>
+        <p14:creationId xmlns:p14="http://schemas.microsoft.com/office/powerpoint/2010/main" val="1103313562"/>
       </p:ext>
     </p:extLst>
   </p:cSld>
@@ -3431,7 +2143,7 @@
     </p:spTree>
     <p:extLst>
       <p:ext uri="{BB962C8B-B14F-4D97-AF65-F5344CB8AC3E}">
-        <p14:creationId xmlns:p14="http://schemas.microsoft.com/office/powerpoint/2010/main" val="603923864"/>
+        <p14:creationId xmlns:p14="http://schemas.microsoft.com/office/powerpoint/2010/main" val="1912802996"/>
       </p:ext>
     </p:extLst>
   </p:cSld>
@@ -3733,612 +2445,6 @@
 </p:sldMaster>
 </file>
 
-<file path=ppt/slideMasters/slideMaster2.xml><?xml version="1.0" encoding="utf-8"?>
-<p:sldMaster xmlns:a="http://schemas.openxmlformats.org/drawingml/2006/main" xmlns:r="http://schemas.openxmlformats.org/officeDocument/2006/relationships" xmlns:p="http://schemas.openxmlformats.org/presentationml/2006/main">
-  <p:cSld>
-    <p:bg>
-      <p:bgRef idx="1001">
-        <a:schemeClr val="bg1"/>
-      </p:bgRef>
-    </p:bg>
-    <p:spTree>
-      <p:nvGrpSpPr>
-        <p:cNvPr id="1" name=""/>
-        <p:cNvGrpSpPr/>
-        <p:nvPr/>
-      </p:nvGrpSpPr>
-      <p:grpSpPr>
-        <a:xfrm>
-          <a:off x="0" y="0"/>
-          <a:ext cx="0" cy="0"/>
-          <a:chOff x="0" y="0"/>
-          <a:chExt cx="0" cy="0"/>
-        </a:xfrm>
-      </p:grpSpPr>
-      <p:sp>
-        <p:nvSpPr>
-          <p:cNvPr id="5" name="PlaceHolder 1"/>
-          <p:cNvSpPr>
-            <a:spLocks noGrp="1"/>
-          </p:cNvSpPr>
-          <p:nvPr>
-            <p:ph type="title"/>
-          </p:nvPr>
-        </p:nvSpPr>
-        <p:spPr>
-          <a:xfrm>
-            <a:off x="609562" y="273352"/>
-            <a:ext cx="10971684" cy="1145009"/>
-          </a:xfrm>
-          <a:prstGeom prst="rect">
-            <a:avLst/>
-          </a:prstGeom>
-        </p:spPr>
-        <p:txBody>
-          <a:bodyPr lIns="0" tIns="0" rIns="0" bIns="0" anchor="ctr"/>
-          <a:lstStyle/>
-          <a:p>
-            <a:pPr algn="ctr"/>
-            <a:r>
-              <a:rPr lang="en-US" sz="3992">
-                <a:latin typeface="Arial"/>
-              </a:rPr>
-              <a:t>Click to edit the title text format</a:t>
-            </a:r>
-            <a:endParaRPr/>
-          </a:p>
-        </p:txBody>
-      </p:sp>
-      <p:sp>
-        <p:nvSpPr>
-          <p:cNvPr id="6" name="PlaceHolder 2"/>
-          <p:cNvSpPr>
-            <a:spLocks noGrp="1"/>
-          </p:cNvSpPr>
-          <p:nvPr>
-            <p:ph type="body"/>
-          </p:nvPr>
-        </p:nvSpPr>
-        <p:spPr>
-          <a:xfrm>
-            <a:off x="609562" y="1604841"/>
-            <a:ext cx="10971684" cy="3977484"/>
-          </a:xfrm>
-          <a:prstGeom prst="rect">
-            <a:avLst/>
-          </a:prstGeom>
-        </p:spPr>
-        <p:txBody>
-          <a:bodyPr lIns="0" tIns="0" rIns="0" bIns="0"/>
-          <a:lstStyle/>
-          <a:p>
-            <a:pPr>
-              <a:buSzPct val="45000"/>
-              <a:buFont typeface="StarSymbol"/>
-              <a:buChar char=""/>
-            </a:pPr>
-            <a:r>
-              <a:rPr lang="en-US" sz="2903">
-                <a:latin typeface="Arial"/>
-              </a:rPr>
-              <a:t>Click to edit the outline text format</a:t>
-            </a:r>
-            <a:endParaRPr/>
-          </a:p>
-          <a:p>
-            <a:pPr lvl="1">
-              <a:buSzPct val="75000"/>
-              <a:buFont typeface="StarSymbol"/>
-              <a:buChar char=""/>
-            </a:pPr>
-            <a:r>
-              <a:rPr lang="en-US" sz="2540">
-                <a:latin typeface="Arial"/>
-              </a:rPr>
-              <a:t>Second Outline Level</a:t>
-            </a:r>
-            <a:endParaRPr/>
-          </a:p>
-          <a:p>
-            <a:pPr lvl="2">
-              <a:buSzPct val="45000"/>
-              <a:buFont typeface="StarSymbol"/>
-              <a:buChar char=""/>
-            </a:pPr>
-            <a:r>
-              <a:rPr lang="en-US" sz="2177">
-                <a:latin typeface="Arial"/>
-              </a:rPr>
-              <a:t>Third Outline Level</a:t>
-            </a:r>
-            <a:endParaRPr/>
-          </a:p>
-          <a:p>
-            <a:pPr lvl="3">
-              <a:buSzPct val="75000"/>
-              <a:buFont typeface="StarSymbol"/>
-              <a:buChar char=""/>
-            </a:pPr>
-            <a:r>
-              <a:rPr lang="en-US" sz="1814">
-                <a:latin typeface="Arial"/>
-              </a:rPr>
-              <a:t>Fourth Outline Level</a:t>
-            </a:r>
-            <a:endParaRPr/>
-          </a:p>
-          <a:p>
-            <a:pPr lvl="4">
-              <a:buSzPct val="45000"/>
-              <a:buFont typeface="StarSymbol"/>
-              <a:buChar char=""/>
-            </a:pPr>
-            <a:r>
-              <a:rPr lang="en-US" sz="1814">
-                <a:latin typeface="Arial"/>
-              </a:rPr>
-              <a:t>Fifth Outline Level</a:t>
-            </a:r>
-            <a:endParaRPr/>
-          </a:p>
-          <a:p>
-            <a:pPr lvl="5">
-              <a:buSzPct val="45000"/>
-              <a:buFont typeface="StarSymbol"/>
-              <a:buChar char=""/>
-            </a:pPr>
-            <a:r>
-              <a:rPr lang="en-US" sz="1814">
-                <a:latin typeface="Arial"/>
-              </a:rPr>
-              <a:t>Sixth Outline Level</a:t>
-            </a:r>
-            <a:endParaRPr/>
-          </a:p>
-          <a:p>
-            <a:pPr lvl="6">
-              <a:buSzPct val="45000"/>
-              <a:buFont typeface="StarSymbol"/>
-              <a:buChar char=""/>
-            </a:pPr>
-            <a:r>
-              <a:rPr lang="en-US" sz="1814">
-                <a:latin typeface="Arial"/>
-              </a:rPr>
-              <a:t>Seventh Outline Level</a:t>
-            </a:r>
-            <a:endParaRPr/>
-          </a:p>
-        </p:txBody>
-      </p:sp>
-      <p:sp>
-        <p:nvSpPr>
-          <p:cNvPr id="2" name="PlaceHolder 3"/>
-          <p:cNvSpPr>
-            <a:spLocks noGrp="1"/>
-          </p:cNvSpPr>
-          <p:nvPr>
-            <p:ph type="dt"/>
-          </p:nvPr>
-        </p:nvSpPr>
-        <p:spPr>
-          <a:xfrm>
-            <a:off x="609562" y="6247906"/>
-            <a:ext cx="2840124" cy="472896"/>
-          </a:xfrm>
-          <a:prstGeom prst="rect">
-            <a:avLst/>
-          </a:prstGeom>
-        </p:spPr>
-        <p:txBody>
-          <a:bodyPr lIns="0" tIns="0" rIns="0" bIns="0"/>
-          <a:lstStyle/>
-          <a:p>
-            <a:r>
-              <a:rPr lang="en-US" sz="1270">
-                <a:solidFill>
-                  <a:prstClr val="black"/>
-                </a:solidFill>
-                <a:latin typeface="Times New Roman"/>
-              </a:rPr>
-              <a:t>&lt;date/time&gt;</a:t>
-            </a:r>
-            <a:endParaRPr>
-              <a:solidFill>
-                <a:prstClr val="black"/>
-              </a:solidFill>
-            </a:endParaRPr>
-          </a:p>
-        </p:txBody>
-      </p:sp>
-      <p:sp>
-        <p:nvSpPr>
-          <p:cNvPr id="3" name="PlaceHolder 4"/>
-          <p:cNvSpPr>
-            <a:spLocks noGrp="1"/>
-          </p:cNvSpPr>
-          <p:nvPr>
-            <p:ph type="ftr"/>
-          </p:nvPr>
-        </p:nvSpPr>
-        <p:spPr>
-          <a:xfrm>
-            <a:off x="4169405" y="6247906"/>
-            <a:ext cx="3864189" cy="472896"/>
-          </a:xfrm>
-          <a:prstGeom prst="rect">
-            <a:avLst/>
-          </a:prstGeom>
-        </p:spPr>
-        <p:txBody>
-          <a:bodyPr lIns="0" tIns="0" rIns="0" bIns="0"/>
-          <a:lstStyle/>
-          <a:p>
-            <a:pPr algn="ctr"/>
-            <a:r>
-              <a:rPr lang="en-US" sz="1270">
-                <a:solidFill>
-                  <a:prstClr val="black"/>
-                </a:solidFill>
-                <a:latin typeface="Times New Roman"/>
-              </a:rPr>
-              <a:t>&lt;footer&gt;</a:t>
-            </a:r>
-            <a:endParaRPr>
-              <a:solidFill>
-                <a:prstClr val="black"/>
-              </a:solidFill>
-            </a:endParaRPr>
-          </a:p>
-        </p:txBody>
-      </p:sp>
-      <p:sp>
-        <p:nvSpPr>
-          <p:cNvPr id="4" name="PlaceHolder 5"/>
-          <p:cNvSpPr>
-            <a:spLocks noGrp="1"/>
-          </p:cNvSpPr>
-          <p:nvPr>
-            <p:ph type="sldNum"/>
-          </p:nvPr>
-        </p:nvSpPr>
-        <p:spPr>
-          <a:xfrm>
-            <a:off x="8741122" y="6247906"/>
-            <a:ext cx="2840124" cy="472896"/>
-          </a:xfrm>
-          <a:prstGeom prst="rect">
-            <a:avLst/>
-          </a:prstGeom>
-        </p:spPr>
-        <p:txBody>
-          <a:bodyPr lIns="0" tIns="0" rIns="0" bIns="0"/>
-          <a:lstStyle/>
-          <a:p>
-            <a:pPr algn="r"/>
-            <a:fld id="{2E41B4C6-46D8-4662-9BCA-B915362A2261}" type="slidenum">
-              <a:rPr lang="en-US" sz="1270">
-                <a:solidFill>
-                  <a:prstClr val="black"/>
-                </a:solidFill>
-                <a:latin typeface="Times New Roman"/>
-              </a:rPr>
-              <a:pPr algn="r"/>
-              <a:t>‹#›</a:t>
-            </a:fld>
-            <a:endParaRPr>
-              <a:solidFill>
-                <a:prstClr val="black"/>
-              </a:solidFill>
-            </a:endParaRPr>
-          </a:p>
-        </p:txBody>
-      </p:sp>
-    </p:spTree>
-    <p:extLst>
-      <p:ext uri="{BB962C8B-B14F-4D97-AF65-F5344CB8AC3E}">
-        <p14:creationId xmlns:p14="http://schemas.microsoft.com/office/powerpoint/2010/main" val="279392143"/>
-      </p:ext>
-    </p:extLst>
-  </p:cSld>
-  <p:clrMap bg1="lt1" tx1="dk1" bg2="lt2" tx2="dk2" accent1="accent1" accent2="accent2" accent3="accent3" accent4="accent4" accent5="accent5" accent6="accent6" hlink="hlink" folHlink="folHlink"/>
-  <p:sldLayoutIdLst>
-    <p:sldLayoutId id="2147483674" r:id="rId1"/>
-    <p:sldLayoutId id="2147483675" r:id="rId2"/>
-    <p:sldLayoutId id="2147483676" r:id="rId3"/>
-    <p:sldLayoutId id="2147483677" r:id="rId4"/>
-    <p:sldLayoutId id="2147483678" r:id="rId5"/>
-    <p:sldLayoutId id="2147483679" r:id="rId6"/>
-    <p:sldLayoutId id="2147483680" r:id="rId7"/>
-    <p:sldLayoutId id="2147483681" r:id="rId8"/>
-    <p:sldLayoutId id="2147483682" r:id="rId9"/>
-    <p:sldLayoutId id="2147483683" r:id="rId10"/>
-    <p:sldLayoutId id="2147483684" r:id="rId11"/>
-    <p:sldLayoutId id="2147483685" r:id="rId12"/>
-  </p:sldLayoutIdLst>
-  <p:txStyles>
-    <p:titleStyle>
-      <a:lvl1pPr algn="l" defTabSz="829544" rtl="0" eaLnBrk="1" latinLnBrk="0" hangingPunct="1">
-        <a:lnSpc>
-          <a:spcPct val="90000"/>
-        </a:lnSpc>
-        <a:spcBef>
-          <a:spcPct val="0"/>
-        </a:spcBef>
-        <a:buNone/>
-        <a:defRPr sz="3992" kern="1200">
-          <a:solidFill>
-            <a:schemeClr val="tx1"/>
-          </a:solidFill>
-          <a:latin typeface="+mj-lt"/>
-          <a:ea typeface="+mj-ea"/>
-          <a:cs typeface="+mj-cs"/>
-        </a:defRPr>
-      </a:lvl1pPr>
-    </p:titleStyle>
-    <p:bodyStyle>
-      <a:lvl1pPr marL="207386" indent="-207386" algn="l" defTabSz="829544" rtl="0" eaLnBrk="1" latinLnBrk="0" hangingPunct="1">
-        <a:lnSpc>
-          <a:spcPct val="90000"/>
-        </a:lnSpc>
-        <a:spcBef>
-          <a:spcPts val="907"/>
-        </a:spcBef>
-        <a:buFont typeface="Arial" panose="020B0604020202020204" pitchFamily="34" charset="0"/>
-        <a:buChar char="•"/>
-        <a:defRPr sz="2540" kern="1200">
-          <a:solidFill>
-            <a:schemeClr val="tx1"/>
-          </a:solidFill>
-          <a:latin typeface="+mn-lt"/>
-          <a:ea typeface="+mn-ea"/>
-          <a:cs typeface="+mn-cs"/>
-        </a:defRPr>
-      </a:lvl1pPr>
-      <a:lvl2pPr marL="622158" indent="-207386" algn="l" defTabSz="829544" rtl="0" eaLnBrk="1" latinLnBrk="0" hangingPunct="1">
-        <a:lnSpc>
-          <a:spcPct val="90000"/>
-        </a:lnSpc>
-        <a:spcBef>
-          <a:spcPts val="454"/>
-        </a:spcBef>
-        <a:buFont typeface="Arial" panose="020B0604020202020204" pitchFamily="34" charset="0"/>
-        <a:buChar char="•"/>
-        <a:defRPr sz="2177" kern="1200">
-          <a:solidFill>
-            <a:schemeClr val="tx1"/>
-          </a:solidFill>
-          <a:latin typeface="+mn-lt"/>
-          <a:ea typeface="+mn-ea"/>
-          <a:cs typeface="+mn-cs"/>
-        </a:defRPr>
-      </a:lvl2pPr>
-      <a:lvl3pPr marL="1036930" indent="-207386" algn="l" defTabSz="829544" rtl="0" eaLnBrk="1" latinLnBrk="0" hangingPunct="1">
-        <a:lnSpc>
-          <a:spcPct val="90000"/>
-        </a:lnSpc>
-        <a:spcBef>
-          <a:spcPts val="454"/>
-        </a:spcBef>
-        <a:buFont typeface="Arial" panose="020B0604020202020204" pitchFamily="34" charset="0"/>
-        <a:buChar char="•"/>
-        <a:defRPr sz="1814" kern="1200">
-          <a:solidFill>
-            <a:schemeClr val="tx1"/>
-          </a:solidFill>
-          <a:latin typeface="+mn-lt"/>
-          <a:ea typeface="+mn-ea"/>
-          <a:cs typeface="+mn-cs"/>
-        </a:defRPr>
-      </a:lvl3pPr>
-      <a:lvl4pPr marL="1451701" indent="-207386" algn="l" defTabSz="829544" rtl="0" eaLnBrk="1" latinLnBrk="0" hangingPunct="1">
-        <a:lnSpc>
-          <a:spcPct val="90000"/>
-        </a:lnSpc>
-        <a:spcBef>
-          <a:spcPts val="454"/>
-        </a:spcBef>
-        <a:buFont typeface="Arial" panose="020B0604020202020204" pitchFamily="34" charset="0"/>
-        <a:buChar char="•"/>
-        <a:defRPr sz="1633" kern="1200">
-          <a:solidFill>
-            <a:schemeClr val="tx1"/>
-          </a:solidFill>
-          <a:latin typeface="+mn-lt"/>
-          <a:ea typeface="+mn-ea"/>
-          <a:cs typeface="+mn-cs"/>
-        </a:defRPr>
-      </a:lvl4pPr>
-      <a:lvl5pPr marL="1866473" indent="-207386" algn="l" defTabSz="829544" rtl="0" eaLnBrk="1" latinLnBrk="0" hangingPunct="1">
-        <a:lnSpc>
-          <a:spcPct val="90000"/>
-        </a:lnSpc>
-        <a:spcBef>
-          <a:spcPts val="454"/>
-        </a:spcBef>
-        <a:buFont typeface="Arial" panose="020B0604020202020204" pitchFamily="34" charset="0"/>
-        <a:buChar char="•"/>
-        <a:defRPr sz="1633" kern="1200">
-          <a:solidFill>
-            <a:schemeClr val="tx1"/>
-          </a:solidFill>
-          <a:latin typeface="+mn-lt"/>
-          <a:ea typeface="+mn-ea"/>
-          <a:cs typeface="+mn-cs"/>
-        </a:defRPr>
-      </a:lvl5pPr>
-      <a:lvl6pPr marL="2281245" indent="-207386" algn="l" defTabSz="829544" rtl="0" eaLnBrk="1" latinLnBrk="0" hangingPunct="1">
-        <a:lnSpc>
-          <a:spcPct val="90000"/>
-        </a:lnSpc>
-        <a:spcBef>
-          <a:spcPts val="454"/>
-        </a:spcBef>
-        <a:buFont typeface="Arial" panose="020B0604020202020204" pitchFamily="34" charset="0"/>
-        <a:buChar char="•"/>
-        <a:defRPr sz="1633" kern="1200">
-          <a:solidFill>
-            <a:schemeClr val="tx1"/>
-          </a:solidFill>
-          <a:latin typeface="+mn-lt"/>
-          <a:ea typeface="+mn-ea"/>
-          <a:cs typeface="+mn-cs"/>
-        </a:defRPr>
-      </a:lvl6pPr>
-      <a:lvl7pPr marL="2696017" indent="-207386" algn="l" defTabSz="829544" rtl="0" eaLnBrk="1" latinLnBrk="0" hangingPunct="1">
-        <a:lnSpc>
-          <a:spcPct val="90000"/>
-        </a:lnSpc>
-        <a:spcBef>
-          <a:spcPts val="454"/>
-        </a:spcBef>
-        <a:buFont typeface="Arial" panose="020B0604020202020204" pitchFamily="34" charset="0"/>
-        <a:buChar char="•"/>
-        <a:defRPr sz="1633" kern="1200">
-          <a:solidFill>
-            <a:schemeClr val="tx1"/>
-          </a:solidFill>
-          <a:latin typeface="+mn-lt"/>
-          <a:ea typeface="+mn-ea"/>
-          <a:cs typeface="+mn-cs"/>
-        </a:defRPr>
-      </a:lvl7pPr>
-      <a:lvl8pPr marL="3110789" indent="-207386" algn="l" defTabSz="829544" rtl="0" eaLnBrk="1" latinLnBrk="0" hangingPunct="1">
-        <a:lnSpc>
-          <a:spcPct val="90000"/>
-        </a:lnSpc>
-        <a:spcBef>
-          <a:spcPts val="454"/>
-        </a:spcBef>
-        <a:buFont typeface="Arial" panose="020B0604020202020204" pitchFamily="34" charset="0"/>
-        <a:buChar char="•"/>
-        <a:defRPr sz="1633" kern="1200">
-          <a:solidFill>
-            <a:schemeClr val="tx1"/>
-          </a:solidFill>
-          <a:latin typeface="+mn-lt"/>
-          <a:ea typeface="+mn-ea"/>
-          <a:cs typeface="+mn-cs"/>
-        </a:defRPr>
-      </a:lvl8pPr>
-      <a:lvl9pPr marL="3525561" indent="-207386" algn="l" defTabSz="829544" rtl="0" eaLnBrk="1" latinLnBrk="0" hangingPunct="1">
-        <a:lnSpc>
-          <a:spcPct val="90000"/>
-        </a:lnSpc>
-        <a:spcBef>
-          <a:spcPts val="454"/>
-        </a:spcBef>
-        <a:buFont typeface="Arial" panose="020B0604020202020204" pitchFamily="34" charset="0"/>
-        <a:buChar char="•"/>
-        <a:defRPr sz="1633" kern="1200">
-          <a:solidFill>
-            <a:schemeClr val="tx1"/>
-          </a:solidFill>
-          <a:latin typeface="+mn-lt"/>
-          <a:ea typeface="+mn-ea"/>
-          <a:cs typeface="+mn-cs"/>
-        </a:defRPr>
-      </a:lvl9pPr>
-    </p:bodyStyle>
-    <p:otherStyle>
-      <a:defPPr>
-        <a:defRPr lang="en-US"/>
-      </a:defPPr>
-      <a:lvl1pPr marL="0" algn="l" defTabSz="829544" rtl="0" eaLnBrk="1" latinLnBrk="0" hangingPunct="1">
-        <a:defRPr sz="1633" kern="1200">
-          <a:solidFill>
-            <a:schemeClr val="tx1"/>
-          </a:solidFill>
-          <a:latin typeface="+mn-lt"/>
-          <a:ea typeface="+mn-ea"/>
-          <a:cs typeface="+mn-cs"/>
-        </a:defRPr>
-      </a:lvl1pPr>
-      <a:lvl2pPr marL="414772" algn="l" defTabSz="829544" rtl="0" eaLnBrk="1" latinLnBrk="0" hangingPunct="1">
-        <a:defRPr sz="1633" kern="1200">
-          <a:solidFill>
-            <a:schemeClr val="tx1"/>
-          </a:solidFill>
-          <a:latin typeface="+mn-lt"/>
-          <a:ea typeface="+mn-ea"/>
-          <a:cs typeface="+mn-cs"/>
-        </a:defRPr>
-      </a:lvl2pPr>
-      <a:lvl3pPr marL="829544" algn="l" defTabSz="829544" rtl="0" eaLnBrk="1" latinLnBrk="0" hangingPunct="1">
-        <a:defRPr sz="1633" kern="1200">
-          <a:solidFill>
-            <a:schemeClr val="tx1"/>
-          </a:solidFill>
-          <a:latin typeface="+mn-lt"/>
-          <a:ea typeface="+mn-ea"/>
-          <a:cs typeface="+mn-cs"/>
-        </a:defRPr>
-      </a:lvl3pPr>
-      <a:lvl4pPr marL="1244316" algn="l" defTabSz="829544" rtl="0" eaLnBrk="1" latinLnBrk="0" hangingPunct="1">
-        <a:defRPr sz="1633" kern="1200">
-          <a:solidFill>
-            <a:schemeClr val="tx1"/>
-          </a:solidFill>
-          <a:latin typeface="+mn-lt"/>
-          <a:ea typeface="+mn-ea"/>
-          <a:cs typeface="+mn-cs"/>
-        </a:defRPr>
-      </a:lvl4pPr>
-      <a:lvl5pPr marL="1659087" algn="l" defTabSz="829544" rtl="0" eaLnBrk="1" latinLnBrk="0" hangingPunct="1">
-        <a:defRPr sz="1633" kern="1200">
-          <a:solidFill>
-            <a:schemeClr val="tx1"/>
-          </a:solidFill>
-          <a:latin typeface="+mn-lt"/>
-          <a:ea typeface="+mn-ea"/>
-          <a:cs typeface="+mn-cs"/>
-        </a:defRPr>
-      </a:lvl5pPr>
-      <a:lvl6pPr marL="2073859" algn="l" defTabSz="829544" rtl="0" eaLnBrk="1" latinLnBrk="0" hangingPunct="1">
-        <a:defRPr sz="1633" kern="1200">
-          <a:solidFill>
-            <a:schemeClr val="tx1"/>
-          </a:solidFill>
-          <a:latin typeface="+mn-lt"/>
-          <a:ea typeface="+mn-ea"/>
-          <a:cs typeface="+mn-cs"/>
-        </a:defRPr>
-      </a:lvl6pPr>
-      <a:lvl7pPr marL="2488631" algn="l" defTabSz="829544" rtl="0" eaLnBrk="1" latinLnBrk="0" hangingPunct="1">
-        <a:defRPr sz="1633" kern="1200">
-          <a:solidFill>
-            <a:schemeClr val="tx1"/>
-          </a:solidFill>
-          <a:latin typeface="+mn-lt"/>
-          <a:ea typeface="+mn-ea"/>
-          <a:cs typeface="+mn-cs"/>
-        </a:defRPr>
-      </a:lvl7pPr>
-      <a:lvl8pPr marL="2903403" algn="l" defTabSz="829544" rtl="0" eaLnBrk="1" latinLnBrk="0" hangingPunct="1">
-        <a:defRPr sz="1633" kern="1200">
-          <a:solidFill>
-            <a:schemeClr val="tx1"/>
-          </a:solidFill>
-          <a:latin typeface="+mn-lt"/>
-          <a:ea typeface="+mn-ea"/>
-          <a:cs typeface="+mn-cs"/>
-        </a:defRPr>
-      </a:lvl8pPr>
-      <a:lvl9pPr marL="3318175" algn="l" defTabSz="829544" rtl="0" eaLnBrk="1" latinLnBrk="0" hangingPunct="1">
-        <a:defRPr sz="1633" kern="1200">
-          <a:solidFill>
-            <a:schemeClr val="tx1"/>
-          </a:solidFill>
-          <a:latin typeface="+mn-lt"/>
-          <a:ea typeface="+mn-ea"/>
-          <a:cs typeface="+mn-cs"/>
-        </a:defRPr>
-      </a:lvl9pPr>
-    </p:otherStyle>
-  </p:txStyles>
-</p:sldMaster>
-</file>
-
 <file path=ppt/slides/slide1.xml><?xml version="1.0" encoding="utf-8"?>
 <p:sld xmlns:a="http://schemas.openxmlformats.org/drawingml/2006/main" xmlns:r="http://schemas.openxmlformats.org/officeDocument/2006/relationships" xmlns:p="http://schemas.openxmlformats.org/presentationml/2006/main">
   <p:cSld>
@@ -4719,7 +2825,7 @@
               <a:t>i</a:t>
             </a:r>
             <a:r>
-              <a:rPr lang="en-US" sz="3629" b="1" dirty="0" err="1" smtClean="0">
+              <a:rPr lang="en-US" sz="3629" b="1" dirty="0" err="1">
                 <a:ln w="0"/>
                 <a:gradFill>
                   <a:gsLst>
@@ -4748,7 +2854,7 @@
               <a:t>OS</a:t>
             </a:r>
             <a:r>
-              <a:rPr lang="en-US" sz="3629" b="1" dirty="0" smtClean="0">
+              <a:rPr lang="en-US" sz="3629" b="1" dirty="0">
                 <a:ln w="0"/>
                 <a:gradFill>
                   <a:gsLst>
@@ -4836,7 +2942,7 @@
     </p:spTree>
     <p:extLst>
       <p:ext uri="{BB962C8B-B14F-4D97-AF65-F5344CB8AC3E}">
-        <p14:creationId xmlns:p14="http://schemas.microsoft.com/office/powerpoint/2010/main" val="3946265239"/>
+        <p14:creationId xmlns:p14="http://schemas.microsoft.com/office/powerpoint/2010/main" val="2768895996"/>
       </p:ext>
     </p:extLst>
   </p:cSld>
@@ -4916,7 +3022,7 @@
               <a:t>Module </a:t>
             </a:r>
             <a:r>
-              <a:rPr lang="en-US" sz="4899" b="1" dirty="0" smtClean="0">
+              <a:rPr lang="en-US" sz="4899" b="1" dirty="0">
                 <a:ln w="13462">
                   <a:solidFill>
                     <a:prstClr val="white"/>
@@ -5019,7 +3125,7 @@
               <a:buChar char="q"/>
             </a:pPr>
             <a:r>
-              <a:rPr lang="en-US" sz="4899" dirty="0" err="1" smtClean="0">
+              <a:rPr lang="en-US" sz="4899" dirty="0" err="1">
                 <a:ln w="0"/>
                 <a:gradFill>
                   <a:gsLst>
@@ -5046,7 +3152,7 @@
               </a:rPr>
               <a:t>TableView</a:t>
             </a:r>
-            <a:endParaRPr lang="en-US" sz="4899" dirty="0" smtClean="0">
+            <a:endParaRPr lang="en-US" sz="4899" dirty="0">
               <a:ln w="0"/>
               <a:gradFill>
                 <a:gsLst>
@@ -5079,7 +3185,7 @@
               <a:buChar char="q"/>
             </a:pPr>
             <a:r>
-              <a:rPr lang="en-US" sz="4899" dirty="0" err="1" smtClean="0">
+              <a:rPr lang="en-US" sz="4899" dirty="0" err="1">
                 <a:ln w="0"/>
                 <a:gradFill>
                   <a:gsLst>
@@ -5139,7 +3245,7 @@
               <a:buChar char="q"/>
             </a:pPr>
             <a:r>
-              <a:rPr lang="en-US" sz="4899" dirty="0" err="1" smtClean="0">
+              <a:rPr lang="en-US" sz="4899" dirty="0" err="1">
                 <a:ln w="0"/>
                 <a:gradFill>
                   <a:gsLst>
@@ -5166,7 +3272,7 @@
               </a:rPr>
               <a:t>ViewController</a:t>
             </a:r>
-            <a:endParaRPr lang="en-US" sz="4899" dirty="0" smtClean="0">
+            <a:endParaRPr lang="en-US" sz="4899" dirty="0">
               <a:ln w="0"/>
               <a:gradFill>
                 <a:gsLst>
@@ -5197,7 +3303,7 @@
     </p:spTree>
     <p:extLst>
       <p:ext uri="{BB962C8B-B14F-4D97-AF65-F5344CB8AC3E}">
-        <p14:creationId xmlns:p14="http://schemas.microsoft.com/office/powerpoint/2010/main" val="3377101117"/>
+        <p14:creationId xmlns:p14="http://schemas.microsoft.com/office/powerpoint/2010/main" val="1011053484"/>
       </p:ext>
     </p:extLst>
   </p:cSld>
@@ -5275,44 +3381,44 @@
           <a:p>
             <a:pPr algn="ctr"/>
             <a:r>
-              <a:rPr lang="en-US" sz="6000" b="1" cap="none" spc="0" dirty="0" smtClean="0">
+              <a:rPr lang="en-US" sz="6000" b="1" dirty="0">
                 <a:ln w="13462">
                   <a:solidFill>
-                    <a:schemeClr val="bg1"/>
+                    <a:prstClr val="white"/>
                   </a:solidFill>
                   <a:prstDash val="solid"/>
                 </a:ln>
                 <a:solidFill>
-                  <a:schemeClr val="tx1">
+                  <a:prstClr val="black">
                     <a:lumMod val="85000"/>
                     <a:lumOff val="15000"/>
-                  </a:schemeClr>
+                  </a:prstClr>
                 </a:solidFill>
                 <a:effectLst>
                   <a:outerShdw dist="38100" dir="2700000" algn="bl" rotWithShape="0">
-                    <a:schemeClr val="accent5"/>
+                    <a:srgbClr val="4BACC6"/>
                   </a:outerShdw>
                 </a:effectLst>
                 <a:latin typeface="Calibri"/>
               </a:rPr>
               <a:t>Table View</a:t>
             </a:r>
-            <a:endParaRPr lang="en-US" sz="6000" b="1" cap="none" spc="0" dirty="0">
+            <a:endParaRPr lang="en-US" sz="6000" b="1" dirty="0">
               <a:ln w="13462">
                 <a:solidFill>
-                  <a:schemeClr val="bg1"/>
+                  <a:prstClr val="white"/>
                 </a:solidFill>
                 <a:prstDash val="solid"/>
               </a:ln>
               <a:solidFill>
-                <a:schemeClr val="tx1">
+                <a:prstClr val="black">
                   <a:lumMod val="85000"/>
                   <a:lumOff val="15000"/>
-                </a:schemeClr>
+                </a:prstClr>
               </a:solidFill>
               <a:effectLst>
                 <a:outerShdw dist="38100" dir="2700000" algn="bl" rotWithShape="0">
-                  <a:schemeClr val="accent5"/>
+                  <a:srgbClr val="4BACC6"/>
                 </a:outerShdw>
               </a:effectLst>
             </a:endParaRPr>
@@ -5322,7 +3428,7 @@
     </p:spTree>
     <p:extLst>
       <p:ext uri="{BB962C8B-B14F-4D97-AF65-F5344CB8AC3E}">
-        <p14:creationId xmlns:p14="http://schemas.microsoft.com/office/powerpoint/2010/main" val="1953205265"/>
+        <p14:creationId xmlns:p14="http://schemas.microsoft.com/office/powerpoint/2010/main" val="1697726210"/>
       </p:ext>
     </p:extLst>
   </p:cSld>
@@ -5400,7 +3506,7 @@
     </p:spTree>
     <p:extLst>
       <p:ext uri="{BB962C8B-B14F-4D97-AF65-F5344CB8AC3E}">
-        <p14:creationId xmlns:p14="http://schemas.microsoft.com/office/powerpoint/2010/main" val="1093782376"/>
+        <p14:creationId xmlns:p14="http://schemas.microsoft.com/office/powerpoint/2010/main" val="3341685153"/>
       </p:ext>
     </p:extLst>
   </p:cSld>
@@ -5489,7 +3595,7 @@
               </a:rPr>
               <a:t> apps. Most apps, in some ways, make use of Table View to display list of data. The best example is the built-in Phone app. </a:t>
             </a:r>
-            <a:endParaRPr lang="en-US" sz="3200" dirty="0" smtClean="0">
+            <a:endParaRPr lang="en-US" sz="3200" dirty="0">
               <a:solidFill>
                 <a:srgbClr val="FFC000"/>
               </a:solidFill>
@@ -5516,7 +3622,7 @@
               <a:buChar char="Ø"/>
             </a:pPr>
             <a:r>
-              <a:rPr lang="en-US" sz="3200" dirty="0" smtClean="0">
+              <a:rPr lang="en-US" sz="3200" dirty="0">
                 <a:solidFill>
                   <a:srgbClr val="7030A0"/>
                 </a:solidFill>
@@ -5535,7 +3641,7 @@
               </a:rPr>
               <a:t>contacts are displayed in a Table View. Another example is the Mail app. It uses Table View to display your mail boxes and emails. </a:t>
             </a:r>
-            <a:endParaRPr lang="en-US" sz="3200" dirty="0" smtClean="0">
+            <a:endParaRPr lang="en-US" sz="3200" dirty="0">
               <a:solidFill>
                 <a:srgbClr val="7030A0"/>
               </a:solidFill>
@@ -5562,7 +3668,7 @@
               <a:buChar char="Ø"/>
             </a:pPr>
             <a:r>
-              <a:rPr lang="en-US" sz="3200" dirty="0" smtClean="0">
+              <a:rPr lang="en-US" sz="3200" dirty="0">
                 <a:solidFill>
                   <a:srgbClr val="00B050"/>
                 </a:solidFill>
@@ -5587,7 +3693,7 @@
     </p:spTree>
     <p:extLst>
       <p:ext uri="{BB962C8B-B14F-4D97-AF65-F5344CB8AC3E}">
-        <p14:creationId xmlns:p14="http://schemas.microsoft.com/office/powerpoint/2010/main" val="1251770360"/>
+        <p14:creationId xmlns:p14="http://schemas.microsoft.com/office/powerpoint/2010/main" val="3000715351"/>
       </p:ext>
     </p:extLst>
   </p:cSld>
@@ -5830,231 +3936,6 @@
 </file>
 
 <file path=ppt/theme/theme2.xml><?xml version="1.0" encoding="utf-8"?>
-<a:theme xmlns:a="http://schemas.openxmlformats.org/drawingml/2006/main" name="2_Office Theme">
-  <a:themeElements>
-    <a:clrScheme name="Office">
-      <a:dk1>
-        <a:sysClr val="windowText" lastClr="000000"/>
-      </a:dk1>
-      <a:lt1>
-        <a:sysClr val="window" lastClr="FFFFFF"/>
-      </a:lt1>
-      <a:dk2>
-        <a:srgbClr val="1F497D"/>
-      </a:dk2>
-      <a:lt2>
-        <a:srgbClr val="EEECE1"/>
-      </a:lt2>
-      <a:accent1>
-        <a:srgbClr val="4F81BD"/>
-      </a:accent1>
-      <a:accent2>
-        <a:srgbClr val="C0504D"/>
-      </a:accent2>
-      <a:accent3>
-        <a:srgbClr val="9BBB59"/>
-      </a:accent3>
-      <a:accent4>
-        <a:srgbClr val="8064A2"/>
-      </a:accent4>
-      <a:accent5>
-        <a:srgbClr val="4BACC6"/>
-      </a:accent5>
-      <a:accent6>
-        <a:srgbClr val="F79646"/>
-      </a:accent6>
-      <a:hlink>
-        <a:srgbClr val="0000FF"/>
-      </a:hlink>
-      <a:folHlink>
-        <a:srgbClr val="800080"/>
-      </a:folHlink>
-    </a:clrScheme>
-    <a:fontScheme name="Office">
-      <a:majorFont>
-        <a:latin typeface="Arial"/>
-        <a:ea typeface="DejaVu Sans"/>
-        <a:cs typeface="DejaVu Sans"/>
-      </a:majorFont>
-      <a:minorFont>
-        <a:latin typeface="Arial"/>
-        <a:ea typeface="DejaVu Sans"/>
-        <a:cs typeface="DejaVu Sans"/>
-      </a:minorFont>
-    </a:fontScheme>
-    <a:fmtScheme name="Office">
-      <a:fillStyleLst>
-        <a:solidFill>
-          <a:schemeClr val="phClr"/>
-        </a:solidFill>
-        <a:gradFill rotWithShape="1">
-          <a:gsLst>
-            <a:gs pos="0">
-              <a:schemeClr val="phClr">
-                <a:tint val="50000"/>
-                <a:satMod val="300000"/>
-              </a:schemeClr>
-            </a:gs>
-            <a:gs pos="35000">
-              <a:schemeClr val="phClr">
-                <a:tint val="37000"/>
-                <a:satMod val="300000"/>
-              </a:schemeClr>
-            </a:gs>
-            <a:gs pos="100000">
-              <a:schemeClr val="phClr">
-                <a:tint val="15000"/>
-                <a:satMod val="350000"/>
-              </a:schemeClr>
-            </a:gs>
-          </a:gsLst>
-          <a:lin ang="16200000" scaled="1"/>
-        </a:gradFill>
-        <a:gradFill rotWithShape="1">
-          <a:gsLst>
-            <a:gs pos="0">
-              <a:schemeClr val="phClr">
-                <a:shade val="51000"/>
-                <a:satMod val="130000"/>
-              </a:schemeClr>
-            </a:gs>
-            <a:gs pos="80000">
-              <a:schemeClr val="phClr">
-                <a:shade val="93000"/>
-                <a:satMod val="130000"/>
-              </a:schemeClr>
-            </a:gs>
-            <a:gs pos="100000">
-              <a:schemeClr val="phClr">
-                <a:shade val="94000"/>
-                <a:satMod val="135000"/>
-              </a:schemeClr>
-            </a:gs>
-          </a:gsLst>
-          <a:lin ang="16200000" scaled="0"/>
-        </a:gradFill>
-      </a:fillStyleLst>
-      <a:lnStyleLst>
-        <a:ln w="9525" cap="flat" cmpd="sng" algn="ctr">
-          <a:solidFill>
-            <a:schemeClr val="phClr">
-              <a:shade val="95000"/>
-              <a:satMod val="105000"/>
-            </a:schemeClr>
-          </a:solidFill>
-          <a:prstDash val="solid"/>
-        </a:ln>
-        <a:ln w="25400" cap="flat" cmpd="sng" algn="ctr">
-          <a:solidFill>
-            <a:schemeClr val="phClr"/>
-          </a:solidFill>
-          <a:prstDash val="solid"/>
-        </a:ln>
-        <a:ln w="38100" cap="flat" cmpd="sng" algn="ctr">
-          <a:solidFill>
-            <a:schemeClr val="phClr"/>
-          </a:solidFill>
-          <a:prstDash val="solid"/>
-        </a:ln>
-      </a:lnStyleLst>
-      <a:effectStyleLst>
-        <a:effectStyle>
-          <a:effectLst>
-            <a:outerShdw blurRad="40000" dist="20000" dir="5400000" rotWithShape="0">
-              <a:srgbClr val="000000">
-                <a:alpha val="38000"/>
-              </a:srgbClr>
-            </a:outerShdw>
-          </a:effectLst>
-        </a:effectStyle>
-        <a:effectStyle>
-          <a:effectLst>
-            <a:outerShdw blurRad="40000" dist="23000" dir="5400000" rotWithShape="0">
-              <a:srgbClr val="000000">
-                <a:alpha val="35000"/>
-              </a:srgbClr>
-            </a:outerShdw>
-          </a:effectLst>
-        </a:effectStyle>
-        <a:effectStyle>
-          <a:effectLst>
-            <a:outerShdw blurRad="40000" dist="23000" dir="5400000" rotWithShape="0">
-              <a:srgbClr val="000000">
-                <a:alpha val="35000"/>
-              </a:srgbClr>
-            </a:outerShdw>
-          </a:effectLst>
-          <a:scene3d>
-            <a:camera prst="orthographicFront">
-              <a:rot lat="0" lon="0" rev="0"/>
-            </a:camera>
-            <a:lightRig rig="threePt" dir="t">
-              <a:rot lat="0" lon="0" rev="1200000"/>
-            </a:lightRig>
-          </a:scene3d>
-          <a:sp3d>
-            <a:bevelT w="63500" h="25400"/>
-          </a:sp3d>
-        </a:effectStyle>
-      </a:effectStyleLst>
-      <a:bgFillStyleLst>
-        <a:solidFill>
-          <a:schemeClr val="phClr"/>
-        </a:solidFill>
-        <a:gradFill rotWithShape="1">
-          <a:gsLst>
-            <a:gs pos="0">
-              <a:schemeClr val="phClr">
-                <a:tint val="40000"/>
-                <a:satMod val="350000"/>
-              </a:schemeClr>
-            </a:gs>
-            <a:gs pos="40000">
-              <a:schemeClr val="phClr">
-                <a:tint val="45000"/>
-                <a:shade val="99000"/>
-                <a:satMod val="350000"/>
-              </a:schemeClr>
-            </a:gs>
-            <a:gs pos="100000">
-              <a:schemeClr val="phClr">
-                <a:shade val="20000"/>
-                <a:satMod val="255000"/>
-              </a:schemeClr>
-            </a:gs>
-          </a:gsLst>
-          <a:path path="circle">
-            <a:fillToRect l="50000" t="-80000" r="50000" b="180000"/>
-          </a:path>
-        </a:gradFill>
-        <a:gradFill rotWithShape="1">
-          <a:gsLst>
-            <a:gs pos="0">
-              <a:schemeClr val="phClr">
-                <a:tint val="80000"/>
-                <a:satMod val="300000"/>
-              </a:schemeClr>
-            </a:gs>
-            <a:gs pos="100000">
-              <a:schemeClr val="phClr">
-                <a:shade val="30000"/>
-                <a:satMod val="200000"/>
-              </a:schemeClr>
-            </a:gs>
-          </a:gsLst>
-          <a:path path="circle">
-            <a:fillToRect l="50000" t="50000" r="50000" b="50000"/>
-          </a:path>
-        </a:gradFill>
-      </a:bgFillStyleLst>
-    </a:fmtScheme>
-  </a:themeElements>
-  <a:objectDefaults/>
-  <a:extraClrSchemeLst/>
-</a:theme>
-</file>
-
-<file path=ppt/theme/theme3.xml><?xml version="1.0" encoding="utf-8"?>
 <a:theme xmlns:a="http://schemas.openxmlformats.org/drawingml/2006/main" name="Office Theme">
   <a:themeElements>
     <a:clrScheme name="Office">

--- a/course/IOS_Module_03_core_data.pptx
+++ b/course/IOS_Module_03_core_data.pptx
@@ -5,7 +5,7 @@
     <p:sldMasterId id="2147483660" r:id="rId1"/>
   </p:sldMasterIdLst>
   <p:notesMasterIdLst>
-    <p:notesMasterId r:id="rId7"/>
+    <p:notesMasterId r:id="rId33"/>
   </p:notesMasterIdLst>
   <p:sldIdLst>
     <p:sldId id="257" r:id="rId2"/>
@@ -13,6 +13,32 @@
     <p:sldId id="259" r:id="rId4"/>
     <p:sldId id="260" r:id="rId5"/>
     <p:sldId id="261" r:id="rId6"/>
+    <p:sldId id="262" r:id="rId7"/>
+    <p:sldId id="263" r:id="rId8"/>
+    <p:sldId id="264" r:id="rId9"/>
+    <p:sldId id="265" r:id="rId10"/>
+    <p:sldId id="266" r:id="rId11"/>
+    <p:sldId id="267" r:id="rId12"/>
+    <p:sldId id="268" r:id="rId13"/>
+    <p:sldId id="269" r:id="rId14"/>
+    <p:sldId id="270" r:id="rId15"/>
+    <p:sldId id="271" r:id="rId16"/>
+    <p:sldId id="272" r:id="rId17"/>
+    <p:sldId id="273" r:id="rId18"/>
+    <p:sldId id="274" r:id="rId19"/>
+    <p:sldId id="275" r:id="rId20"/>
+    <p:sldId id="276" r:id="rId21"/>
+    <p:sldId id="277" r:id="rId22"/>
+    <p:sldId id="278" r:id="rId23"/>
+    <p:sldId id="279" r:id="rId24"/>
+    <p:sldId id="280" r:id="rId25"/>
+    <p:sldId id="281" r:id="rId26"/>
+    <p:sldId id="282" r:id="rId27"/>
+    <p:sldId id="283" r:id="rId28"/>
+    <p:sldId id="284" r:id="rId29"/>
+    <p:sldId id="285" r:id="rId30"/>
+    <p:sldId id="286" r:id="rId31"/>
+    <p:sldId id="287" r:id="rId32"/>
   </p:sldIdLst>
   <p:sldSz cx="12192000" cy="6858000"/>
   <p:notesSz cx="6858000" cy="9144000"/>
@@ -111,6 +137,11 @@
       </a:defRPr>
     </a:lvl9pPr>
   </p:defaultTextStyle>
+  <p:extLst>
+    <p:ext uri="{EFAFB233-063F-42B5-8137-9DF3F51BA10A}">
+      <p15:sldGuideLst xmlns:p15="http://schemas.microsoft.com/office/powerpoint/2012/main"/>
+    </p:ext>
+  </p:extLst>
 </p:presentation>
 </file>
 
@@ -196,7 +227,7 @@
           <a:p>
             <a:fld id="{6C716596-F596-4EA2-A006-3FF11DDC4AEF}" type="datetimeFigureOut">
               <a:rPr lang="en-US" smtClean="0"/>
-              <a:t>5/13/2015</a:t>
+              <a:t>5/15/2015</a:t>
             </a:fld>
             <a:endParaRPr lang="en-US"/>
           </a:p>
@@ -2822,36 +2853,7 @@
                 </a:effectLst>
                 <a:latin typeface="Corbel" panose="020B0503020204020204" pitchFamily="34" charset="0"/>
               </a:rPr>
-              <a:t>i</a:t>
-            </a:r>
-            <a:r>
-              <a:rPr lang="en-US" sz="3629" b="1" dirty="0" err="1">
-                <a:ln w="0"/>
-                <a:gradFill>
-                  <a:gsLst>
-                    <a:gs pos="0">
-                      <a:srgbClr val="4BACC6">
-                        <a:lumMod val="50000"/>
-                      </a:srgbClr>
-                    </a:gs>
-                    <a:gs pos="50000">
-                      <a:srgbClr val="4BACC6"/>
-                    </a:gs>
-                    <a:gs pos="100000">
-                      <a:srgbClr val="4BACC6">
-                        <a:lumMod val="60000"/>
-                        <a:lumOff val="40000"/>
-                      </a:srgbClr>
-                    </a:gs>
-                  </a:gsLst>
-                  <a:lin ang="5400000"/>
-                </a:gradFill>
-                <a:effectLst>
-                  <a:reflection blurRad="6350" stA="53000" endA="300" endPos="35500" dir="5400000" sy="-90000" algn="bl" rotWithShape="0"/>
-                </a:effectLst>
-                <a:latin typeface="Corbel" panose="020B0503020204020204" pitchFamily="34" charset="0"/>
-              </a:rPr>
-              <a:t>OS</a:t>
+              <a:t>iOS</a:t>
             </a:r>
             <a:r>
               <a:rPr lang="en-US" sz="3629" b="1" dirty="0">
@@ -2880,36 +2882,7 @@
                 </a:effectLst>
                 <a:latin typeface="Corbel" panose="020B0503020204020204" pitchFamily="34" charset="0"/>
               </a:rPr>
-              <a:t> </a:t>
-            </a:r>
-            <a:r>
-              <a:rPr lang="en-US" sz="3629" b="1" dirty="0">
-                <a:ln w="0"/>
-                <a:gradFill>
-                  <a:gsLst>
-                    <a:gs pos="0">
-                      <a:srgbClr val="4BACC6">
-                        <a:lumMod val="50000"/>
-                      </a:srgbClr>
-                    </a:gs>
-                    <a:gs pos="50000">
-                      <a:srgbClr val="4BACC6"/>
-                    </a:gs>
-                    <a:gs pos="100000">
-                      <a:srgbClr val="4BACC6">
-                        <a:lumMod val="60000"/>
-                        <a:lumOff val="40000"/>
-                      </a:srgbClr>
-                    </a:gs>
-                  </a:gsLst>
-                  <a:lin ang="5400000"/>
-                </a:gradFill>
-                <a:effectLst>
-                  <a:reflection blurRad="6350" stA="53000" endA="300" endPos="35500" dir="5400000" sy="-90000" algn="bl" rotWithShape="0"/>
-                </a:effectLst>
-                <a:latin typeface="Corbel" panose="020B0503020204020204" pitchFamily="34" charset="0"/>
-              </a:rPr>
-              <a:t>Mobile Development </a:t>
+              <a:t> Mobile Development </a:t>
             </a:r>
             <a:endParaRPr lang="en-US" sz="3629" b="1" dirty="0">
               <a:ln w="0"/>
@@ -2943,6 +2916,1135 @@
     <p:extLst>
       <p:ext uri="{BB962C8B-B14F-4D97-AF65-F5344CB8AC3E}">
         <p14:creationId xmlns:p14="http://schemas.microsoft.com/office/powerpoint/2010/main" val="2768895996"/>
+      </p:ext>
+    </p:extLst>
+  </p:cSld>
+  <p:clrMapOvr>
+    <a:masterClrMapping/>
+  </p:clrMapOvr>
+  <p:timing>
+    <p:tnLst>
+      <p:par>
+        <p:cTn id="1" dur="indefinite" restart="never" nodeType="tmRoot"/>
+      </p:par>
+    </p:tnLst>
+  </p:timing>
+</p:sld>
+</file>
+
+<file path=ppt/slides/slide10.xml><?xml version="1.0" encoding="utf-8"?>
+<p:sld xmlns:a="http://schemas.openxmlformats.org/drawingml/2006/main" xmlns:r="http://schemas.openxmlformats.org/officeDocument/2006/relationships" xmlns:p="http://schemas.openxmlformats.org/presentationml/2006/main">
+  <p:cSld>
+    <p:spTree>
+      <p:nvGrpSpPr>
+        <p:cNvPr id="1" name=""/>
+        <p:cNvGrpSpPr/>
+        <p:nvPr/>
+      </p:nvGrpSpPr>
+      <p:grpSpPr>
+        <a:xfrm>
+          <a:off x="0" y="0"/>
+          <a:ext cx="0" cy="0"/>
+          <a:chOff x="0" y="0"/>
+          <a:chExt cx="0" cy="0"/>
+        </a:xfrm>
+      </p:grpSpPr>
+      <p:pic>
+        <p:nvPicPr>
+          <p:cNvPr id="4" name="Picture 3"/>
+          <p:cNvPicPr>
+            <a:picLocks noChangeAspect="1"/>
+          </p:cNvPicPr>
+          <p:nvPr/>
+        </p:nvPicPr>
+        <p:blipFill>
+          <a:blip r:embed="rId2"/>
+          <a:stretch>
+            <a:fillRect/>
+          </a:stretch>
+        </p:blipFill>
+        <p:spPr>
+          <a:xfrm>
+            <a:off x="1095606" y="874790"/>
+            <a:ext cx="7200900" cy="5153025"/>
+          </a:xfrm>
+          <a:prstGeom prst="rect">
+            <a:avLst/>
+          </a:prstGeom>
+        </p:spPr>
+      </p:pic>
+    </p:spTree>
+    <p:extLst>
+      <p:ext uri="{BB962C8B-B14F-4D97-AF65-F5344CB8AC3E}">
+        <p14:creationId xmlns:p14="http://schemas.microsoft.com/office/powerpoint/2010/main" val="2531133888"/>
+      </p:ext>
+    </p:extLst>
+  </p:cSld>
+  <p:clrMapOvr>
+    <a:masterClrMapping/>
+  </p:clrMapOvr>
+  <p:timing>
+    <p:tnLst>
+      <p:par>
+        <p:cTn id="1" dur="indefinite" restart="never" nodeType="tmRoot"/>
+      </p:par>
+    </p:tnLst>
+  </p:timing>
+</p:sld>
+</file>
+
+<file path=ppt/slides/slide11.xml><?xml version="1.0" encoding="utf-8"?>
+<p:sld xmlns:a="http://schemas.openxmlformats.org/drawingml/2006/main" xmlns:r="http://schemas.openxmlformats.org/officeDocument/2006/relationships" xmlns:p="http://schemas.openxmlformats.org/presentationml/2006/main">
+  <p:cSld>
+    <p:spTree>
+      <p:nvGrpSpPr>
+        <p:cNvPr id="1" name=""/>
+        <p:cNvGrpSpPr/>
+        <p:nvPr/>
+      </p:nvGrpSpPr>
+      <p:grpSpPr>
+        <a:xfrm>
+          <a:off x="0" y="0"/>
+          <a:ext cx="0" cy="0"/>
+          <a:chOff x="0" y="0"/>
+          <a:chExt cx="0" cy="0"/>
+        </a:xfrm>
+      </p:grpSpPr>
+      <p:sp>
+        <p:nvSpPr>
+          <p:cNvPr id="4" name="Rectangle 3"/>
+          <p:cNvSpPr/>
+          <p:nvPr/>
+        </p:nvSpPr>
+        <p:spPr>
+          <a:xfrm>
+            <a:off x="168494" y="177749"/>
+            <a:ext cx="4249881" cy="369332"/>
+          </a:xfrm>
+          <a:prstGeom prst="rect">
+            <a:avLst/>
+          </a:prstGeom>
+        </p:spPr>
+        <p:txBody>
+          <a:bodyPr wrap="none">
+            <a:spAutoFit/>
+          </a:bodyPr>
+          <a:lstStyle/>
+          <a:p>
+            <a:r>
+              <a:rPr lang="en-US" dirty="0"/>
+              <a:t>Creating a Core Data Model with </a:t>
+            </a:r>
+            <a:r>
+              <a:rPr lang="en-US" dirty="0" err="1"/>
+              <a:t>Xcode</a:t>
+            </a:r>
+            <a:endParaRPr lang="en-US" dirty="0"/>
+          </a:p>
+        </p:txBody>
+      </p:sp>
+    </p:spTree>
+    <p:extLst>
+      <p:ext uri="{BB962C8B-B14F-4D97-AF65-F5344CB8AC3E}">
+        <p14:creationId xmlns:p14="http://schemas.microsoft.com/office/powerpoint/2010/main" val="2822756629"/>
+      </p:ext>
+    </p:extLst>
+  </p:cSld>
+  <p:clrMapOvr>
+    <a:masterClrMapping/>
+  </p:clrMapOvr>
+  <p:timing>
+    <p:tnLst>
+      <p:par>
+        <p:cTn id="1" dur="indefinite" restart="never" nodeType="tmRoot"/>
+      </p:par>
+    </p:tnLst>
+  </p:timing>
+</p:sld>
+</file>
+
+<file path=ppt/slides/slide12.xml><?xml version="1.0" encoding="utf-8"?>
+<p:sld xmlns:a="http://schemas.openxmlformats.org/drawingml/2006/main" xmlns:r="http://schemas.openxmlformats.org/officeDocument/2006/relationships" xmlns:p="http://schemas.openxmlformats.org/presentationml/2006/main">
+  <p:cSld>
+    <p:spTree>
+      <p:nvGrpSpPr>
+        <p:cNvPr id="1" name=""/>
+        <p:cNvGrpSpPr/>
+        <p:nvPr/>
+      </p:nvGrpSpPr>
+      <p:grpSpPr>
+        <a:xfrm>
+          <a:off x="0" y="0"/>
+          <a:ext cx="0" cy="0"/>
+          <a:chOff x="0" y="0"/>
+          <a:chExt cx="0" cy="0"/>
+        </a:xfrm>
+      </p:grpSpPr>
+      <p:pic>
+        <p:nvPicPr>
+          <p:cNvPr id="4" name="Picture 3"/>
+          <p:cNvPicPr>
+            <a:picLocks noChangeAspect="1"/>
+          </p:cNvPicPr>
+          <p:nvPr/>
+        </p:nvPicPr>
+        <p:blipFill>
+          <a:blip r:embed="rId2"/>
+          <a:stretch>
+            <a:fillRect/>
+          </a:stretch>
+        </p:blipFill>
+        <p:spPr>
+          <a:xfrm>
+            <a:off x="489840" y="378560"/>
+            <a:ext cx="7153275" cy="4695825"/>
+          </a:xfrm>
+          <a:prstGeom prst="rect">
+            <a:avLst/>
+          </a:prstGeom>
+        </p:spPr>
+      </p:pic>
+    </p:spTree>
+    <p:extLst>
+      <p:ext uri="{BB962C8B-B14F-4D97-AF65-F5344CB8AC3E}">
+        <p14:creationId xmlns:p14="http://schemas.microsoft.com/office/powerpoint/2010/main" val="3670928572"/>
+      </p:ext>
+    </p:extLst>
+  </p:cSld>
+  <p:clrMapOvr>
+    <a:masterClrMapping/>
+  </p:clrMapOvr>
+  <p:timing>
+    <p:tnLst>
+      <p:par>
+        <p:cTn id="1" dur="indefinite" restart="never" nodeType="tmRoot"/>
+      </p:par>
+    </p:tnLst>
+  </p:timing>
+</p:sld>
+</file>
+
+<file path=ppt/slides/slide13.xml><?xml version="1.0" encoding="utf-8"?>
+<p:sld xmlns:a="http://schemas.openxmlformats.org/drawingml/2006/main" xmlns:r="http://schemas.openxmlformats.org/officeDocument/2006/relationships" xmlns:p="http://schemas.openxmlformats.org/presentationml/2006/main">
+  <p:cSld>
+    <p:spTree>
+      <p:nvGrpSpPr>
+        <p:cNvPr id="1" name=""/>
+        <p:cNvGrpSpPr/>
+        <p:nvPr/>
+      </p:nvGrpSpPr>
+      <p:grpSpPr>
+        <a:xfrm>
+          <a:off x="0" y="0"/>
+          <a:ext cx="0" cy="0"/>
+          <a:chOff x="0" y="0"/>
+          <a:chExt cx="0" cy="0"/>
+        </a:xfrm>
+      </p:grpSpPr>
+      <p:sp>
+        <p:nvSpPr>
+          <p:cNvPr id="4" name="Rectangle 3"/>
+          <p:cNvSpPr/>
+          <p:nvPr/>
+        </p:nvSpPr>
+        <p:spPr>
+          <a:xfrm>
+            <a:off x="249044" y="232384"/>
+            <a:ext cx="6096000" cy="1754326"/>
+          </a:xfrm>
+          <a:prstGeom prst="rect">
+            <a:avLst/>
+          </a:prstGeom>
+        </p:spPr>
+        <p:txBody>
+          <a:bodyPr>
+            <a:spAutoFit/>
+          </a:bodyPr>
+          <a:lstStyle/>
+          <a:p>
+            <a:r>
+              <a:rPr lang="en-US" dirty="0"/>
+              <a:t>There are two important definitions you need to</a:t>
+            </a:r>
+          </a:p>
+          <a:p>
+            <a:r>
+              <a:rPr lang="en-US" dirty="0"/>
+              <a:t>learn before you can work with this tool:</a:t>
+            </a:r>
+          </a:p>
+          <a:p>
+            <a:r>
+              <a:rPr lang="en-US" dirty="0"/>
+              <a:t>Entity</a:t>
+            </a:r>
+          </a:p>
+          <a:p>
+            <a:r>
+              <a:rPr lang="en-US" dirty="0"/>
+              <a:t>Corresponds to a table in a database</a:t>
+            </a:r>
+          </a:p>
+          <a:p>
+            <a:r>
+              <a:rPr lang="en-US" dirty="0"/>
+              <a:t>Attribute</a:t>
+            </a:r>
+          </a:p>
+          <a:p>
+            <a:r>
+              <a:rPr lang="en-US" dirty="0"/>
+              <a:t>Corresponds to a column in a table</a:t>
+            </a:r>
+          </a:p>
+        </p:txBody>
+      </p:sp>
+      <p:sp>
+        <p:nvSpPr>
+          <p:cNvPr id="5" name="Rectangle 4"/>
+          <p:cNvSpPr/>
+          <p:nvPr/>
+        </p:nvSpPr>
+        <p:spPr>
+          <a:xfrm>
+            <a:off x="249044" y="2319442"/>
+            <a:ext cx="9920868" cy="1200329"/>
+          </a:xfrm>
+          <a:prstGeom prst="rect">
+            <a:avLst/>
+          </a:prstGeom>
+        </p:spPr>
+        <p:txBody>
+          <a:bodyPr wrap="square">
+            <a:spAutoFit/>
+          </a:bodyPr>
+          <a:lstStyle/>
+          <a:p>
+            <a:r>
+              <a:rPr lang="en-US" dirty="0"/>
+              <a:t>In the editor, find the + button at the bottom. Click and hold on this button and then</a:t>
+            </a:r>
+          </a:p>
+          <a:p>
+            <a:r>
+              <a:rPr lang="en-US" dirty="0"/>
+              <a:t>select Add Entity from the menu that will appear, as shown in Figure 18-3.</a:t>
+            </a:r>
+          </a:p>
+          <a:p>
+            <a:r>
+              <a:rPr lang="en-US" dirty="0"/>
+              <a:t>Your new entity will be created and will be in a state where you can immediately rename</a:t>
+            </a:r>
+          </a:p>
+          <a:p>
+            <a:r>
+              <a:rPr lang="en-US" dirty="0"/>
+              <a:t>it after creation. Change the name of this entity to Person, as shown in Figure 18-4.</a:t>
+            </a:r>
+          </a:p>
+        </p:txBody>
+      </p:sp>
+    </p:spTree>
+    <p:extLst>
+      <p:ext uri="{BB962C8B-B14F-4D97-AF65-F5344CB8AC3E}">
+        <p14:creationId xmlns:p14="http://schemas.microsoft.com/office/powerpoint/2010/main" val="340325201"/>
+      </p:ext>
+    </p:extLst>
+  </p:cSld>
+  <p:clrMapOvr>
+    <a:masterClrMapping/>
+  </p:clrMapOvr>
+  <p:timing>
+    <p:tnLst>
+      <p:par>
+        <p:cTn id="1" dur="indefinite" restart="never" nodeType="tmRoot"/>
+      </p:par>
+    </p:tnLst>
+  </p:timing>
+</p:sld>
+</file>
+
+<file path=ppt/slides/slide14.xml><?xml version="1.0" encoding="utf-8"?>
+<p:sld xmlns:a="http://schemas.openxmlformats.org/drawingml/2006/main" xmlns:r="http://schemas.openxmlformats.org/officeDocument/2006/relationships" xmlns:p="http://schemas.openxmlformats.org/presentationml/2006/main">
+  <p:cSld>
+    <p:spTree>
+      <p:nvGrpSpPr>
+        <p:cNvPr id="1" name=""/>
+        <p:cNvGrpSpPr/>
+        <p:nvPr/>
+      </p:nvGrpSpPr>
+      <p:grpSpPr>
+        <a:xfrm>
+          <a:off x="0" y="0"/>
+          <a:ext cx="0" cy="0"/>
+          <a:chOff x="0" y="0"/>
+          <a:chExt cx="0" cy="0"/>
+        </a:xfrm>
+      </p:grpSpPr>
+      <p:pic>
+        <p:nvPicPr>
+          <p:cNvPr id="4" name="Picture 3"/>
+          <p:cNvPicPr>
+            <a:picLocks noChangeAspect="1"/>
+          </p:cNvPicPr>
+          <p:nvPr/>
+        </p:nvPicPr>
+        <p:blipFill>
+          <a:blip r:embed="rId2"/>
+          <a:stretch>
+            <a:fillRect/>
+          </a:stretch>
+        </p:blipFill>
+        <p:spPr>
+          <a:xfrm>
+            <a:off x="1981432" y="1187721"/>
+            <a:ext cx="7448550" cy="3724275"/>
+          </a:xfrm>
+          <a:prstGeom prst="rect">
+            <a:avLst/>
+          </a:prstGeom>
+        </p:spPr>
+      </p:pic>
+    </p:spTree>
+    <p:extLst>
+      <p:ext uri="{BB962C8B-B14F-4D97-AF65-F5344CB8AC3E}">
+        <p14:creationId xmlns:p14="http://schemas.microsoft.com/office/powerpoint/2010/main" val="337263911"/>
+      </p:ext>
+    </p:extLst>
+  </p:cSld>
+  <p:clrMapOvr>
+    <a:masterClrMapping/>
+  </p:clrMapOvr>
+  <p:timing>
+    <p:tnLst>
+      <p:par>
+        <p:cTn id="1" dur="indefinite" restart="never" nodeType="tmRoot"/>
+      </p:par>
+    </p:tnLst>
+  </p:timing>
+</p:sld>
+</file>
+
+<file path=ppt/slides/slide15.xml><?xml version="1.0" encoding="utf-8"?>
+<p:sld xmlns:a="http://schemas.openxmlformats.org/drawingml/2006/main" xmlns:r="http://schemas.openxmlformats.org/officeDocument/2006/relationships" xmlns:p="http://schemas.openxmlformats.org/presentationml/2006/main">
+  <p:cSld>
+    <p:spTree>
+      <p:nvGrpSpPr>
+        <p:cNvPr id="1" name=""/>
+        <p:cNvGrpSpPr/>
+        <p:nvPr/>
+      </p:nvGrpSpPr>
+      <p:grpSpPr>
+        <a:xfrm>
+          <a:off x="0" y="0"/>
+          <a:ext cx="0" cy="0"/>
+          <a:chOff x="0" y="0"/>
+          <a:chExt cx="0" cy="0"/>
+        </a:xfrm>
+      </p:grpSpPr>
+      <p:pic>
+        <p:nvPicPr>
+          <p:cNvPr id="4" name="Picture 3"/>
+          <p:cNvPicPr>
+            <a:picLocks noChangeAspect="1"/>
+          </p:cNvPicPr>
+          <p:nvPr/>
+        </p:nvPicPr>
+        <p:blipFill>
+          <a:blip r:embed="rId2"/>
+          <a:stretch>
+            <a:fillRect/>
+          </a:stretch>
+        </p:blipFill>
+        <p:spPr>
+          <a:xfrm>
+            <a:off x="2033936" y="1869339"/>
+            <a:ext cx="7410450" cy="4524375"/>
+          </a:xfrm>
+          <a:prstGeom prst="rect">
+            <a:avLst/>
+          </a:prstGeom>
+        </p:spPr>
+      </p:pic>
+    </p:spTree>
+    <p:extLst>
+      <p:ext uri="{BB962C8B-B14F-4D97-AF65-F5344CB8AC3E}">
+        <p14:creationId xmlns:p14="http://schemas.microsoft.com/office/powerpoint/2010/main" val="1051243306"/>
+      </p:ext>
+    </p:extLst>
+  </p:cSld>
+  <p:clrMapOvr>
+    <a:masterClrMapping/>
+  </p:clrMapOvr>
+  <p:timing>
+    <p:tnLst>
+      <p:par>
+        <p:cTn id="1" dur="indefinite" restart="never" nodeType="tmRoot"/>
+      </p:par>
+    </p:tnLst>
+  </p:timing>
+</p:sld>
+</file>
+
+<file path=ppt/slides/slide16.xml><?xml version="1.0" encoding="utf-8"?>
+<p:sld xmlns:a="http://schemas.openxmlformats.org/drawingml/2006/main" xmlns:r="http://schemas.openxmlformats.org/officeDocument/2006/relationships" xmlns:p="http://schemas.openxmlformats.org/presentationml/2006/main">
+  <p:cSld>
+    <p:spTree>
+      <p:nvGrpSpPr>
+        <p:cNvPr id="1" name=""/>
+        <p:cNvGrpSpPr/>
+        <p:nvPr/>
+      </p:nvGrpSpPr>
+      <p:grpSpPr>
+        <a:xfrm>
+          <a:off x="0" y="0"/>
+          <a:ext cx="0" cy="0"/>
+          <a:chOff x="0" y="0"/>
+          <a:chExt cx="0" cy="0"/>
+        </a:xfrm>
+      </p:grpSpPr>
+      <p:sp>
+        <p:nvSpPr>
+          <p:cNvPr id="4" name="Rectangle 3"/>
+          <p:cNvSpPr/>
+          <p:nvPr/>
+        </p:nvSpPr>
+        <p:spPr>
+          <a:xfrm>
+            <a:off x="193288" y="160792"/>
+            <a:ext cx="6096000" cy="2031325"/>
+          </a:xfrm>
+          <a:prstGeom prst="rect">
+            <a:avLst/>
+          </a:prstGeom>
+        </p:spPr>
+        <p:txBody>
+          <a:bodyPr>
+            <a:spAutoFit/>
+          </a:bodyPr>
+          <a:lstStyle/>
+          <a:p>
+            <a:r>
+              <a:rPr lang="en-US" dirty="0"/>
+              <a:t>Select the Person entity, then select the + button in the Attributes pane and create the</a:t>
+            </a:r>
+          </a:p>
+          <a:p>
+            <a:r>
+              <a:rPr lang="en-US" dirty="0"/>
+              <a:t>following three attributes for it (the results are shown in Figure 18-5).</a:t>
+            </a:r>
+          </a:p>
+          <a:p>
+            <a:r>
+              <a:rPr lang="en-US" dirty="0"/>
+              <a:t>• </a:t>
+            </a:r>
+            <a:r>
+              <a:rPr lang="en-US" dirty="0" err="1"/>
+              <a:t>firstName</a:t>
+            </a:r>
+            <a:r>
+              <a:rPr lang="en-US" dirty="0"/>
+              <a:t>(of type String).</a:t>
+            </a:r>
+          </a:p>
+          <a:p>
+            <a:r>
+              <a:rPr lang="en-US" dirty="0"/>
+              <a:t>• </a:t>
+            </a:r>
+            <a:r>
+              <a:rPr lang="en-US" dirty="0" err="1"/>
+              <a:t>lastName</a:t>
+            </a:r>
+            <a:r>
+              <a:rPr lang="en-US" dirty="0"/>
+              <a:t>(of type String).</a:t>
+            </a:r>
+          </a:p>
+          <a:p>
+            <a:r>
+              <a:rPr lang="en-US" dirty="0"/>
+              <a:t>• age(of type Integer 32).</a:t>
+            </a:r>
+          </a:p>
+        </p:txBody>
+      </p:sp>
+      <p:pic>
+        <p:nvPicPr>
+          <p:cNvPr id="5" name="Picture 4"/>
+          <p:cNvPicPr>
+            <a:picLocks noChangeAspect="1"/>
+          </p:cNvPicPr>
+          <p:nvPr/>
+        </p:nvPicPr>
+        <p:blipFill>
+          <a:blip r:embed="rId2"/>
+          <a:stretch>
+            <a:fillRect/>
+          </a:stretch>
+        </p:blipFill>
+        <p:spPr>
+          <a:xfrm>
+            <a:off x="3674559" y="2634126"/>
+            <a:ext cx="7296150" cy="3686175"/>
+          </a:xfrm>
+          <a:prstGeom prst="rect">
+            <a:avLst/>
+          </a:prstGeom>
+        </p:spPr>
+      </p:pic>
+    </p:spTree>
+    <p:extLst>
+      <p:ext uri="{BB962C8B-B14F-4D97-AF65-F5344CB8AC3E}">
+        <p14:creationId xmlns:p14="http://schemas.microsoft.com/office/powerpoint/2010/main" val="4100346689"/>
+      </p:ext>
+    </p:extLst>
+  </p:cSld>
+  <p:clrMapOvr>
+    <a:masterClrMapping/>
+  </p:clrMapOvr>
+  <p:timing>
+    <p:tnLst>
+      <p:par>
+        <p:cTn id="1" dur="indefinite" restart="never" nodeType="tmRoot"/>
+      </p:par>
+    </p:tnLst>
+  </p:timing>
+</p:sld>
+</file>
+
+<file path=ppt/slides/slide17.xml><?xml version="1.0" encoding="utf-8"?>
+<p:sld xmlns:a="http://schemas.openxmlformats.org/drawingml/2006/main" xmlns:r="http://schemas.openxmlformats.org/officeDocument/2006/relationships" xmlns:p="http://schemas.openxmlformats.org/presentationml/2006/main">
+  <p:cSld>
+    <p:spTree>
+      <p:nvGrpSpPr>
+        <p:cNvPr id="1" name=""/>
+        <p:cNvGrpSpPr/>
+        <p:nvPr/>
+      </p:nvGrpSpPr>
+      <p:grpSpPr>
+        <a:xfrm>
+          <a:off x="0" y="0"/>
+          <a:ext cx="0" cy="0"/>
+          <a:chOff x="0" y="0"/>
+          <a:chExt cx="0" cy="0"/>
+        </a:xfrm>
+      </p:grpSpPr>
+      <p:sp>
+        <p:nvSpPr>
+          <p:cNvPr id="4" name="Rectangle 3"/>
+          <p:cNvSpPr/>
+          <p:nvPr/>
+        </p:nvSpPr>
+        <p:spPr>
+          <a:xfrm>
+            <a:off x="182135" y="336307"/>
+            <a:ext cx="11437435" cy="1477328"/>
+          </a:xfrm>
+          <a:prstGeom prst="rect">
+            <a:avLst/>
+          </a:prstGeom>
+        </p:spPr>
+        <p:txBody>
+          <a:bodyPr wrap="square">
+            <a:spAutoFit/>
+          </a:bodyPr>
+          <a:lstStyle/>
+          <a:p>
+            <a:r>
+              <a:rPr lang="en-US" dirty="0"/>
+              <a:t>While you are in the data model editor, from the View menu in </a:t>
+            </a:r>
+            <a:r>
+              <a:rPr lang="en-US" dirty="0" err="1"/>
+              <a:t>Xcode</a:t>
+            </a:r>
+            <a:r>
+              <a:rPr lang="en-US" dirty="0"/>
+              <a:t>, choose </a:t>
+            </a:r>
+            <a:r>
+              <a:rPr lang="en-US" dirty="0" err="1"/>
+              <a:t>Utilit</a:t>
+            </a:r>
+            <a:r>
+              <a:rPr lang="en-US" dirty="0"/>
+              <a:t>‐</a:t>
+            </a:r>
+          </a:p>
+          <a:p>
+            <a:r>
+              <a:rPr lang="en-US" dirty="0" err="1"/>
+              <a:t>ies</a:t>
+            </a:r>
+            <a:r>
+              <a:rPr lang="en-US" dirty="0"/>
+              <a:t>  →Show Utilities. The utilities pane will open on the </a:t>
+            </a:r>
+            <a:r>
+              <a:rPr lang="en-US" dirty="0" err="1"/>
+              <a:t>righthand</a:t>
+            </a:r>
+            <a:r>
+              <a:rPr lang="en-US" dirty="0"/>
+              <a:t> side of </a:t>
+            </a:r>
+            <a:r>
+              <a:rPr lang="en-US" dirty="0" err="1"/>
+              <a:t>Xcode</a:t>
+            </a:r>
+            <a:r>
+              <a:rPr lang="en-US" dirty="0"/>
+              <a:t>. On</a:t>
+            </a:r>
+          </a:p>
+          <a:p>
+            <a:r>
+              <a:rPr lang="en-US" dirty="0"/>
+              <a:t>top, choose the Data Model Inspector button and make sure that you have clicked on</a:t>
+            </a:r>
+          </a:p>
+          <a:p>
+            <a:r>
+              <a:rPr lang="en-US" dirty="0"/>
+              <a:t>the  </a:t>
+            </a:r>
+            <a:r>
+              <a:rPr lang="en-US" dirty="0" err="1"/>
+              <a:t>Personentity</a:t>
+            </a:r>
+            <a:r>
+              <a:rPr lang="en-US" dirty="0"/>
+              <a:t> that we just created. At this point, the Data Model inspector will be</a:t>
+            </a:r>
+          </a:p>
+          <a:p>
+            <a:r>
+              <a:rPr lang="en-US" dirty="0"/>
+              <a:t>populated with items relevant to the </a:t>
+            </a:r>
+            <a:r>
+              <a:rPr lang="en-US" dirty="0" err="1"/>
+              <a:t>Personentity</a:t>
+            </a:r>
+            <a:r>
+              <a:rPr lang="en-US" dirty="0"/>
+              <a:t>, as shown in Figure 18-6.</a:t>
+            </a:r>
+          </a:p>
+        </p:txBody>
+      </p:sp>
+      <p:pic>
+        <p:nvPicPr>
+          <p:cNvPr id="5" name="Picture 4"/>
+          <p:cNvPicPr>
+            <a:picLocks noChangeAspect="1"/>
+          </p:cNvPicPr>
+          <p:nvPr/>
+        </p:nvPicPr>
+        <p:blipFill>
+          <a:blip r:embed="rId2"/>
+          <a:stretch>
+            <a:fillRect/>
+          </a:stretch>
+        </p:blipFill>
+        <p:spPr>
+          <a:xfrm>
+            <a:off x="1552690" y="2496015"/>
+            <a:ext cx="7324725" cy="3048000"/>
+          </a:xfrm>
+          <a:prstGeom prst="rect">
+            <a:avLst/>
+          </a:prstGeom>
+        </p:spPr>
+      </p:pic>
+    </p:spTree>
+    <p:extLst>
+      <p:ext uri="{BB962C8B-B14F-4D97-AF65-F5344CB8AC3E}">
+        <p14:creationId xmlns:p14="http://schemas.microsoft.com/office/powerpoint/2010/main" val="1625393612"/>
+      </p:ext>
+    </p:extLst>
+  </p:cSld>
+  <p:clrMapOvr>
+    <a:masterClrMapping/>
+  </p:clrMapOvr>
+  <p:timing>
+    <p:tnLst>
+      <p:par>
+        <p:cTn id="1" dur="indefinite" restart="never" nodeType="tmRoot"/>
+      </p:par>
+    </p:tnLst>
+  </p:timing>
+</p:sld>
+</file>
+
+<file path=ppt/slides/slide18.xml><?xml version="1.0" encoding="utf-8"?>
+<p:sld xmlns:a="http://schemas.openxmlformats.org/drawingml/2006/main" xmlns:r="http://schemas.openxmlformats.org/officeDocument/2006/relationships" xmlns:p="http://schemas.openxmlformats.org/presentationml/2006/main">
+  <p:cSld>
+    <p:spTree>
+      <p:nvGrpSpPr>
+        <p:cNvPr id="1" name=""/>
+        <p:cNvGrpSpPr/>
+        <p:nvPr/>
+      </p:nvGrpSpPr>
+      <p:grpSpPr>
+        <a:xfrm>
+          <a:off x="0" y="0"/>
+          <a:ext cx="0" cy="0"/>
+          <a:chOff x="0" y="0"/>
+          <a:chExt cx="0" cy="0"/>
+        </a:xfrm>
+      </p:grpSpPr>
+      <p:sp>
+        <p:nvSpPr>
+          <p:cNvPr id="4" name="Rectangle 3"/>
+          <p:cNvSpPr/>
+          <p:nvPr/>
+        </p:nvSpPr>
+        <p:spPr>
+          <a:xfrm>
+            <a:off x="282497" y="153205"/>
+            <a:ext cx="11337073" cy="1754326"/>
+          </a:xfrm>
+          <a:prstGeom prst="rect">
+            <a:avLst/>
+          </a:prstGeom>
+        </p:spPr>
+        <p:txBody>
+          <a:bodyPr wrap="square">
+            <a:spAutoFit/>
+          </a:bodyPr>
+          <a:lstStyle/>
+          <a:p>
+            <a:r>
+              <a:rPr lang="en-US" dirty="0"/>
+              <a:t>Now click the </a:t>
+            </a:r>
+            <a:r>
+              <a:rPr lang="en-US" dirty="0" err="1"/>
+              <a:t>firstName</a:t>
+            </a:r>
+            <a:r>
+              <a:rPr lang="en-US" dirty="0"/>
+              <a:t>, </a:t>
+            </a:r>
+            <a:r>
+              <a:rPr lang="en-US" dirty="0" err="1"/>
+              <a:t>lastName</a:t>
+            </a:r>
+            <a:r>
+              <a:rPr lang="en-US" dirty="0"/>
+              <a:t>, and  age attributes of the Person entity. Make sure</a:t>
+            </a:r>
+          </a:p>
+          <a:p>
+            <a:r>
+              <a:rPr lang="en-US" dirty="0"/>
+              <a:t>the  </a:t>
+            </a:r>
+            <a:r>
+              <a:rPr lang="en-US" dirty="0" err="1"/>
+              <a:t>firstNameand</a:t>
+            </a:r>
+            <a:r>
+              <a:rPr lang="en-US" dirty="0"/>
+              <a:t> the  </a:t>
+            </a:r>
+            <a:r>
+              <a:rPr lang="en-US" dirty="0" err="1"/>
+              <a:t>lastNameattributes</a:t>
+            </a:r>
+            <a:r>
+              <a:rPr lang="en-US" dirty="0"/>
+              <a:t> are  not </a:t>
+            </a:r>
+            <a:r>
+              <a:rPr lang="en-US" dirty="0" err="1"/>
+              <a:t>optionalby</a:t>
+            </a:r>
+            <a:r>
+              <a:rPr lang="en-US" dirty="0"/>
+              <a:t> </a:t>
+            </a:r>
+            <a:r>
+              <a:rPr lang="en-US" dirty="0" err="1"/>
+              <a:t>unticking</a:t>
+            </a:r>
+            <a:r>
+              <a:rPr lang="en-US" dirty="0"/>
+              <a:t> the  Option</a:t>
+            </a:r>
+          </a:p>
+          <a:p>
+            <a:r>
+              <a:rPr lang="en-US" dirty="0"/>
+              <a:t>al checkbox and make sure the age field is optional by ticking the </a:t>
+            </a:r>
+            <a:r>
+              <a:rPr lang="en-US" dirty="0" err="1"/>
+              <a:t>Optionalcheckbox</a:t>
+            </a:r>
+            <a:r>
+              <a:rPr lang="en-US" dirty="0"/>
+              <a:t>.</a:t>
+            </a:r>
+          </a:p>
+          <a:p>
+            <a:r>
+              <a:rPr lang="en-US" dirty="0"/>
+              <a:t>OK, we are done creating the model. Choose File →Save to make sure your changes are</a:t>
+            </a:r>
+          </a:p>
+          <a:p>
+            <a:r>
+              <a:rPr lang="en-US" dirty="0"/>
+              <a:t>saved. To learn how to generate code based on the managed object you just created, </a:t>
+            </a:r>
+          </a:p>
+          <a:p>
+            <a:r>
+              <a:rPr lang="en-US" dirty="0"/>
+              <a:t>refer to</a:t>
+            </a:r>
+          </a:p>
+        </p:txBody>
+      </p:sp>
+    </p:spTree>
+    <p:extLst>
+      <p:ext uri="{BB962C8B-B14F-4D97-AF65-F5344CB8AC3E}">
+        <p14:creationId xmlns:p14="http://schemas.microsoft.com/office/powerpoint/2010/main" val="1348694864"/>
+      </p:ext>
+    </p:extLst>
+  </p:cSld>
+  <p:clrMapOvr>
+    <a:masterClrMapping/>
+  </p:clrMapOvr>
+  <p:timing>
+    <p:tnLst>
+      <p:par>
+        <p:cTn id="1" dur="indefinite" restart="never" nodeType="tmRoot"/>
+      </p:par>
+    </p:tnLst>
+  </p:timing>
+</p:sld>
+</file>
+
+<file path=ppt/slides/slide19.xml><?xml version="1.0" encoding="utf-8"?>
+<p:sld xmlns:a="http://schemas.openxmlformats.org/drawingml/2006/main" xmlns:r="http://schemas.openxmlformats.org/officeDocument/2006/relationships" xmlns:p="http://schemas.openxmlformats.org/presentationml/2006/main">
+  <p:cSld>
+    <p:spTree>
+      <p:nvGrpSpPr>
+        <p:cNvPr id="1" name=""/>
+        <p:cNvGrpSpPr/>
+        <p:nvPr/>
+      </p:nvGrpSpPr>
+      <p:grpSpPr>
+        <a:xfrm>
+          <a:off x="0" y="0"/>
+          <a:ext cx="0" cy="0"/>
+          <a:chOff x="0" y="0"/>
+          <a:chExt cx="0" cy="0"/>
+        </a:xfrm>
+      </p:grpSpPr>
+      <p:sp>
+        <p:nvSpPr>
+          <p:cNvPr id="4" name="Rectangle 3"/>
+          <p:cNvSpPr/>
+          <p:nvPr/>
+        </p:nvSpPr>
+        <p:spPr>
+          <a:xfrm>
+            <a:off x="278331" y="222353"/>
+            <a:ext cx="4788490" cy="369332"/>
+          </a:xfrm>
+          <a:prstGeom prst="rect">
+            <a:avLst/>
+          </a:prstGeom>
+        </p:spPr>
+        <p:txBody>
+          <a:bodyPr wrap="none">
+            <a:spAutoFit/>
+          </a:bodyPr>
+          <a:lstStyle/>
+          <a:p>
+            <a:r>
+              <a:rPr lang="en-US" dirty="0"/>
+              <a:t>Generating Class Files for Core Data Entities</a:t>
+            </a:r>
+          </a:p>
+        </p:txBody>
+      </p:sp>
+      <p:sp>
+        <p:nvSpPr>
+          <p:cNvPr id="6" name="Rectangle 5"/>
+          <p:cNvSpPr/>
+          <p:nvPr/>
+        </p:nvSpPr>
+        <p:spPr>
+          <a:xfrm>
+            <a:off x="278330" y="2033096"/>
+            <a:ext cx="10861737" cy="2862322"/>
+          </a:xfrm>
+          <a:prstGeom prst="rect">
+            <a:avLst/>
+          </a:prstGeom>
+        </p:spPr>
+        <p:txBody>
+          <a:bodyPr wrap="square">
+            <a:spAutoFit/>
+          </a:bodyPr>
+          <a:lstStyle/>
+          <a:p>
+            <a:endParaRPr lang="en-US" dirty="0"/>
+          </a:p>
+          <a:p>
+            <a:r>
+              <a:rPr lang="en-US" dirty="0"/>
+              <a:t>Follow these steps:</a:t>
+            </a:r>
+          </a:p>
+          <a:p>
+            <a:r>
+              <a:rPr lang="en-US" dirty="0"/>
+              <a:t>1. </a:t>
+            </a:r>
+            <a:r>
+              <a:rPr lang="en-US" dirty="0" err="1"/>
+              <a:t>InXcode</a:t>
+            </a:r>
+            <a:r>
+              <a:rPr lang="en-US" dirty="0"/>
+              <a:t>, find the file with the </a:t>
+            </a:r>
+            <a:r>
+              <a:rPr lang="en-US" dirty="0" err="1"/>
+              <a:t>xcdatamodelextension</a:t>
+            </a:r>
+            <a:r>
+              <a:rPr lang="en-US" dirty="0"/>
+              <a:t> that was created for your</a:t>
+            </a:r>
+          </a:p>
+          <a:p>
+            <a:r>
+              <a:rPr lang="en-US" dirty="0"/>
+              <a:t>application when you created the application itself in </a:t>
+            </a:r>
+            <a:r>
+              <a:rPr lang="en-US" dirty="0" err="1"/>
+              <a:t>Xcode</a:t>
+            </a:r>
+            <a:r>
+              <a:rPr lang="en-US" dirty="0"/>
+              <a:t>. Click the file, and you</a:t>
+            </a:r>
+          </a:p>
+          <a:p>
+            <a:r>
+              <a:rPr lang="en-US" dirty="0"/>
+              <a:t>should see the editor on the </a:t>
+            </a:r>
+            <a:r>
+              <a:rPr lang="en-US" dirty="0" err="1"/>
+              <a:t>righthand</a:t>
+            </a:r>
+            <a:r>
+              <a:rPr lang="en-US" dirty="0"/>
+              <a:t> side of the </a:t>
+            </a:r>
+            <a:r>
+              <a:rPr lang="en-US" dirty="0" err="1"/>
+              <a:t>Xcode</a:t>
+            </a:r>
+            <a:r>
+              <a:rPr lang="en-US" dirty="0"/>
+              <a:t> window.</a:t>
+            </a:r>
+          </a:p>
+          <a:p>
+            <a:r>
+              <a:rPr lang="en-US" dirty="0"/>
+              <a:t>2. Select the </a:t>
+            </a:r>
+            <a:r>
+              <a:rPr lang="en-US" dirty="0" err="1"/>
+              <a:t>Personentity</a:t>
+            </a:r>
+            <a:r>
+              <a:rPr lang="en-US" dirty="0"/>
+              <a:t> that we created earlier (see Recipe 18.1).</a:t>
+            </a:r>
+          </a:p>
+          <a:p>
+            <a:r>
+              <a:rPr lang="en-US" dirty="0"/>
+              <a:t>3. Select File →New File in </a:t>
+            </a:r>
+            <a:r>
+              <a:rPr lang="en-US" dirty="0" err="1"/>
+              <a:t>Xcode</a:t>
+            </a:r>
+            <a:r>
+              <a:rPr lang="en-US" dirty="0"/>
+              <a:t>.</a:t>
+            </a:r>
+          </a:p>
+          <a:p>
+            <a:r>
+              <a:rPr lang="en-US" dirty="0"/>
+              <a:t>4. In the New File dialog, make sure you have selected </a:t>
+            </a:r>
+            <a:r>
+              <a:rPr lang="en-US" dirty="0" err="1"/>
+              <a:t>iOS</a:t>
+            </a:r>
+            <a:r>
+              <a:rPr lang="en-US" dirty="0"/>
+              <a:t> as the main category and</a:t>
+            </a:r>
+          </a:p>
+          <a:p>
+            <a:r>
+              <a:rPr lang="en-US" dirty="0"/>
+              <a:t>Core Data as the subcategory. Then choose the </a:t>
+            </a:r>
+            <a:r>
+              <a:rPr lang="en-US" dirty="0" err="1"/>
+              <a:t>NSManagedObject</a:t>
+            </a:r>
+            <a:r>
+              <a:rPr lang="en-US" dirty="0"/>
+              <a:t> </a:t>
+            </a:r>
+            <a:r>
+              <a:rPr lang="en-US" dirty="0" err="1"/>
+              <a:t>subclassitem</a:t>
+            </a:r>
+            <a:endParaRPr lang="en-US" dirty="0"/>
+          </a:p>
+          <a:p>
+            <a:r>
+              <a:rPr lang="en-US" dirty="0"/>
+              <a:t>from the </a:t>
+            </a:r>
+            <a:r>
+              <a:rPr lang="en-US" dirty="0" err="1"/>
+              <a:t>righthand</a:t>
+            </a:r>
+            <a:r>
+              <a:rPr lang="en-US" dirty="0"/>
+              <a:t> side of the dialog and press Next, as shown in Figure 18-7</a:t>
+            </a:r>
+          </a:p>
+        </p:txBody>
+      </p:sp>
+    </p:spTree>
+    <p:extLst>
+      <p:ext uri="{BB962C8B-B14F-4D97-AF65-F5344CB8AC3E}">
+        <p14:creationId xmlns:p14="http://schemas.microsoft.com/office/powerpoint/2010/main" val="3150529746"/>
       </p:ext>
     </p:extLst>
   </p:cSld>
@@ -3019,49 +4121,8 @@
                   </a:outerShdw>
                 </a:effectLst>
               </a:rPr>
-              <a:t>Module </a:t>
-            </a:r>
-            <a:r>
-              <a:rPr lang="en-US" sz="4899" b="1" dirty="0">
-                <a:ln w="13462">
-                  <a:solidFill>
-                    <a:prstClr val="white"/>
-                  </a:solidFill>
-                  <a:prstDash val="solid"/>
-                </a:ln>
-                <a:solidFill>
-                  <a:prstClr val="black">
-                    <a:lumMod val="85000"/>
-                    <a:lumOff val="15000"/>
-                  </a:prstClr>
-                </a:solidFill>
-                <a:effectLst>
-                  <a:outerShdw dist="38100" dir="2700000" algn="bl" rotWithShape="0">
-                    <a:srgbClr val="4BACC6"/>
-                  </a:outerShdw>
-                </a:effectLst>
-              </a:rPr>
-              <a:t>03</a:t>
-            </a:r>
-            <a:endParaRPr lang="en-US" sz="4899" b="1" dirty="0">
-              <a:ln w="13462">
-                <a:solidFill>
-                  <a:prstClr val="white"/>
-                </a:solidFill>
-                <a:prstDash val="solid"/>
-              </a:ln>
-              <a:solidFill>
-                <a:prstClr val="black">
-                  <a:lumMod val="85000"/>
-                  <a:lumOff val="15000"/>
-                </a:prstClr>
-              </a:solidFill>
-              <a:effectLst>
-                <a:outerShdw dist="38100" dir="2700000" algn="bl" rotWithShape="0">
-                  <a:srgbClr val="4BACC6"/>
-                </a:outerShdw>
-              </a:effectLst>
-            </a:endParaRPr>
+              <a:t>Module 03</a:t>
+            </a:r>
           </a:p>
         </p:txBody>
       </p:sp>
@@ -3340,6 +4401,1076 @@
 </p:sld>
 </file>
 
+<file path=ppt/slides/slide20.xml><?xml version="1.0" encoding="utf-8"?>
+<p:sld xmlns:a="http://schemas.openxmlformats.org/drawingml/2006/main" xmlns:r="http://schemas.openxmlformats.org/officeDocument/2006/relationships" xmlns:p="http://schemas.openxmlformats.org/presentationml/2006/main">
+  <p:cSld>
+    <p:spTree>
+      <p:nvGrpSpPr>
+        <p:cNvPr id="1" name=""/>
+        <p:cNvGrpSpPr/>
+        <p:nvPr/>
+      </p:nvGrpSpPr>
+      <p:grpSpPr>
+        <a:xfrm>
+          <a:off x="0" y="0"/>
+          <a:ext cx="0" cy="0"/>
+          <a:chOff x="0" y="0"/>
+          <a:chExt cx="0" cy="0"/>
+        </a:xfrm>
+      </p:grpSpPr>
+      <p:pic>
+        <p:nvPicPr>
+          <p:cNvPr id="4" name="Picture 3"/>
+          <p:cNvPicPr>
+            <a:picLocks noChangeAspect="1"/>
+          </p:cNvPicPr>
+          <p:nvPr/>
+        </p:nvPicPr>
+        <p:blipFill>
+          <a:blip r:embed="rId2"/>
+          <a:stretch>
+            <a:fillRect/>
+          </a:stretch>
+        </p:blipFill>
+        <p:spPr>
+          <a:xfrm>
+            <a:off x="1935085" y="1257997"/>
+            <a:ext cx="7362825" cy="4743450"/>
+          </a:xfrm>
+          <a:prstGeom prst="rect">
+            <a:avLst/>
+          </a:prstGeom>
+        </p:spPr>
+      </p:pic>
+    </p:spTree>
+    <p:extLst>
+      <p:ext uri="{BB962C8B-B14F-4D97-AF65-F5344CB8AC3E}">
+        <p14:creationId xmlns:p14="http://schemas.microsoft.com/office/powerpoint/2010/main" val="3982903349"/>
+      </p:ext>
+    </p:extLst>
+  </p:cSld>
+  <p:clrMapOvr>
+    <a:masterClrMapping/>
+  </p:clrMapOvr>
+  <p:timing>
+    <p:tnLst>
+      <p:par>
+        <p:cTn id="1" dur="indefinite" restart="never" nodeType="tmRoot"/>
+      </p:par>
+    </p:tnLst>
+  </p:timing>
+</p:sld>
+</file>
+
+<file path=ppt/slides/slide21.xml><?xml version="1.0" encoding="utf-8"?>
+<p:sld xmlns:a="http://schemas.openxmlformats.org/drawingml/2006/main" xmlns:r="http://schemas.openxmlformats.org/officeDocument/2006/relationships" xmlns:p="http://schemas.openxmlformats.org/presentationml/2006/main">
+  <p:cSld>
+    <p:spTree>
+      <p:nvGrpSpPr>
+        <p:cNvPr id="1" name=""/>
+        <p:cNvGrpSpPr/>
+        <p:nvPr/>
+      </p:nvGrpSpPr>
+      <p:grpSpPr>
+        <a:xfrm>
+          <a:off x="0" y="0"/>
+          <a:ext cx="0" cy="0"/>
+          <a:chOff x="0" y="0"/>
+          <a:chExt cx="0" cy="0"/>
+        </a:xfrm>
+      </p:grpSpPr>
+      <p:sp>
+        <p:nvSpPr>
+          <p:cNvPr id="4" name="Rectangle 3"/>
+          <p:cNvSpPr/>
+          <p:nvPr/>
+        </p:nvSpPr>
+        <p:spPr>
+          <a:xfrm>
+            <a:off x="315951" y="319812"/>
+            <a:ext cx="6096000" cy="1200329"/>
+          </a:xfrm>
+          <a:prstGeom prst="rect">
+            <a:avLst/>
+          </a:prstGeom>
+        </p:spPr>
+        <p:txBody>
+          <a:bodyPr>
+            <a:spAutoFit/>
+          </a:bodyPr>
+          <a:lstStyle/>
+          <a:p>
+            <a:r>
+              <a:rPr lang="en-US" dirty="0"/>
+              <a:t>On the next screen, choose the managed object model that you want to save to disk</a:t>
+            </a:r>
+          </a:p>
+          <a:p>
+            <a:r>
+              <a:rPr lang="en-US" dirty="0"/>
+              <a:t>and ensure it is ticked. Once you are done, press the Next button (see Figure 18-8)</a:t>
+            </a:r>
+          </a:p>
+        </p:txBody>
+      </p:sp>
+      <p:pic>
+        <p:nvPicPr>
+          <p:cNvPr id="5" name="Picture 4"/>
+          <p:cNvPicPr>
+            <a:picLocks noChangeAspect="1"/>
+          </p:cNvPicPr>
+          <p:nvPr/>
+        </p:nvPicPr>
+        <p:blipFill>
+          <a:blip r:embed="rId2"/>
+          <a:stretch>
+            <a:fillRect/>
+          </a:stretch>
+        </p:blipFill>
+        <p:spPr>
+          <a:xfrm>
+            <a:off x="2811501" y="1520141"/>
+            <a:ext cx="7200900" cy="5162550"/>
+          </a:xfrm>
+          <a:prstGeom prst="rect">
+            <a:avLst/>
+          </a:prstGeom>
+        </p:spPr>
+      </p:pic>
+    </p:spTree>
+    <p:extLst>
+      <p:ext uri="{BB962C8B-B14F-4D97-AF65-F5344CB8AC3E}">
+        <p14:creationId xmlns:p14="http://schemas.microsoft.com/office/powerpoint/2010/main" val="3654064471"/>
+      </p:ext>
+    </p:extLst>
+  </p:cSld>
+  <p:clrMapOvr>
+    <a:masterClrMapping/>
+  </p:clrMapOvr>
+  <p:timing>
+    <p:tnLst>
+      <p:par>
+        <p:cTn id="1" dur="indefinite" restart="never" nodeType="tmRoot"/>
+      </p:par>
+    </p:tnLst>
+  </p:timing>
+</p:sld>
+</file>
+
+<file path=ppt/slides/slide22.xml><?xml version="1.0" encoding="utf-8"?>
+<p:sld xmlns:a="http://schemas.openxmlformats.org/drawingml/2006/main" xmlns:r="http://schemas.openxmlformats.org/officeDocument/2006/relationships" xmlns:p="http://schemas.openxmlformats.org/presentationml/2006/main">
+  <p:cSld>
+    <p:spTree>
+      <p:nvGrpSpPr>
+        <p:cNvPr id="1" name=""/>
+        <p:cNvGrpSpPr/>
+        <p:nvPr/>
+      </p:nvGrpSpPr>
+      <p:grpSpPr>
+        <a:xfrm>
+          <a:off x="0" y="0"/>
+          <a:ext cx="0" cy="0"/>
+          <a:chOff x="0" y="0"/>
+          <a:chExt cx="0" cy="0"/>
+        </a:xfrm>
+      </p:grpSpPr>
+      <p:sp>
+        <p:nvSpPr>
+          <p:cNvPr id="4" name="Rectangle 3"/>
+          <p:cNvSpPr/>
+          <p:nvPr/>
+        </p:nvSpPr>
+        <p:spPr>
+          <a:xfrm>
+            <a:off x="137531" y="261153"/>
+            <a:ext cx="11047141" cy="1200329"/>
+          </a:xfrm>
+          <a:prstGeom prst="rect">
+            <a:avLst/>
+          </a:prstGeom>
+        </p:spPr>
+        <p:txBody>
+          <a:bodyPr wrap="square">
+            <a:spAutoFit/>
+          </a:bodyPr>
+          <a:lstStyle/>
+          <a:p>
+            <a:r>
+              <a:rPr lang="en-US" dirty="0"/>
+              <a:t>Now you will be asked to pick the entities that you want to export from your model</a:t>
+            </a:r>
+          </a:p>
+          <a:p>
+            <a:r>
+              <a:rPr lang="en-US" dirty="0"/>
+              <a:t>on disk as Objective-C files. Since we have created only one entity, the  Person  entity,</a:t>
+            </a:r>
+          </a:p>
+          <a:p>
+            <a:r>
+              <a:rPr lang="en-US" dirty="0"/>
+              <a:t>your list will look similar to that shown in Figure 18-9. Make sure the  Person  entity</a:t>
+            </a:r>
+          </a:p>
+          <a:p>
+            <a:r>
+              <a:rPr lang="en-US" dirty="0"/>
+              <a:t>is ticked, and then press the Next button.</a:t>
+            </a:r>
+          </a:p>
+        </p:txBody>
+      </p:sp>
+      <p:sp>
+        <p:nvSpPr>
+          <p:cNvPr id="5" name="Rectangle 4"/>
+          <p:cNvSpPr/>
+          <p:nvPr/>
+        </p:nvSpPr>
+        <p:spPr>
+          <a:xfrm>
+            <a:off x="137531" y="1844626"/>
+            <a:ext cx="11303620" cy="1200329"/>
+          </a:xfrm>
+          <a:prstGeom prst="rect">
+            <a:avLst/>
+          </a:prstGeom>
+        </p:spPr>
+        <p:txBody>
+          <a:bodyPr wrap="square">
+            <a:spAutoFit/>
+          </a:bodyPr>
+          <a:lstStyle/>
+          <a:p>
+            <a:r>
+              <a:rPr lang="en-US" dirty="0"/>
+              <a:t>At the last stage, you will be asked to save your entity on disk. Ensure that in the</a:t>
+            </a:r>
+          </a:p>
+          <a:p>
+            <a:r>
+              <a:rPr lang="en-US" dirty="0"/>
+              <a:t>Targets box, your project is ticked (see Figure 18-10); otherwise, the entity will not</a:t>
+            </a:r>
+          </a:p>
+          <a:p>
+            <a:r>
+              <a:rPr lang="en-US" dirty="0"/>
+              <a:t>be available to different source files in your code. Once you are happy, press the</a:t>
+            </a:r>
+          </a:p>
+          <a:p>
+            <a:r>
+              <a:rPr lang="en-US" dirty="0"/>
+              <a:t>Create button.</a:t>
+            </a:r>
+          </a:p>
+        </p:txBody>
+      </p:sp>
+    </p:spTree>
+    <p:extLst>
+      <p:ext uri="{BB962C8B-B14F-4D97-AF65-F5344CB8AC3E}">
+        <p14:creationId xmlns:p14="http://schemas.microsoft.com/office/powerpoint/2010/main" val="3030862602"/>
+      </p:ext>
+    </p:extLst>
+  </p:cSld>
+  <p:clrMapOvr>
+    <a:masterClrMapping/>
+  </p:clrMapOvr>
+  <p:timing>
+    <p:tnLst>
+      <p:par>
+        <p:cTn id="1" dur="indefinite" restart="never" nodeType="tmRoot"/>
+      </p:par>
+    </p:tnLst>
+  </p:timing>
+</p:sld>
+</file>
+
+<file path=ppt/slides/slide23.xml><?xml version="1.0" encoding="utf-8"?>
+<p:sld xmlns:a="http://schemas.openxmlformats.org/drawingml/2006/main" xmlns:r="http://schemas.openxmlformats.org/officeDocument/2006/relationships" xmlns:p="http://schemas.openxmlformats.org/presentationml/2006/main">
+  <p:cSld>
+    <p:spTree>
+      <p:nvGrpSpPr>
+        <p:cNvPr id="1" name=""/>
+        <p:cNvGrpSpPr/>
+        <p:nvPr/>
+      </p:nvGrpSpPr>
+      <p:grpSpPr>
+        <a:xfrm>
+          <a:off x="0" y="0"/>
+          <a:ext cx="0" cy="0"/>
+          <a:chOff x="0" y="0"/>
+          <a:chExt cx="0" cy="0"/>
+        </a:xfrm>
+      </p:grpSpPr>
+      <p:pic>
+        <p:nvPicPr>
+          <p:cNvPr id="4" name="Picture 3"/>
+          <p:cNvPicPr>
+            <a:picLocks noChangeAspect="1"/>
+          </p:cNvPicPr>
+          <p:nvPr/>
+        </p:nvPicPr>
+        <p:blipFill>
+          <a:blip r:embed="rId2"/>
+          <a:stretch>
+            <a:fillRect/>
+          </a:stretch>
+        </p:blipFill>
+        <p:spPr>
+          <a:xfrm>
+            <a:off x="2338271" y="1180054"/>
+            <a:ext cx="7448550" cy="4810125"/>
+          </a:xfrm>
+          <a:prstGeom prst="rect">
+            <a:avLst/>
+          </a:prstGeom>
+        </p:spPr>
+      </p:pic>
+    </p:spTree>
+    <p:extLst>
+      <p:ext uri="{BB962C8B-B14F-4D97-AF65-F5344CB8AC3E}">
+        <p14:creationId xmlns:p14="http://schemas.microsoft.com/office/powerpoint/2010/main" val="2346942304"/>
+      </p:ext>
+    </p:extLst>
+  </p:cSld>
+  <p:clrMapOvr>
+    <a:masterClrMapping/>
+  </p:clrMapOvr>
+  <p:timing>
+    <p:tnLst>
+      <p:par>
+        <p:cTn id="1" dur="indefinite" restart="never" nodeType="tmRoot"/>
+      </p:par>
+    </p:tnLst>
+  </p:timing>
+</p:sld>
+</file>
+
+<file path=ppt/slides/slide24.xml><?xml version="1.0" encoding="utf-8"?>
+<p:sld xmlns:a="http://schemas.openxmlformats.org/drawingml/2006/main" xmlns:r="http://schemas.openxmlformats.org/officeDocument/2006/relationships" xmlns:p="http://schemas.openxmlformats.org/presentationml/2006/main">
+  <p:cSld>
+    <p:spTree>
+      <p:nvGrpSpPr>
+        <p:cNvPr id="1" name=""/>
+        <p:cNvGrpSpPr/>
+        <p:nvPr/>
+      </p:nvGrpSpPr>
+      <p:grpSpPr>
+        <a:xfrm>
+          <a:off x="0" y="0"/>
+          <a:ext cx="0" cy="0"/>
+          <a:chOff x="0" y="0"/>
+          <a:chExt cx="0" cy="0"/>
+        </a:xfrm>
+      </p:grpSpPr>
+      <p:pic>
+        <p:nvPicPr>
+          <p:cNvPr id="5" name="Picture 4"/>
+          <p:cNvPicPr>
+            <a:picLocks noChangeAspect="1"/>
+          </p:cNvPicPr>
+          <p:nvPr/>
+        </p:nvPicPr>
+        <p:blipFill>
+          <a:blip r:embed="rId2"/>
+          <a:stretch>
+            <a:fillRect/>
+          </a:stretch>
+        </p:blipFill>
+        <p:spPr>
+          <a:xfrm>
+            <a:off x="1009650" y="1253351"/>
+            <a:ext cx="7429500" cy="4819650"/>
+          </a:xfrm>
+          <a:prstGeom prst="rect">
+            <a:avLst/>
+          </a:prstGeom>
+        </p:spPr>
+      </p:pic>
+    </p:spTree>
+    <p:extLst>
+      <p:ext uri="{BB962C8B-B14F-4D97-AF65-F5344CB8AC3E}">
+        <p14:creationId xmlns:p14="http://schemas.microsoft.com/office/powerpoint/2010/main" val="4272476634"/>
+      </p:ext>
+    </p:extLst>
+  </p:cSld>
+  <p:clrMapOvr>
+    <a:masterClrMapping/>
+  </p:clrMapOvr>
+  <p:timing>
+    <p:tnLst>
+      <p:par>
+        <p:cTn id="1" dur="indefinite" restart="never" nodeType="tmRoot"/>
+      </p:par>
+    </p:tnLst>
+  </p:timing>
+</p:sld>
+</file>
+
+<file path=ppt/slides/slide25.xml><?xml version="1.0" encoding="utf-8"?>
+<p:sld xmlns:a="http://schemas.openxmlformats.org/drawingml/2006/main" xmlns:r="http://schemas.openxmlformats.org/officeDocument/2006/relationships" xmlns:p="http://schemas.openxmlformats.org/presentationml/2006/main">
+  <p:cSld>
+    <p:spTree>
+      <p:nvGrpSpPr>
+        <p:cNvPr id="1" name=""/>
+        <p:cNvGrpSpPr/>
+        <p:nvPr/>
+      </p:nvGrpSpPr>
+      <p:grpSpPr>
+        <a:xfrm>
+          <a:off x="0" y="0"/>
+          <a:ext cx="0" cy="0"/>
+          <a:chOff x="0" y="0"/>
+          <a:chExt cx="0" cy="0"/>
+        </a:xfrm>
+      </p:grpSpPr>
+      <p:sp>
+        <p:nvSpPr>
+          <p:cNvPr id="4" name="Rectangle 3"/>
+          <p:cNvSpPr/>
+          <p:nvPr/>
+        </p:nvSpPr>
+        <p:spPr>
+          <a:xfrm>
+            <a:off x="215590" y="134925"/>
+            <a:ext cx="6096000" cy="923330"/>
+          </a:xfrm>
+          <a:prstGeom prst="rect">
+            <a:avLst/>
+          </a:prstGeom>
+        </p:spPr>
+        <p:txBody>
+          <a:bodyPr>
+            <a:spAutoFit/>
+          </a:bodyPr>
+          <a:lstStyle/>
+          <a:p>
+            <a:r>
+              <a:rPr lang="en-US" dirty="0"/>
+              <a:t>Now you will see two new files in your project, called </a:t>
+            </a:r>
+            <a:r>
+              <a:rPr lang="en-US" dirty="0" err="1"/>
+              <a:t>Person.hand</a:t>
+            </a:r>
+            <a:r>
+              <a:rPr lang="en-US" dirty="0"/>
+              <a:t> </a:t>
+            </a:r>
+            <a:r>
+              <a:rPr lang="en-US" dirty="0" err="1"/>
+              <a:t>Person.m</a:t>
+            </a:r>
+            <a:r>
+              <a:rPr lang="en-US" dirty="0"/>
+              <a:t>. Open the</a:t>
+            </a:r>
+          </a:p>
+          <a:p>
+            <a:r>
+              <a:rPr lang="en-US" dirty="0"/>
+              <a:t>contents of the </a:t>
+            </a:r>
+            <a:r>
+              <a:rPr lang="en-US" dirty="0" err="1"/>
+              <a:t>Person.hfile</a:t>
+            </a:r>
+            <a:r>
+              <a:rPr lang="en-US" dirty="0"/>
+              <a:t>. It will look like the following:</a:t>
+            </a:r>
+          </a:p>
+        </p:txBody>
+      </p:sp>
+      <p:pic>
+        <p:nvPicPr>
+          <p:cNvPr id="5" name="Picture 4"/>
+          <p:cNvPicPr>
+            <a:picLocks noChangeAspect="1"/>
+          </p:cNvPicPr>
+          <p:nvPr/>
+        </p:nvPicPr>
+        <p:blipFill>
+          <a:blip r:embed="rId2"/>
+          <a:stretch>
+            <a:fillRect/>
+          </a:stretch>
+        </p:blipFill>
+        <p:spPr>
+          <a:xfrm>
+            <a:off x="1783963" y="1303067"/>
+            <a:ext cx="4743450" cy="2266950"/>
+          </a:xfrm>
+          <a:prstGeom prst="rect">
+            <a:avLst/>
+          </a:prstGeom>
+        </p:spPr>
+      </p:pic>
+      <p:pic>
+        <p:nvPicPr>
+          <p:cNvPr id="6" name="Picture 5"/>
+          <p:cNvPicPr>
+            <a:picLocks noChangeAspect="1"/>
+          </p:cNvPicPr>
+          <p:nvPr/>
+        </p:nvPicPr>
+        <p:blipFill>
+          <a:blip r:embed="rId3"/>
+          <a:stretch>
+            <a:fillRect/>
+          </a:stretch>
+        </p:blipFill>
+        <p:spPr>
+          <a:xfrm>
+            <a:off x="1783963" y="4170207"/>
+            <a:ext cx="2714625" cy="2085975"/>
+          </a:xfrm>
+          <a:prstGeom prst="rect">
+            <a:avLst/>
+          </a:prstGeom>
+        </p:spPr>
+      </p:pic>
+      <p:sp>
+        <p:nvSpPr>
+          <p:cNvPr id="7" name="Rectangle 6"/>
+          <p:cNvSpPr/>
+          <p:nvPr/>
+        </p:nvSpPr>
+        <p:spPr>
+          <a:xfrm>
+            <a:off x="215590" y="3685446"/>
+            <a:ext cx="5455340" cy="369332"/>
+          </a:xfrm>
+          <a:prstGeom prst="rect">
+            <a:avLst/>
+          </a:prstGeom>
+        </p:spPr>
+        <p:txBody>
+          <a:bodyPr wrap="none">
+            <a:spAutoFit/>
+          </a:bodyPr>
+          <a:lstStyle/>
+          <a:p>
+            <a:r>
+              <a:rPr lang="en-US" dirty="0"/>
+              <a:t>The </a:t>
+            </a:r>
+            <a:r>
+              <a:rPr lang="en-US" dirty="0" err="1"/>
+              <a:t>Person.mfile</a:t>
+            </a:r>
+            <a:r>
+              <a:rPr lang="en-US" dirty="0"/>
+              <a:t> is implemented for you in this way</a:t>
+            </a:r>
+          </a:p>
+        </p:txBody>
+      </p:sp>
+    </p:spTree>
+    <p:extLst>
+      <p:ext uri="{BB962C8B-B14F-4D97-AF65-F5344CB8AC3E}">
+        <p14:creationId xmlns:p14="http://schemas.microsoft.com/office/powerpoint/2010/main" val="2535857089"/>
+      </p:ext>
+    </p:extLst>
+  </p:cSld>
+  <p:clrMapOvr>
+    <a:masterClrMapping/>
+  </p:clrMapOvr>
+  <p:timing>
+    <p:tnLst>
+      <p:par>
+        <p:cTn id="1" dur="indefinite" restart="never" nodeType="tmRoot"/>
+      </p:par>
+    </p:tnLst>
+  </p:timing>
+</p:sld>
+</file>
+
+<file path=ppt/slides/slide26.xml><?xml version="1.0" encoding="utf-8"?>
+<p:sld xmlns:a="http://schemas.openxmlformats.org/drawingml/2006/main" xmlns:r="http://schemas.openxmlformats.org/officeDocument/2006/relationships" xmlns:p="http://schemas.openxmlformats.org/presentationml/2006/main">
+  <p:cSld>
+    <p:spTree>
+      <p:nvGrpSpPr>
+        <p:cNvPr id="1" name=""/>
+        <p:cNvGrpSpPr/>
+        <p:nvPr/>
+      </p:nvGrpSpPr>
+      <p:grpSpPr>
+        <a:xfrm>
+          <a:off x="0" y="0"/>
+          <a:ext cx="0" cy="0"/>
+          <a:chOff x="0" y="0"/>
+          <a:chExt cx="0" cy="0"/>
+        </a:xfrm>
+      </p:grpSpPr>
+      <p:sp>
+        <p:nvSpPr>
+          <p:cNvPr id="7" name="Rectangle 6"/>
+          <p:cNvSpPr/>
+          <p:nvPr/>
+        </p:nvSpPr>
+        <p:spPr>
+          <a:xfrm>
+            <a:off x="290648" y="175457"/>
+            <a:ext cx="4596130" cy="369332"/>
+          </a:xfrm>
+          <a:prstGeom prst="rect">
+            <a:avLst/>
+          </a:prstGeom>
+        </p:spPr>
+        <p:txBody>
+          <a:bodyPr wrap="none">
+            <a:spAutoFit/>
+          </a:bodyPr>
+          <a:lstStyle/>
+          <a:p>
+            <a:r>
+              <a:rPr lang="ja-JP" altLang="en-US" dirty="0"/>
+              <a:t>Creating and Saving Data Using Core Data</a:t>
+            </a:r>
+          </a:p>
+        </p:txBody>
+      </p:sp>
+      <p:sp>
+        <p:nvSpPr>
+          <p:cNvPr id="8" name="Rectangle 7"/>
+          <p:cNvSpPr/>
+          <p:nvPr/>
+        </p:nvSpPr>
+        <p:spPr>
+          <a:xfrm>
+            <a:off x="167014" y="700124"/>
+            <a:ext cx="6096000" cy="923330"/>
+          </a:xfrm>
+          <a:prstGeom prst="rect">
+            <a:avLst/>
+          </a:prstGeom>
+        </p:spPr>
+        <p:txBody>
+          <a:bodyPr>
+            <a:spAutoFit/>
+          </a:bodyPr>
+          <a:lstStyle/>
+          <a:p>
+            <a:r>
+              <a:rPr lang="ja-JP" altLang="en-US" dirty="0"/>
+              <a:t>You have already created a managed object, and you want to instantiate it and insert</a:t>
+            </a:r>
+          </a:p>
+          <a:p>
+            <a:r>
+              <a:rPr lang="ja-JP" altLang="en-US" dirty="0"/>
+              <a:t>that instance into your app’s Core Data context.</a:t>
+            </a:r>
+          </a:p>
+        </p:txBody>
+      </p:sp>
+      <p:sp>
+        <p:nvSpPr>
+          <p:cNvPr id="9" name="Rectangle 8"/>
+          <p:cNvSpPr/>
+          <p:nvPr/>
+        </p:nvSpPr>
+        <p:spPr>
+          <a:xfrm>
+            <a:off x="4526071" y="1463776"/>
+            <a:ext cx="6096000" cy="5355312"/>
+          </a:xfrm>
+          <a:prstGeom prst="rect">
+            <a:avLst/>
+          </a:prstGeom>
+        </p:spPr>
+        <p:txBody>
+          <a:bodyPr>
+            <a:spAutoFit/>
+          </a:bodyPr>
+          <a:lstStyle/>
+          <a:p>
+            <a:r>
+              <a:rPr lang="ja-JP" altLang="en-US" dirty="0"/>
+              <a:t>Follow the instructions in Recipe 18.1and Recipe 18.2. Now you can use the insertNe</a:t>
+            </a:r>
+          </a:p>
+          <a:p>
+            <a:r>
+              <a:rPr lang="ja-JP" altLang="en-US" dirty="0"/>
+              <a:t>wObjectForEntityForName:inManagedObjectContext:class method of  NSEntityDe</a:t>
+            </a:r>
+          </a:p>
+          <a:p>
+            <a:r>
+              <a:rPr lang="ja-JP" altLang="en-US" dirty="0"/>
+              <a:t>scriptionto create a new object of a type specified by the first parameter of this method.</a:t>
+            </a:r>
+          </a:p>
+          <a:p>
+            <a:r>
+              <a:rPr lang="ja-JP" altLang="en-US" dirty="0"/>
+              <a:t>Once the new entity (the managed object) is created, you can modify it by changing its</a:t>
+            </a:r>
+          </a:p>
+          <a:p>
+            <a:r>
+              <a:rPr lang="ja-JP" altLang="en-US" dirty="0"/>
+              <a:t>properties. After you are done, save your managed object context using the  save:</a:t>
+            </a:r>
+          </a:p>
+          <a:p>
+            <a:r>
+              <a:rPr lang="ja-JP" altLang="en-US" dirty="0"/>
+              <a:t>instance method of the managed object context.</a:t>
+            </a:r>
+          </a:p>
+          <a:p>
+            <a:r>
+              <a:rPr lang="ja-JP" altLang="en-US" dirty="0"/>
+              <a:t>I’ll assume that you have created a universal application in Xcode with the name  Creating</a:t>
+            </a:r>
+          </a:p>
+          <a:p>
+            <a:r>
+              <a:rPr lang="ja-JP" altLang="en-US" dirty="0"/>
+              <a:t>and Saving Data Using Core Data; now, follow these steps to insert a new managed</a:t>
+            </a:r>
+          </a:p>
+          <a:p>
+            <a:r>
+              <a:rPr lang="ja-JP" altLang="en-US" dirty="0"/>
+              <a:t>object into the context:</a:t>
+            </a:r>
+          </a:p>
+          <a:p>
+            <a:r>
+              <a:rPr lang="ja-JP" altLang="en-US" dirty="0"/>
+              <a:t>1. Find the implementation file of your app delegate.</a:t>
+            </a:r>
+          </a:p>
+          <a:p>
+            <a:r>
+              <a:rPr lang="ja-JP" altLang="en-US" dirty="0"/>
+              <a:t>2. Import the Person.hfile into the app delegate’s implementation file:</a:t>
+            </a:r>
+          </a:p>
+        </p:txBody>
+      </p:sp>
+    </p:spTree>
+    <p:extLst>
+      <p:ext uri="{BB962C8B-B14F-4D97-AF65-F5344CB8AC3E}">
+        <p14:creationId xmlns:p14="http://schemas.microsoft.com/office/powerpoint/2010/main" val="1056390029"/>
+      </p:ext>
+    </p:extLst>
+  </p:cSld>
+  <p:clrMapOvr>
+    <a:masterClrMapping/>
+  </p:clrMapOvr>
+</p:sld>
+</file>
+
+<file path=ppt/slides/slide27.xml><?xml version="1.0" encoding="utf-8"?>
+<p:sld xmlns:a="http://schemas.openxmlformats.org/drawingml/2006/main" xmlns:r="http://schemas.openxmlformats.org/officeDocument/2006/relationships" xmlns:p="http://schemas.openxmlformats.org/presentationml/2006/main">
+  <p:cSld>
+    <p:spTree>
+      <p:nvGrpSpPr>
+        <p:cNvPr id="1" name=""/>
+        <p:cNvGrpSpPr/>
+        <p:nvPr/>
+      </p:nvGrpSpPr>
+      <p:grpSpPr>
+        <a:xfrm>
+          <a:off x="0" y="0"/>
+          <a:ext cx="0" cy="0"/>
+          <a:chOff x="0" y="0"/>
+          <a:chExt cx="0" cy="0"/>
+        </a:xfrm>
+      </p:grpSpPr>
+      <p:pic>
+        <p:nvPicPr>
+          <p:cNvPr id="4" name="Picture 3"/>
+          <p:cNvPicPr>
+            <a:picLocks noChangeAspect="1"/>
+          </p:cNvPicPr>
+          <p:nvPr/>
+        </p:nvPicPr>
+        <p:blipFill>
+          <a:blip r:embed="rId2"/>
+          <a:stretch>
+            <a:fillRect/>
+          </a:stretch>
+        </p:blipFill>
+        <p:spPr>
+          <a:xfrm>
+            <a:off x="993601" y="670925"/>
+            <a:ext cx="6935374" cy="1838292"/>
+          </a:xfrm>
+          <a:prstGeom prst="rect">
+            <a:avLst/>
+          </a:prstGeom>
+        </p:spPr>
+      </p:pic>
+      <p:sp>
+        <p:nvSpPr>
+          <p:cNvPr id="5" name="Rectangle 4"/>
+          <p:cNvSpPr/>
+          <p:nvPr/>
+        </p:nvSpPr>
+        <p:spPr>
+          <a:xfrm>
+            <a:off x="993601" y="2817022"/>
+            <a:ext cx="6096000" cy="923330"/>
+          </a:xfrm>
+          <a:prstGeom prst="rect">
+            <a:avLst/>
+          </a:prstGeom>
+        </p:spPr>
+        <p:txBody>
+          <a:bodyPr>
+            <a:spAutoFit/>
+          </a:bodyPr>
+          <a:lstStyle/>
+          <a:p>
+            <a:r>
+              <a:rPr lang="ja-JP" altLang="en-US" dirty="0"/>
+              <a:t>In the  application:didFinishLaunchingWithOptions:method of your shared</a:t>
+            </a:r>
+          </a:p>
+          <a:p>
+            <a:r>
+              <a:rPr lang="ja-JP" altLang="en-US" dirty="0"/>
+              <a:t>application delegate, write this code</a:t>
+            </a:r>
+          </a:p>
+        </p:txBody>
+      </p:sp>
+      <p:pic>
+        <p:nvPicPr>
+          <p:cNvPr id="6" name="Picture 5"/>
+          <p:cNvPicPr>
+            <a:picLocks noChangeAspect="1"/>
+          </p:cNvPicPr>
+          <p:nvPr/>
+        </p:nvPicPr>
+        <p:blipFill>
+          <a:blip r:embed="rId3"/>
+          <a:stretch>
+            <a:fillRect/>
+          </a:stretch>
+        </p:blipFill>
+        <p:spPr>
+          <a:xfrm>
+            <a:off x="1086046" y="3805269"/>
+            <a:ext cx="6495332" cy="666523"/>
+          </a:xfrm>
+          <a:prstGeom prst="rect">
+            <a:avLst/>
+          </a:prstGeom>
+        </p:spPr>
+      </p:pic>
+    </p:spTree>
+    <p:extLst>
+      <p:ext uri="{BB962C8B-B14F-4D97-AF65-F5344CB8AC3E}">
+        <p14:creationId xmlns:p14="http://schemas.microsoft.com/office/powerpoint/2010/main" val="1382721867"/>
+      </p:ext>
+    </p:extLst>
+  </p:cSld>
+  <p:clrMapOvr>
+    <a:masterClrMapping/>
+  </p:clrMapOvr>
+</p:sld>
+</file>
+
+<file path=ppt/slides/slide28.xml><?xml version="1.0" encoding="utf-8"?>
+<p:sld xmlns:a="http://schemas.openxmlformats.org/drawingml/2006/main" xmlns:r="http://schemas.openxmlformats.org/officeDocument/2006/relationships" xmlns:p="http://schemas.openxmlformats.org/presentationml/2006/main">
+  <p:cSld>
+    <p:spTree>
+      <p:nvGrpSpPr>
+        <p:cNvPr id="1" name=""/>
+        <p:cNvGrpSpPr/>
+        <p:nvPr/>
+      </p:nvGrpSpPr>
+      <p:grpSpPr>
+        <a:xfrm>
+          <a:off x="0" y="0"/>
+          <a:ext cx="0" cy="0"/>
+          <a:chOff x="0" y="0"/>
+          <a:chExt cx="0" cy="0"/>
+        </a:xfrm>
+      </p:grpSpPr>
+      <p:pic>
+        <p:nvPicPr>
+          <p:cNvPr id="4" name="Picture 3"/>
+          <p:cNvPicPr>
+            <a:picLocks noChangeAspect="1"/>
+          </p:cNvPicPr>
+          <p:nvPr/>
+        </p:nvPicPr>
+        <p:blipFill>
+          <a:blip r:embed="rId2"/>
+          <a:stretch>
+            <a:fillRect/>
+          </a:stretch>
+        </p:blipFill>
+        <p:spPr>
+          <a:xfrm>
+            <a:off x="2619702" y="182868"/>
+            <a:ext cx="6161044" cy="5289541"/>
+          </a:xfrm>
+          <a:prstGeom prst="rect">
+            <a:avLst/>
+          </a:prstGeom>
+        </p:spPr>
+      </p:pic>
+    </p:spTree>
+    <p:extLst>
+      <p:ext uri="{BB962C8B-B14F-4D97-AF65-F5344CB8AC3E}">
+        <p14:creationId xmlns:p14="http://schemas.microsoft.com/office/powerpoint/2010/main" val="3908364451"/>
+      </p:ext>
+    </p:extLst>
+  </p:cSld>
+  <p:clrMapOvr>
+    <a:masterClrMapping/>
+  </p:clrMapOvr>
+</p:sld>
+</file>
+
+<file path=ppt/slides/slide29.xml><?xml version="1.0" encoding="utf-8"?>
+<p:sld xmlns:a="http://schemas.openxmlformats.org/drawingml/2006/main" xmlns:r="http://schemas.openxmlformats.org/officeDocument/2006/relationships" xmlns:p="http://schemas.openxmlformats.org/presentationml/2006/main">
+  <p:cSld>
+    <p:spTree>
+      <p:nvGrpSpPr>
+        <p:cNvPr id="1" name=""/>
+        <p:cNvGrpSpPr/>
+        <p:nvPr/>
+      </p:nvGrpSpPr>
+      <p:grpSpPr>
+        <a:xfrm>
+          <a:off x="0" y="0"/>
+          <a:ext cx="0" cy="0"/>
+          <a:chOff x="0" y="0"/>
+          <a:chExt cx="0" cy="0"/>
+        </a:xfrm>
+      </p:grpSpPr>
+      <p:sp>
+        <p:nvSpPr>
+          <p:cNvPr id="4" name="Rectangle 3"/>
+          <p:cNvSpPr/>
+          <p:nvPr/>
+        </p:nvSpPr>
+        <p:spPr>
+          <a:xfrm>
+            <a:off x="143602" y="125353"/>
+            <a:ext cx="3236784" cy="369332"/>
+          </a:xfrm>
+          <a:prstGeom prst="rect">
+            <a:avLst/>
+          </a:prstGeom>
+        </p:spPr>
+        <p:txBody>
+          <a:bodyPr wrap="none">
+            <a:spAutoFit/>
+          </a:bodyPr>
+          <a:lstStyle/>
+          <a:p>
+            <a:r>
+              <a:rPr lang="ja-JP" altLang="en-US" dirty="0"/>
+              <a:t>Reading Data from Core Data</a:t>
+            </a:r>
+          </a:p>
+        </p:txBody>
+      </p:sp>
+      <p:sp>
+        <p:nvSpPr>
+          <p:cNvPr id="5" name="Rectangle 4"/>
+          <p:cNvSpPr/>
+          <p:nvPr/>
+        </p:nvSpPr>
+        <p:spPr>
+          <a:xfrm>
+            <a:off x="143602" y="638207"/>
+            <a:ext cx="6096000" cy="646331"/>
+          </a:xfrm>
+          <a:prstGeom prst="rect">
+            <a:avLst/>
+          </a:prstGeom>
+        </p:spPr>
+        <p:txBody>
+          <a:bodyPr>
+            <a:spAutoFit/>
+          </a:bodyPr>
+          <a:lstStyle/>
+          <a:p>
+            <a:r>
+              <a:rPr lang="ja-JP" altLang="en-US" dirty="0"/>
+              <a:t>You want to be able to read the contents of your entities (tables) using Core Data</a:t>
+            </a:r>
+          </a:p>
+        </p:txBody>
+      </p:sp>
+      <p:sp>
+        <p:nvSpPr>
+          <p:cNvPr id="6" name="Rectangle 5"/>
+          <p:cNvSpPr/>
+          <p:nvPr/>
+        </p:nvSpPr>
+        <p:spPr>
+          <a:xfrm>
+            <a:off x="143602" y="1540794"/>
+            <a:ext cx="3916457" cy="369332"/>
+          </a:xfrm>
+          <a:prstGeom prst="rect">
+            <a:avLst/>
+          </a:prstGeom>
+        </p:spPr>
+        <p:txBody>
+          <a:bodyPr wrap="none">
+            <a:spAutoFit/>
+          </a:bodyPr>
+          <a:lstStyle/>
+          <a:p>
+            <a:r>
+              <a:rPr lang="ja-JP" altLang="en-US" dirty="0"/>
+              <a:t>Use an instance of NSFetchRequest</a:t>
+            </a:r>
+          </a:p>
+        </p:txBody>
+      </p:sp>
+      <p:pic>
+        <p:nvPicPr>
+          <p:cNvPr id="7" name="Picture 6"/>
+          <p:cNvPicPr>
+            <a:picLocks noChangeAspect="1"/>
+          </p:cNvPicPr>
+          <p:nvPr/>
+        </p:nvPicPr>
+        <p:blipFill>
+          <a:blip r:embed="rId2"/>
+          <a:stretch>
+            <a:fillRect/>
+          </a:stretch>
+        </p:blipFill>
+        <p:spPr>
+          <a:xfrm>
+            <a:off x="4060059" y="1108460"/>
+            <a:ext cx="6850111" cy="5953206"/>
+          </a:xfrm>
+          <a:prstGeom prst="rect">
+            <a:avLst/>
+          </a:prstGeom>
+        </p:spPr>
+      </p:pic>
+    </p:spTree>
+    <p:extLst>
+      <p:ext uri="{BB962C8B-B14F-4D97-AF65-F5344CB8AC3E}">
+        <p14:creationId xmlns:p14="http://schemas.microsoft.com/office/powerpoint/2010/main" val="4148988648"/>
+      </p:ext>
+    </p:extLst>
+  </p:cSld>
+  <p:clrMapOvr>
+    <a:masterClrMapping/>
+  </p:clrMapOvr>
+</p:sld>
+</file>
+
 <file path=ppt/slides/slide3.xml><?xml version="1.0" encoding="utf-8"?>
 <p:sld xmlns:a="http://schemas.openxmlformats.org/drawingml/2006/main" xmlns:r="http://schemas.openxmlformats.org/officeDocument/2006/relationships" xmlns:p="http://schemas.openxmlformats.org/presentationml/2006/main">
   <p:cSld>
@@ -3442,6 +5573,142 @@
       </p:par>
     </p:tnLst>
   </p:timing>
+</p:sld>
+</file>
+
+<file path=ppt/slides/slide30.xml><?xml version="1.0" encoding="utf-8"?>
+<p:sld xmlns:a="http://schemas.openxmlformats.org/drawingml/2006/main" xmlns:r="http://schemas.openxmlformats.org/officeDocument/2006/relationships" xmlns:p="http://schemas.openxmlformats.org/presentationml/2006/main">
+  <p:cSld>
+    <p:spTree>
+      <p:nvGrpSpPr>
+        <p:cNvPr id="1" name=""/>
+        <p:cNvGrpSpPr/>
+        <p:nvPr/>
+      </p:nvGrpSpPr>
+      <p:grpSpPr>
+        <a:xfrm>
+          <a:off x="0" y="0"/>
+          <a:ext cx="0" cy="0"/>
+          <a:chOff x="0" y="0"/>
+          <a:chExt cx="0" cy="0"/>
+        </a:xfrm>
+      </p:grpSpPr>
+      <p:pic>
+        <p:nvPicPr>
+          <p:cNvPr id="5" name="Picture 4"/>
+          <p:cNvPicPr>
+            <a:picLocks noChangeAspect="1"/>
+          </p:cNvPicPr>
+          <p:nvPr/>
+        </p:nvPicPr>
+        <p:blipFill>
+          <a:blip r:embed="rId2"/>
+          <a:stretch>
+            <a:fillRect/>
+          </a:stretch>
+        </p:blipFill>
+        <p:spPr>
+          <a:xfrm>
+            <a:off x="2200209" y="407813"/>
+            <a:ext cx="6893687" cy="5527371"/>
+          </a:xfrm>
+          <a:prstGeom prst="rect">
+            <a:avLst/>
+          </a:prstGeom>
+        </p:spPr>
+      </p:pic>
+    </p:spTree>
+    <p:extLst>
+      <p:ext uri="{BB962C8B-B14F-4D97-AF65-F5344CB8AC3E}">
+        <p14:creationId xmlns:p14="http://schemas.microsoft.com/office/powerpoint/2010/main" val="45219607"/>
+      </p:ext>
+    </p:extLst>
+  </p:cSld>
+  <p:clrMapOvr>
+    <a:masterClrMapping/>
+  </p:clrMapOvr>
+</p:sld>
+</file>
+
+<file path=ppt/slides/slide31.xml><?xml version="1.0" encoding="utf-8"?>
+<p:sld xmlns:a="http://schemas.openxmlformats.org/drawingml/2006/main" xmlns:r="http://schemas.openxmlformats.org/officeDocument/2006/relationships" xmlns:p="http://schemas.openxmlformats.org/presentationml/2006/main">
+  <p:cSld>
+    <p:spTree>
+      <p:nvGrpSpPr>
+        <p:cNvPr id="1" name=""/>
+        <p:cNvGrpSpPr/>
+        <p:nvPr/>
+      </p:nvGrpSpPr>
+      <p:grpSpPr>
+        <a:xfrm>
+          <a:off x="0" y="0"/>
+          <a:ext cx="0" cy="0"/>
+          <a:chOff x="0" y="0"/>
+          <a:chExt cx="0" cy="0"/>
+        </a:xfrm>
+      </p:grpSpPr>
+      <p:sp>
+        <p:nvSpPr>
+          <p:cNvPr id="4" name="Rectangle 3"/>
+          <p:cNvSpPr/>
+          <p:nvPr/>
+        </p:nvSpPr>
+        <p:spPr>
+          <a:xfrm>
+            <a:off x="0" y="87775"/>
+            <a:ext cx="3223959" cy="369332"/>
+          </a:xfrm>
+          <a:prstGeom prst="rect">
+            <a:avLst/>
+          </a:prstGeom>
+        </p:spPr>
+        <p:txBody>
+          <a:bodyPr wrap="none">
+            <a:spAutoFit/>
+          </a:bodyPr>
+          <a:lstStyle/>
+          <a:p>
+            <a:r>
+              <a:rPr lang="ja-JP" altLang="en-US" dirty="0"/>
+              <a:t>Deleting Data from Core Data</a:t>
+            </a:r>
+          </a:p>
+        </p:txBody>
+      </p:sp>
+      <p:pic>
+        <p:nvPicPr>
+          <p:cNvPr id="5" name="Picture 4"/>
+          <p:cNvPicPr>
+            <a:picLocks noChangeAspect="1"/>
+          </p:cNvPicPr>
+          <p:nvPr/>
+        </p:nvPicPr>
+        <p:blipFill>
+          <a:blip r:embed="rId2"/>
+          <a:stretch>
+            <a:fillRect/>
+          </a:stretch>
+        </p:blipFill>
+        <p:spPr>
+          <a:xfrm>
+            <a:off x="3512637" y="87775"/>
+            <a:ext cx="6032195" cy="6473575"/>
+          </a:xfrm>
+          <a:prstGeom prst="rect">
+            <a:avLst/>
+          </a:prstGeom>
+        </p:spPr>
+      </p:pic>
+    </p:spTree>
+    <p:extLst>
+      <p:ext uri="{BB962C8B-B14F-4D97-AF65-F5344CB8AC3E}">
+        <p14:creationId xmlns:p14="http://schemas.microsoft.com/office/powerpoint/2010/main" val="3431606696"/>
+      </p:ext>
+    </p:extLst>
+  </p:cSld>
+  <p:clrMapOvr>
+    <a:masterClrMapping/>
+  </p:clrMapOvr>
 </p:sld>
 </file>
 
@@ -3595,13 +5862,6 @@
               </a:rPr>
               <a:t> apps. Most apps, in some ways, make use of Table View to display list of data. The best example is the built-in Phone app. </a:t>
             </a:r>
-            <a:endParaRPr lang="en-US" sz="3200" dirty="0">
-              <a:solidFill>
-                <a:srgbClr val="FFC000"/>
-              </a:solidFill>
-              <a:latin typeface="Calibri" panose="020F0502020204030204" pitchFamily="34" charset="0"/>
-              <a:cs typeface="Calibri" panose="020F0502020204030204" pitchFamily="34" charset="0"/>
-            </a:endParaRPr>
           </a:p>
           <a:p>
             <a:pPr marL="457200" indent="-457200">
@@ -3629,25 +5889,8 @@
                 <a:latin typeface="Calibri" panose="020F0502020204030204" pitchFamily="34" charset="0"/>
                 <a:cs typeface="Calibri" panose="020F0502020204030204" pitchFamily="34" charset="0"/>
               </a:rPr>
-              <a:t>Your </a:t>
-            </a:r>
-            <a:r>
-              <a:rPr lang="en-US" sz="3200" dirty="0">
-                <a:solidFill>
-                  <a:srgbClr val="7030A0"/>
-                </a:solidFill>
-                <a:latin typeface="Calibri" panose="020F0502020204030204" pitchFamily="34" charset="0"/>
-                <a:cs typeface="Calibri" panose="020F0502020204030204" pitchFamily="34" charset="0"/>
-              </a:rPr>
-              <a:t>contacts are displayed in a Table View. Another example is the Mail app. It uses Table View to display your mail boxes and emails. </a:t>
-            </a:r>
-            <a:endParaRPr lang="en-US" sz="3200" dirty="0">
-              <a:solidFill>
-                <a:srgbClr val="7030A0"/>
-              </a:solidFill>
-              <a:latin typeface="Calibri" panose="020F0502020204030204" pitchFamily="34" charset="0"/>
-              <a:cs typeface="Calibri" panose="020F0502020204030204" pitchFamily="34" charset="0"/>
-            </a:endParaRPr>
+              <a:t>Your contacts are displayed in a Table View. Another example is the Mail app. It uses Table View to display your mail boxes and emails. </a:t>
+            </a:r>
           </a:p>
           <a:p>
             <a:pPr marL="457200" indent="-457200">
@@ -3675,17 +5918,7 @@
                 <a:latin typeface="Calibri" panose="020F0502020204030204" pitchFamily="34" charset="0"/>
                 <a:cs typeface="Calibri" panose="020F0502020204030204" pitchFamily="34" charset="0"/>
               </a:rPr>
-              <a:t>Not </a:t>
-            </a:r>
-            <a:r>
-              <a:rPr lang="en-US" sz="3200" dirty="0">
-                <a:solidFill>
-                  <a:srgbClr val="00B050"/>
-                </a:solidFill>
-                <a:latin typeface="Calibri" panose="020F0502020204030204" pitchFamily="34" charset="0"/>
-                <a:cs typeface="Calibri" panose="020F0502020204030204" pitchFamily="34" charset="0"/>
-              </a:rPr>
-              <a:t>only designed for showing textual data, Table View allows you to present the data in the form of images. The built-in Video and YouTube app are great examples for the usage.</a:t>
+              <a:t>Not only designed for showing textual data, Table View allows you to present the data in the form of images. The built-in Video and YouTube app are great examples for the usage.</a:t>
             </a:r>
           </a:p>
         </p:txBody>
@@ -3694,6 +5927,696 @@
     <p:extLst>
       <p:ext uri="{BB962C8B-B14F-4D97-AF65-F5344CB8AC3E}">
         <p14:creationId xmlns:p14="http://schemas.microsoft.com/office/powerpoint/2010/main" val="3000715351"/>
+      </p:ext>
+    </p:extLst>
+  </p:cSld>
+  <p:clrMapOvr>
+    <a:masterClrMapping/>
+  </p:clrMapOvr>
+  <p:timing>
+    <p:tnLst>
+      <p:par>
+        <p:cTn id="1" dur="indefinite" restart="never" nodeType="tmRoot"/>
+      </p:par>
+    </p:tnLst>
+  </p:timing>
+</p:sld>
+</file>
+
+<file path=ppt/slides/slide6.xml><?xml version="1.0" encoding="utf-8"?>
+<p:sld xmlns:a="http://schemas.openxmlformats.org/drawingml/2006/main" xmlns:r="http://schemas.openxmlformats.org/officeDocument/2006/relationships" xmlns:p="http://schemas.openxmlformats.org/presentationml/2006/main">
+  <p:cSld>
+    <p:spTree>
+      <p:nvGrpSpPr>
+        <p:cNvPr id="1" name=""/>
+        <p:cNvGrpSpPr/>
+        <p:nvPr/>
+      </p:nvGrpSpPr>
+      <p:grpSpPr>
+        <a:xfrm>
+          <a:off x="0" y="0"/>
+          <a:ext cx="0" cy="0"/>
+          <a:chOff x="0" y="0"/>
+          <a:chExt cx="0" cy="0"/>
+        </a:xfrm>
+      </p:grpSpPr>
+      <p:sp>
+        <p:nvSpPr>
+          <p:cNvPr id="4" name="Rectangle 3"/>
+          <p:cNvSpPr/>
+          <p:nvPr/>
+        </p:nvSpPr>
+        <p:spPr>
+          <a:xfrm>
+            <a:off x="4495127" y="2796927"/>
+            <a:ext cx="3330528" cy="1015663"/>
+          </a:xfrm>
+          <a:prstGeom prst="rect">
+            <a:avLst/>
+          </a:prstGeom>
+          <a:noFill/>
+        </p:spPr>
+        <p:txBody>
+          <a:bodyPr wrap="none" lIns="91440" tIns="45720" rIns="91440" bIns="45720">
+            <a:spAutoFit/>
+          </a:bodyPr>
+          <a:lstStyle/>
+          <a:p>
+            <a:pPr algn="ctr"/>
+            <a:r>
+              <a:rPr lang="en-US" sz="6000" b="1" dirty="0" smtClean="0">
+                <a:ln w="13462">
+                  <a:solidFill>
+                    <a:prstClr val="white"/>
+                  </a:solidFill>
+                  <a:prstDash val="solid"/>
+                </a:ln>
+                <a:solidFill>
+                  <a:prstClr val="black">
+                    <a:lumMod val="85000"/>
+                    <a:lumOff val="15000"/>
+                  </a:prstClr>
+                </a:solidFill>
+                <a:effectLst>
+                  <a:outerShdw dist="38100" dir="2700000" algn="bl" rotWithShape="0">
+                    <a:srgbClr val="4BACC6"/>
+                  </a:outerShdw>
+                </a:effectLst>
+                <a:latin typeface="Calibri"/>
+              </a:rPr>
+              <a:t>Core Data</a:t>
+            </a:r>
+            <a:endParaRPr lang="en-US" sz="6000" b="1" dirty="0">
+              <a:ln w="13462">
+                <a:solidFill>
+                  <a:prstClr val="white"/>
+                </a:solidFill>
+                <a:prstDash val="solid"/>
+              </a:ln>
+              <a:solidFill>
+                <a:prstClr val="black">
+                  <a:lumMod val="85000"/>
+                  <a:lumOff val="15000"/>
+                </a:prstClr>
+              </a:solidFill>
+              <a:effectLst>
+                <a:outerShdw dist="38100" dir="2700000" algn="bl" rotWithShape="0">
+                  <a:srgbClr val="4BACC6"/>
+                </a:outerShdw>
+              </a:effectLst>
+            </a:endParaRPr>
+          </a:p>
+        </p:txBody>
+      </p:sp>
+    </p:spTree>
+    <p:extLst>
+      <p:ext uri="{BB962C8B-B14F-4D97-AF65-F5344CB8AC3E}">
+        <p14:creationId xmlns:p14="http://schemas.microsoft.com/office/powerpoint/2010/main" val="3538959313"/>
+      </p:ext>
+    </p:extLst>
+  </p:cSld>
+  <p:clrMapOvr>
+    <a:masterClrMapping/>
+  </p:clrMapOvr>
+  <p:timing>
+    <p:tnLst>
+      <p:par>
+        <p:cTn id="1" dur="indefinite" restart="never" nodeType="tmRoot"/>
+      </p:par>
+    </p:tnLst>
+  </p:timing>
+</p:sld>
+</file>
+
+<file path=ppt/slides/slide7.xml><?xml version="1.0" encoding="utf-8"?>
+<p:sld xmlns:a="http://schemas.openxmlformats.org/drawingml/2006/main" xmlns:r="http://schemas.openxmlformats.org/officeDocument/2006/relationships" xmlns:p="http://schemas.openxmlformats.org/presentationml/2006/main">
+  <p:cSld>
+    <p:spTree>
+      <p:nvGrpSpPr>
+        <p:cNvPr id="1" name=""/>
+        <p:cNvGrpSpPr/>
+        <p:nvPr/>
+      </p:nvGrpSpPr>
+      <p:grpSpPr>
+        <a:xfrm>
+          <a:off x="0" y="0"/>
+          <a:ext cx="0" cy="0"/>
+          <a:chOff x="0" y="0"/>
+          <a:chExt cx="0" cy="0"/>
+        </a:xfrm>
+      </p:grpSpPr>
+      <p:sp>
+        <p:nvSpPr>
+          <p:cNvPr id="11" name="Rectangle 10"/>
+          <p:cNvSpPr/>
+          <p:nvPr/>
+        </p:nvSpPr>
+        <p:spPr>
+          <a:xfrm>
+            <a:off x="360555" y="229480"/>
+            <a:ext cx="11392829" cy="1631216"/>
+          </a:xfrm>
+          <a:prstGeom prst="rect">
+            <a:avLst/>
+          </a:prstGeom>
+        </p:spPr>
+        <p:txBody>
+          <a:bodyPr wrap="square">
+            <a:spAutoFit/>
+          </a:bodyPr>
+          <a:lstStyle/>
+          <a:p>
+            <a:r>
+              <a:rPr lang="en-US" sz="2000" dirty="0"/>
+              <a:t>Core Data interacts with a persistent store at a lower level that is not visible to the</a:t>
+            </a:r>
+          </a:p>
+          <a:p>
+            <a:r>
+              <a:rPr lang="en-US" sz="2000" dirty="0"/>
+              <a:t>programmer. </a:t>
+            </a:r>
+            <a:r>
+              <a:rPr lang="en-US" sz="2000" dirty="0" err="1"/>
+              <a:t>iOS</a:t>
+            </a:r>
+            <a:r>
+              <a:rPr lang="en-US" sz="2000" dirty="0"/>
+              <a:t> decides how the low-level data management is implemented. All the</a:t>
+            </a:r>
+          </a:p>
+          <a:p>
+            <a:r>
+              <a:rPr lang="en-US" sz="2000" dirty="0"/>
+              <a:t>programmer must know is the high-level API she is provided with. But understanding</a:t>
+            </a:r>
+          </a:p>
+          <a:p>
+            <a:r>
+              <a:rPr lang="en-US" sz="2000" dirty="0"/>
+              <a:t>the structure of Core Data and how it works internally is very important. Let’s create a</a:t>
+            </a:r>
+          </a:p>
+          <a:p>
+            <a:r>
+              <a:rPr lang="en-US" sz="2000" dirty="0"/>
+              <a:t>Core Data application to understand this</a:t>
+            </a:r>
+          </a:p>
+        </p:txBody>
+      </p:sp>
+      <p:sp>
+        <p:nvSpPr>
+          <p:cNvPr id="13" name="Rectangle 12"/>
+          <p:cNvSpPr/>
+          <p:nvPr/>
+        </p:nvSpPr>
+        <p:spPr>
+          <a:xfrm>
+            <a:off x="360554" y="2371636"/>
+            <a:ext cx="9865113" cy="923330"/>
+          </a:xfrm>
+          <a:prstGeom prst="rect">
+            <a:avLst/>
+          </a:prstGeom>
+        </p:spPr>
+        <p:txBody>
+          <a:bodyPr wrap="square">
+            <a:spAutoFit/>
+          </a:bodyPr>
+          <a:lstStyle/>
+          <a:p>
+            <a:r>
+              <a:rPr lang="en-US" dirty="0"/>
+              <a:t>Persistent store</a:t>
+            </a:r>
+          </a:p>
+          <a:p>
+            <a:r>
+              <a:rPr lang="en-US" dirty="0"/>
+              <a:t>The object that represents the actual data base on disk. We never use this object</a:t>
+            </a:r>
+          </a:p>
+          <a:p>
+            <a:r>
+              <a:rPr lang="en-US" dirty="0"/>
+              <a:t>directly.</a:t>
+            </a:r>
+          </a:p>
+        </p:txBody>
+      </p:sp>
+      <p:sp>
+        <p:nvSpPr>
+          <p:cNvPr id="14" name="Rectangle 13"/>
+          <p:cNvSpPr/>
+          <p:nvPr/>
+        </p:nvSpPr>
+        <p:spPr>
+          <a:xfrm>
+            <a:off x="360553" y="3521993"/>
+            <a:ext cx="11080597" cy="1200329"/>
+          </a:xfrm>
+          <a:prstGeom prst="rect">
+            <a:avLst/>
+          </a:prstGeom>
+        </p:spPr>
+        <p:txBody>
+          <a:bodyPr wrap="square">
+            <a:spAutoFit/>
+          </a:bodyPr>
+          <a:lstStyle/>
+          <a:p>
+            <a:r>
+              <a:rPr lang="en-US" dirty="0"/>
+              <a:t>Persistent store coordinator</a:t>
+            </a:r>
+          </a:p>
+          <a:p>
+            <a:r>
+              <a:rPr lang="en-US" dirty="0"/>
+              <a:t>The object that coordinates reading and writing of information from and to the</a:t>
+            </a:r>
+          </a:p>
+          <a:p>
+            <a:r>
+              <a:rPr lang="en-US" dirty="0"/>
+              <a:t>persistent store. The coordinator is the bridge between the managed object context</a:t>
+            </a:r>
+          </a:p>
+          <a:p>
+            <a:r>
+              <a:rPr lang="en-US" dirty="0"/>
+              <a:t>and the persistent store.</a:t>
+            </a:r>
+          </a:p>
+        </p:txBody>
+      </p:sp>
+      <p:sp>
+        <p:nvSpPr>
+          <p:cNvPr id="15" name="Rectangle 14"/>
+          <p:cNvSpPr/>
+          <p:nvPr/>
+        </p:nvSpPr>
+        <p:spPr>
+          <a:xfrm>
+            <a:off x="360553" y="5081382"/>
+            <a:ext cx="6096000" cy="1200329"/>
+          </a:xfrm>
+          <a:prstGeom prst="rect">
+            <a:avLst/>
+          </a:prstGeom>
+        </p:spPr>
+        <p:txBody>
+          <a:bodyPr>
+            <a:spAutoFit/>
+          </a:bodyPr>
+          <a:lstStyle/>
+          <a:p>
+            <a:r>
+              <a:rPr lang="en-US" dirty="0"/>
+              <a:t>Managed object model (MOM)</a:t>
+            </a:r>
+          </a:p>
+          <a:p>
+            <a:r>
+              <a:rPr lang="en-US" dirty="0"/>
+              <a:t>This is a simple file on disk that will represent our data model. Think about it as</a:t>
+            </a:r>
+          </a:p>
+          <a:p>
+            <a:r>
+              <a:rPr lang="en-US" dirty="0"/>
+              <a:t>your database schema.</a:t>
+            </a:r>
+          </a:p>
+        </p:txBody>
+      </p:sp>
+    </p:spTree>
+    <p:extLst>
+      <p:ext uri="{BB962C8B-B14F-4D97-AF65-F5344CB8AC3E}">
+        <p14:creationId xmlns:p14="http://schemas.microsoft.com/office/powerpoint/2010/main" val="2549546076"/>
+      </p:ext>
+    </p:extLst>
+  </p:cSld>
+  <p:clrMapOvr>
+    <a:masterClrMapping/>
+  </p:clrMapOvr>
+  <p:timing>
+    <p:tnLst>
+      <p:par>
+        <p:cTn id="1" dur="indefinite" restart="never" nodeType="tmRoot"/>
+      </p:par>
+    </p:tnLst>
+  </p:timing>
+</p:sld>
+</file>
+
+<file path=ppt/slides/slide8.xml><?xml version="1.0" encoding="utf-8"?>
+<p:sld xmlns:a="http://schemas.openxmlformats.org/drawingml/2006/main" xmlns:r="http://schemas.openxmlformats.org/officeDocument/2006/relationships" xmlns:p="http://schemas.openxmlformats.org/presentationml/2006/main">
+  <p:cSld>
+    <p:spTree>
+      <p:nvGrpSpPr>
+        <p:cNvPr id="1" name=""/>
+        <p:cNvGrpSpPr/>
+        <p:nvPr/>
+      </p:nvGrpSpPr>
+      <p:grpSpPr>
+        <a:xfrm>
+          <a:off x="0" y="0"/>
+          <a:ext cx="0" cy="0"/>
+          <a:chOff x="0" y="0"/>
+          <a:chExt cx="0" cy="0"/>
+        </a:xfrm>
+      </p:grpSpPr>
+      <p:sp>
+        <p:nvSpPr>
+          <p:cNvPr id="4" name="Rectangle 3"/>
+          <p:cNvSpPr/>
+          <p:nvPr/>
+        </p:nvSpPr>
+        <p:spPr>
+          <a:xfrm>
+            <a:off x="148682" y="97447"/>
+            <a:ext cx="11705063" cy="1754326"/>
+          </a:xfrm>
+          <a:prstGeom prst="rect">
+            <a:avLst/>
+          </a:prstGeom>
+        </p:spPr>
+        <p:txBody>
+          <a:bodyPr wrap="square">
+            <a:spAutoFit/>
+          </a:bodyPr>
+          <a:lstStyle/>
+          <a:p>
+            <a:pPr lvl="1"/>
+            <a:r>
+              <a:rPr lang="en-US" dirty="0"/>
+              <a:t>Managed object</a:t>
+            </a:r>
+          </a:p>
+          <a:p>
+            <a:pPr lvl="1"/>
+            <a:r>
+              <a:rPr lang="en-US" dirty="0"/>
+              <a:t>This class represents an entity that we want to store in Core Data. Traditional da‐</a:t>
+            </a:r>
+          </a:p>
+          <a:p>
+            <a:pPr lvl="1"/>
+            <a:r>
+              <a:rPr lang="en-US" dirty="0" err="1"/>
+              <a:t>tabase</a:t>
+            </a:r>
+            <a:r>
+              <a:rPr lang="en-US" dirty="0"/>
+              <a:t> programmers would know such entities as  tables. A managed object is of</a:t>
+            </a:r>
+          </a:p>
+          <a:p>
+            <a:pPr lvl="1"/>
+            <a:r>
+              <a:rPr lang="en-US" dirty="0"/>
+              <a:t>type  </a:t>
+            </a:r>
+            <a:r>
+              <a:rPr lang="en-US" dirty="0" err="1"/>
+              <a:t>NSManagedObject</a:t>
+            </a:r>
+            <a:r>
+              <a:rPr lang="en-US" dirty="0"/>
+              <a:t>, and its instances are placed on managed object contexts.</a:t>
+            </a:r>
+          </a:p>
+          <a:p>
+            <a:pPr lvl="1"/>
+            <a:r>
+              <a:rPr lang="en-US" dirty="0"/>
+              <a:t>They adhere to the schema dictated by the managed object model, and they get</a:t>
+            </a:r>
+          </a:p>
+          <a:p>
+            <a:pPr lvl="1"/>
+            <a:r>
+              <a:rPr lang="en-US" dirty="0"/>
+              <a:t>saved to a persistent store through a persistent store coordinator.</a:t>
+            </a:r>
+          </a:p>
+        </p:txBody>
+      </p:sp>
+      <p:sp>
+        <p:nvSpPr>
+          <p:cNvPr id="7" name="Rectangle 6"/>
+          <p:cNvSpPr/>
+          <p:nvPr/>
+        </p:nvSpPr>
+        <p:spPr>
+          <a:xfrm>
+            <a:off x="687307" y="2686773"/>
+            <a:ext cx="3390672" cy="369332"/>
+          </a:xfrm>
+          <a:prstGeom prst="rect">
+            <a:avLst/>
+          </a:prstGeom>
+        </p:spPr>
+        <p:txBody>
+          <a:bodyPr wrap="none">
+            <a:spAutoFit/>
+          </a:bodyPr>
+          <a:lstStyle/>
+          <a:p>
+            <a:r>
+              <a:rPr lang="en-US" dirty="0"/>
+              <a:t>Managed object context (MOC)</a:t>
+            </a:r>
+          </a:p>
+        </p:txBody>
+      </p:sp>
+      <p:sp>
+        <p:nvSpPr>
+          <p:cNvPr id="9" name="Rectangle 8"/>
+          <p:cNvSpPr/>
+          <p:nvPr/>
+        </p:nvSpPr>
+        <p:spPr>
+          <a:xfrm>
+            <a:off x="609248" y="3200399"/>
+            <a:ext cx="10330098" cy="3423425"/>
+          </a:xfrm>
+          <a:prstGeom prst="rect">
+            <a:avLst/>
+          </a:prstGeom>
+        </p:spPr>
+        <p:txBody>
+          <a:bodyPr wrap="square">
+            <a:spAutoFit/>
+          </a:bodyPr>
+          <a:lstStyle/>
+          <a:p>
+            <a:r>
+              <a:rPr lang="en-US" dirty="0" err="1"/>
+              <a:t>Thisis</a:t>
+            </a:r>
+            <a:r>
+              <a:rPr lang="en-US" dirty="0"/>
+              <a:t> a virtual board. That sounds strange, right? But let me explain. We create</a:t>
+            </a:r>
+          </a:p>
+          <a:p>
+            <a:r>
+              <a:rPr lang="en-US" dirty="0"/>
+              <a:t>Core Data objects in memory and set their properties and play with them. All this</a:t>
+            </a:r>
+          </a:p>
+          <a:p>
+            <a:r>
+              <a:rPr lang="en-US" dirty="0"/>
+              <a:t>playing is done on a managed object context. The context keeps track of all the</a:t>
+            </a:r>
+          </a:p>
+          <a:p>
+            <a:r>
+              <a:rPr lang="en-US" dirty="0"/>
+              <a:t>things that we are doing with our managed objects and even allows us to undo those</a:t>
+            </a:r>
+          </a:p>
+          <a:p>
+            <a:r>
+              <a:rPr lang="en-US" dirty="0"/>
+              <a:t>actions. Think of your managed objects on a context as toys that you have brought</a:t>
+            </a:r>
+          </a:p>
+          <a:p>
+            <a:r>
+              <a:rPr lang="en-US" dirty="0"/>
+              <a:t>on a table to play with. You can move them around, break them, move them out of</a:t>
+            </a:r>
+          </a:p>
+          <a:p>
+            <a:r>
+              <a:rPr lang="en-US" dirty="0"/>
+              <a:t>the table, and bring new toys in. That table is your managed object context, and</a:t>
+            </a:r>
+          </a:p>
+          <a:p>
+            <a:r>
+              <a:rPr lang="en-US" dirty="0"/>
+              <a:t>you can save its state when you are ready. When you save the state of the managed</a:t>
+            </a:r>
+          </a:p>
+          <a:p>
+            <a:r>
+              <a:rPr lang="en-US" dirty="0"/>
+              <a:t>object context, this save operation will be communicated to the persistent store</a:t>
+            </a:r>
+          </a:p>
+          <a:p>
+            <a:r>
+              <a:rPr lang="en-US" dirty="0"/>
+              <a:t>coordinator to which the context is connected, upon which the persistent store</a:t>
+            </a:r>
+          </a:p>
+          <a:p>
+            <a:r>
+              <a:rPr lang="en-US" dirty="0"/>
+              <a:t>coordinator will store the information to the persistent store and subsequently to</a:t>
+            </a:r>
+          </a:p>
+          <a:p>
+            <a:r>
+              <a:rPr lang="en-US" dirty="0"/>
+              <a:t>disk.</a:t>
+            </a:r>
+          </a:p>
+        </p:txBody>
+      </p:sp>
+    </p:spTree>
+    <p:extLst>
+      <p:ext uri="{BB962C8B-B14F-4D97-AF65-F5344CB8AC3E}">
+        <p14:creationId xmlns:p14="http://schemas.microsoft.com/office/powerpoint/2010/main" val="3767125190"/>
+      </p:ext>
+    </p:extLst>
+  </p:cSld>
+  <p:clrMapOvr>
+    <a:masterClrMapping/>
+  </p:clrMapOvr>
+  <p:timing>
+    <p:tnLst>
+      <p:par>
+        <p:cTn id="1" dur="indefinite" restart="never" nodeType="tmRoot"/>
+      </p:par>
+    </p:tnLst>
+  </p:timing>
+</p:sld>
+</file>
+
+<file path=ppt/slides/slide9.xml><?xml version="1.0" encoding="utf-8"?>
+<p:sld xmlns:a="http://schemas.openxmlformats.org/drawingml/2006/main" xmlns:r="http://schemas.openxmlformats.org/officeDocument/2006/relationships" xmlns:p="http://schemas.openxmlformats.org/presentationml/2006/main">
+  <p:cSld>
+    <p:spTree>
+      <p:nvGrpSpPr>
+        <p:cNvPr id="1" name=""/>
+        <p:cNvGrpSpPr/>
+        <p:nvPr/>
+      </p:nvGrpSpPr>
+      <p:grpSpPr>
+        <a:xfrm>
+          <a:off x="0" y="0"/>
+          <a:ext cx="0" cy="0"/>
+          <a:chOff x="0" y="0"/>
+          <a:chExt cx="0" cy="0"/>
+        </a:xfrm>
+      </p:grpSpPr>
+      <p:sp>
+        <p:nvSpPr>
+          <p:cNvPr id="4" name="Rectangle 3"/>
+          <p:cNvSpPr/>
+          <p:nvPr/>
+        </p:nvSpPr>
+        <p:spPr>
+          <a:xfrm>
+            <a:off x="126379" y="192463"/>
+            <a:ext cx="10946781" cy="923330"/>
+          </a:xfrm>
+          <a:prstGeom prst="rect">
+            <a:avLst/>
+          </a:prstGeom>
+        </p:spPr>
+        <p:txBody>
+          <a:bodyPr wrap="square">
+            <a:spAutoFit/>
+          </a:bodyPr>
+          <a:lstStyle/>
+          <a:p>
+            <a:r>
+              <a:rPr lang="en-US" dirty="0"/>
+              <a:t>To add Core Data to your project and start using all the cool features that it has to offer,</a:t>
+            </a:r>
+          </a:p>
+          <a:p>
+            <a:r>
+              <a:rPr lang="en-US" dirty="0"/>
+              <a:t>simply create a project and when asked whether to add Core Data to it or not, check the</a:t>
+            </a:r>
+          </a:p>
+          <a:p>
+            <a:r>
+              <a:rPr lang="en-US" dirty="0"/>
+              <a:t>relevant box, as shown in</a:t>
+            </a:r>
+          </a:p>
+        </p:txBody>
+      </p:sp>
+      <p:sp>
+        <p:nvSpPr>
+          <p:cNvPr id="6" name="Rectangle 5"/>
+          <p:cNvSpPr/>
+          <p:nvPr/>
+        </p:nvSpPr>
+        <p:spPr>
+          <a:xfrm>
+            <a:off x="126379" y="1298216"/>
+            <a:ext cx="10378070" cy="1200329"/>
+          </a:xfrm>
+          <a:prstGeom prst="rect">
+            <a:avLst/>
+          </a:prstGeom>
+        </p:spPr>
+        <p:txBody>
+          <a:bodyPr wrap="square">
+            <a:spAutoFit/>
+          </a:bodyPr>
+          <a:lstStyle/>
+          <a:p>
+            <a:r>
+              <a:rPr lang="en-US" dirty="0"/>
+              <a:t>You should already know these from the description earlier in this chapter. The context</a:t>
+            </a:r>
+          </a:p>
+          <a:p>
+            <a:r>
+              <a:rPr lang="en-US" dirty="0"/>
+              <a:t>is our playing table, the model is the schema of our data base and the coordinator is the</a:t>
+            </a:r>
+          </a:p>
+          <a:p>
+            <a:r>
+              <a:rPr lang="en-US" dirty="0"/>
+              <a:t>object that will help us save our context to disk. Plain and easy. OK then, let’s get started</a:t>
+            </a:r>
+          </a:p>
+          <a:p>
+            <a:r>
+              <a:rPr lang="en-US" dirty="0"/>
+              <a:t>with the rest of this chapter now</a:t>
+            </a:r>
+          </a:p>
+        </p:txBody>
+      </p:sp>
+    </p:spTree>
+    <p:extLst>
+      <p:ext uri="{BB962C8B-B14F-4D97-AF65-F5344CB8AC3E}">
+        <p14:creationId xmlns:p14="http://schemas.microsoft.com/office/powerpoint/2010/main" val="231637520"/>
       </p:ext>
     </p:extLst>
   </p:cSld>

--- a/course/IOS_Module_03_core_data.pptx
+++ b/course/IOS_Module_03_core_data.pptx
@@ -227,7 +227,7 @@
           <a:p>
             <a:fld id="{6C716596-F596-4EA2-A006-3FF11DDC4AEF}" type="datetimeFigureOut">
               <a:rPr lang="en-US" smtClean="0"/>
-              <a:t>5/15/2015</a:t>
+              <a:t>5/18/2015</a:t>
             </a:fld>
             <a:endParaRPr lang="en-US"/>
           </a:p>
@@ -6074,7 +6074,7 @@
         <p:spPr>
           <a:xfrm>
             <a:off x="360555" y="229480"/>
-            <a:ext cx="11392829" cy="1631216"/>
+            <a:ext cx="11392829" cy="1938992"/>
           </a:xfrm>
           <a:prstGeom prst="rect">
             <a:avLst/>
@@ -6086,40 +6086,122 @@
           </a:bodyPr>
           <a:lstStyle/>
           <a:p>
-            <a:r>
-              <a:rPr lang="en-US" sz="2000" dirty="0"/>
-              <a:t>Core Data interacts with a persistent store at a lower level that is not visible to the</a:t>
-            </a:r>
-          </a:p>
-          <a:p>
-            <a:r>
-              <a:rPr lang="en-US" sz="2000" dirty="0"/>
-              <a:t>programmer. </a:t>
-            </a:r>
-            <a:r>
-              <a:rPr lang="en-US" sz="2000" dirty="0" err="1"/>
+            <a:pPr algn="just"/>
+            <a:r>
+              <a:rPr lang="en-US" sz="2400" b="1" u="sng" dirty="0">
+                <a:solidFill>
+                  <a:schemeClr val="accent6">
+                    <a:lumMod val="75000"/>
+                  </a:schemeClr>
+                </a:solidFill>
+                <a:latin typeface="Calibri" panose="020F0502020204030204" pitchFamily="34" charset="0"/>
+                <a:cs typeface="Calibri" panose="020F0502020204030204" pitchFamily="34" charset="0"/>
+              </a:rPr>
+              <a:t>Core Data </a:t>
+            </a:r>
+            <a:r>
+              <a:rPr lang="en-US" sz="2400" dirty="0">
+                <a:solidFill>
+                  <a:schemeClr val="accent6">
+                    <a:lumMod val="75000"/>
+                  </a:schemeClr>
+                </a:solidFill>
+                <a:latin typeface="Calibri" panose="020F0502020204030204" pitchFamily="34" charset="0"/>
+                <a:cs typeface="Calibri" panose="020F0502020204030204" pitchFamily="34" charset="0"/>
+              </a:rPr>
+              <a:t>interacts with a persistent store at a lower level that is not visible to </a:t>
+            </a:r>
+            <a:r>
+              <a:rPr lang="en-US" sz="2400" dirty="0" smtClean="0">
+                <a:solidFill>
+                  <a:schemeClr val="accent6">
+                    <a:lumMod val="75000"/>
+                  </a:schemeClr>
+                </a:solidFill>
+                <a:latin typeface="Calibri" panose="020F0502020204030204" pitchFamily="34" charset="0"/>
+                <a:cs typeface="Calibri" panose="020F0502020204030204" pitchFamily="34" charset="0"/>
+              </a:rPr>
+              <a:t>the programmer</a:t>
+            </a:r>
+            <a:r>
+              <a:rPr lang="en-US" sz="2400" dirty="0">
+                <a:solidFill>
+                  <a:schemeClr val="accent6">
+                    <a:lumMod val="75000"/>
+                  </a:schemeClr>
+                </a:solidFill>
+                <a:latin typeface="Calibri" panose="020F0502020204030204" pitchFamily="34" charset="0"/>
+                <a:cs typeface="Calibri" panose="020F0502020204030204" pitchFamily="34" charset="0"/>
+              </a:rPr>
+              <a:t>. </a:t>
+            </a:r>
+            <a:r>
+              <a:rPr lang="en-US" sz="2400" dirty="0" err="1">
+                <a:solidFill>
+                  <a:schemeClr val="accent6">
+                    <a:lumMod val="75000"/>
+                  </a:schemeClr>
+                </a:solidFill>
+                <a:latin typeface="Calibri" panose="020F0502020204030204" pitchFamily="34" charset="0"/>
+                <a:cs typeface="Calibri" panose="020F0502020204030204" pitchFamily="34" charset="0"/>
+              </a:rPr>
               <a:t>iOS</a:t>
             </a:r>
             <a:r>
-              <a:rPr lang="en-US" sz="2000" dirty="0"/>
+              <a:rPr lang="en-US" sz="2400" dirty="0">
+                <a:solidFill>
+                  <a:schemeClr val="accent6">
+                    <a:lumMod val="75000"/>
+                  </a:schemeClr>
+                </a:solidFill>
+                <a:latin typeface="Calibri" panose="020F0502020204030204" pitchFamily="34" charset="0"/>
+                <a:cs typeface="Calibri" panose="020F0502020204030204" pitchFamily="34" charset="0"/>
+              </a:rPr>
               <a:t> decides how the low-level data management is implemented. All the</a:t>
             </a:r>
           </a:p>
           <a:p>
-            <a:r>
-              <a:rPr lang="en-US" sz="2000" dirty="0"/>
+            <a:pPr algn="just"/>
+            <a:r>
+              <a:rPr lang="en-US" sz="2400" dirty="0">
+                <a:solidFill>
+                  <a:schemeClr val="accent6">
+                    <a:lumMod val="75000"/>
+                  </a:schemeClr>
+                </a:solidFill>
+                <a:latin typeface="Calibri" panose="020F0502020204030204" pitchFamily="34" charset="0"/>
+                <a:cs typeface="Calibri" panose="020F0502020204030204" pitchFamily="34" charset="0"/>
+              </a:rPr>
               <a:t>programmer must know is the high-level API she is provided with. But understanding</a:t>
             </a:r>
           </a:p>
           <a:p>
-            <a:r>
-              <a:rPr lang="en-US" sz="2000" dirty="0"/>
+            <a:pPr algn="just"/>
+            <a:r>
+              <a:rPr lang="en-US" sz="2400" dirty="0">
+                <a:solidFill>
+                  <a:schemeClr val="accent6">
+                    <a:lumMod val="75000"/>
+                  </a:schemeClr>
+                </a:solidFill>
+                <a:latin typeface="Calibri" panose="020F0502020204030204" pitchFamily="34" charset="0"/>
+                <a:cs typeface="Calibri" panose="020F0502020204030204" pitchFamily="34" charset="0"/>
+              </a:rPr>
               <a:t>the structure of Core Data and how it works internally is very important. Let’s create a</a:t>
             </a:r>
           </a:p>
           <a:p>
-            <a:r>
-              <a:rPr lang="en-US" sz="2000" dirty="0"/>
+            <a:pPr algn="just"/>
+            <a:r>
+              <a:rPr lang="en-US" sz="2400" dirty="0">
+                <a:solidFill>
+                  <a:schemeClr val="accent6">
+                    <a:lumMod val="75000"/>
+                  </a:schemeClr>
+                </a:solidFill>
+                <a:latin typeface="Calibri" panose="020F0502020204030204" pitchFamily="34" charset="0"/>
+                <a:cs typeface="Calibri" panose="020F0502020204030204" pitchFamily="34" charset="0"/>
+              </a:rPr>
               <a:t>Core Data application to understand this</a:t>
             </a:r>
           </a:p>
@@ -6134,7 +6216,7 @@
         <p:spPr>
           <a:xfrm>
             <a:off x="360554" y="2371636"/>
-            <a:ext cx="9865113" cy="923330"/>
+            <a:ext cx="11392830" cy="830997"/>
           </a:xfrm>
           <a:prstGeom prst="rect">
             <a:avLst/>
@@ -6147,20 +6229,58 @@
           <a:lstStyle/>
           <a:p>
             <a:r>
-              <a:rPr lang="en-US" dirty="0"/>
+              <a:rPr lang="en-US" sz="2400" b="1" u="sng" dirty="0">
+                <a:solidFill>
+                  <a:schemeClr val="tx2">
+                    <a:lumMod val="60000"/>
+                    <a:lumOff val="40000"/>
+                  </a:schemeClr>
+                </a:solidFill>
+                <a:latin typeface="Calibri" panose="020F0502020204030204" pitchFamily="34" charset="0"/>
+                <a:cs typeface="Calibri" panose="020F0502020204030204" pitchFamily="34" charset="0"/>
+              </a:rPr>
               <a:t>Persistent store</a:t>
             </a:r>
           </a:p>
           <a:p>
             <a:r>
-              <a:rPr lang="en-US" dirty="0"/>
-              <a:t>The object that represents the actual data base on disk. We never use this object</a:t>
-            </a:r>
-          </a:p>
-          <a:p>
-            <a:r>
-              <a:rPr lang="en-US" dirty="0"/>
-              <a:t>directly.</a:t>
+              <a:rPr lang="en-US" sz="2400" dirty="0">
+                <a:solidFill>
+                  <a:schemeClr val="tx2">
+                    <a:lumMod val="60000"/>
+                    <a:lumOff val="40000"/>
+                  </a:schemeClr>
+                </a:solidFill>
+                <a:latin typeface="Calibri" panose="020F0502020204030204" pitchFamily="34" charset="0"/>
+                <a:cs typeface="Calibri" panose="020F0502020204030204" pitchFamily="34" charset="0"/>
+              </a:rPr>
+              <a:t>The object that represents the actual data base on disk. We never use this </a:t>
+            </a:r>
+            <a:r>
+              <a:rPr lang="en-US" sz="2400" dirty="0" smtClean="0">
+                <a:solidFill>
+                  <a:schemeClr val="tx2">
+                    <a:lumMod val="60000"/>
+                    <a:lumOff val="40000"/>
+                  </a:schemeClr>
+                </a:solidFill>
+                <a:latin typeface="Calibri" panose="020F0502020204030204" pitchFamily="34" charset="0"/>
+                <a:cs typeface="Calibri" panose="020F0502020204030204" pitchFamily="34" charset="0"/>
+              </a:rPr>
+              <a:t>object directly</a:t>
+            </a:r>
+            <a:r>
+              <a:rPr lang="en-US" sz="2400" dirty="0">
+                <a:solidFill>
+                  <a:schemeClr val="tx2">
+                    <a:lumMod val="60000"/>
+                    <a:lumOff val="40000"/>
+                  </a:schemeClr>
+                </a:solidFill>
+                <a:latin typeface="Calibri" panose="020F0502020204030204" pitchFamily="34" charset="0"/>
+                <a:cs typeface="Calibri" panose="020F0502020204030204" pitchFamily="34" charset="0"/>
+              </a:rPr>
+              <a:t>.</a:t>
             </a:r>
           </a:p>
         </p:txBody>
@@ -6173,8 +6293,8 @@
         </p:nvSpPr>
         <p:spPr>
           <a:xfrm>
-            <a:off x="360553" y="3521993"/>
-            <a:ext cx="11080597" cy="1200329"/>
+            <a:off x="360552" y="3396733"/>
+            <a:ext cx="11392831" cy="1559389"/>
           </a:xfrm>
           <a:prstGeom prst="rect">
             <a:avLst/>
@@ -6187,26 +6307,66 @@
           <a:lstStyle/>
           <a:p>
             <a:r>
-              <a:rPr lang="en-US" dirty="0"/>
+              <a:rPr lang="en-US" sz="2400" b="1" u="sng" dirty="0">
+                <a:solidFill>
+                  <a:srgbClr val="00B050"/>
+                </a:solidFill>
+                <a:latin typeface="Calibri" panose="020F0502020204030204" pitchFamily="34" charset="0"/>
+                <a:cs typeface="Calibri" panose="020F0502020204030204" pitchFamily="34" charset="0"/>
+              </a:rPr>
               <a:t>Persistent store coordinator</a:t>
             </a:r>
           </a:p>
           <a:p>
             <a:r>
-              <a:rPr lang="en-US" dirty="0"/>
-              <a:t>The object that coordinates reading and writing of information from and to the</a:t>
-            </a:r>
-          </a:p>
-          <a:p>
-            <a:r>
-              <a:rPr lang="en-US" dirty="0"/>
-              <a:t>persistent store. The coordinator is the bridge between the managed object context</a:t>
-            </a:r>
-          </a:p>
-          <a:p>
-            <a:r>
-              <a:rPr lang="en-US" dirty="0"/>
-              <a:t>and the persistent store.</a:t>
+              <a:rPr lang="en-US" sz="2400" dirty="0">
+                <a:solidFill>
+                  <a:srgbClr val="00B050"/>
+                </a:solidFill>
+                <a:latin typeface="Calibri" panose="020F0502020204030204" pitchFamily="34" charset="0"/>
+                <a:cs typeface="Calibri" panose="020F0502020204030204" pitchFamily="34" charset="0"/>
+              </a:rPr>
+              <a:t>The object that coordinates reading and writing of information from and to </a:t>
+            </a:r>
+            <a:r>
+              <a:rPr lang="en-US" sz="2400" dirty="0" smtClean="0">
+                <a:solidFill>
+                  <a:srgbClr val="00B050"/>
+                </a:solidFill>
+                <a:latin typeface="Calibri" panose="020F0502020204030204" pitchFamily="34" charset="0"/>
+                <a:cs typeface="Calibri" panose="020F0502020204030204" pitchFamily="34" charset="0"/>
+              </a:rPr>
+              <a:t>the persistent </a:t>
+            </a:r>
+            <a:r>
+              <a:rPr lang="en-US" sz="2400" dirty="0">
+                <a:solidFill>
+                  <a:srgbClr val="00B050"/>
+                </a:solidFill>
+                <a:latin typeface="Calibri" panose="020F0502020204030204" pitchFamily="34" charset="0"/>
+                <a:cs typeface="Calibri" panose="020F0502020204030204" pitchFamily="34" charset="0"/>
+              </a:rPr>
+              <a:t>store. The coordinator is the bridge between the managed object </a:t>
+            </a:r>
+            <a:r>
+              <a:rPr lang="en-US" sz="2400" dirty="0" smtClean="0">
+                <a:solidFill>
+                  <a:srgbClr val="00B050"/>
+                </a:solidFill>
+                <a:latin typeface="Calibri" panose="020F0502020204030204" pitchFamily="34" charset="0"/>
+                <a:cs typeface="Calibri" panose="020F0502020204030204" pitchFamily="34" charset="0"/>
+              </a:rPr>
+              <a:t>context and </a:t>
+            </a:r>
+            <a:r>
+              <a:rPr lang="en-US" sz="2400" dirty="0">
+                <a:solidFill>
+                  <a:srgbClr val="00B050"/>
+                </a:solidFill>
+                <a:latin typeface="Calibri" panose="020F0502020204030204" pitchFamily="34" charset="0"/>
+                <a:cs typeface="Calibri" panose="020F0502020204030204" pitchFamily="34" charset="0"/>
+              </a:rPr>
+              <a:t>the persistent store.</a:t>
             </a:r>
           </a:p>
         </p:txBody>
@@ -6220,33 +6380,79 @@
         <p:spPr>
           <a:xfrm>
             <a:off x="360553" y="5081382"/>
-            <a:ext cx="6096000" cy="1200329"/>
-          </a:xfrm>
-          <a:prstGeom prst="rect">
-            <a:avLst/>
-          </a:prstGeom>
-        </p:spPr>
-        <p:txBody>
-          <a:bodyPr>
+            <a:ext cx="11013080" cy="1200329"/>
+          </a:xfrm>
+          <a:prstGeom prst="rect">
+            <a:avLst/>
+          </a:prstGeom>
+        </p:spPr>
+        <p:txBody>
+          <a:bodyPr wrap="square">
             <a:spAutoFit/>
           </a:bodyPr>
           <a:lstStyle/>
           <a:p>
             <a:r>
-              <a:rPr lang="en-US" dirty="0"/>
+              <a:rPr lang="en-US" sz="2400" b="1" u="sng" dirty="0">
+                <a:solidFill>
+                  <a:srgbClr val="FFC000"/>
+                </a:solidFill>
+                <a:latin typeface="Calibri" panose="020F0502020204030204" pitchFamily="34" charset="0"/>
+                <a:cs typeface="Calibri" panose="020F0502020204030204" pitchFamily="34" charset="0"/>
+              </a:rPr>
               <a:t>Managed object model (MOM)</a:t>
             </a:r>
           </a:p>
           <a:p>
             <a:r>
-              <a:rPr lang="en-US" dirty="0"/>
-              <a:t>This is a simple file on disk that will represent our data model. Think about it as</a:t>
-            </a:r>
-          </a:p>
-          <a:p>
-            <a:r>
-              <a:rPr lang="en-US" dirty="0"/>
-              <a:t>your database schema.</a:t>
+              <a:rPr lang="en-US" sz="2400" dirty="0">
+                <a:solidFill>
+                  <a:srgbClr val="FFC000"/>
+                </a:solidFill>
+                <a:latin typeface="Calibri" panose="020F0502020204030204" pitchFamily="34" charset="0"/>
+                <a:cs typeface="Calibri" panose="020F0502020204030204" pitchFamily="34" charset="0"/>
+              </a:rPr>
+              <a:t>This is a simple file on disk that will represent our data model. Think about it </a:t>
+            </a:r>
+            <a:r>
+              <a:rPr lang="en-US" sz="2400" dirty="0" smtClean="0">
+                <a:solidFill>
+                  <a:srgbClr val="FFC000"/>
+                </a:solidFill>
+                <a:latin typeface="Calibri" panose="020F0502020204030204" pitchFamily="34" charset="0"/>
+                <a:cs typeface="Calibri" panose="020F0502020204030204" pitchFamily="34" charset="0"/>
+              </a:rPr>
+              <a:t>as</a:t>
+            </a:r>
+            <a:r>
+              <a:rPr lang="en-US" sz="2400" dirty="0">
+                <a:solidFill>
+                  <a:srgbClr val="FFC000"/>
+                </a:solidFill>
+                <a:latin typeface="Calibri" panose="020F0502020204030204" pitchFamily="34" charset="0"/>
+                <a:cs typeface="Calibri" panose="020F0502020204030204" pitchFamily="34" charset="0"/>
+              </a:rPr>
+              <a:t> </a:t>
+            </a:r>
+            <a:r>
+              <a:rPr lang="en-US" sz="2400" dirty="0" smtClean="0">
+                <a:solidFill>
+                  <a:srgbClr val="FFC000"/>
+                </a:solidFill>
+                <a:latin typeface="Calibri" panose="020F0502020204030204" pitchFamily="34" charset="0"/>
+                <a:cs typeface="Calibri" panose="020F0502020204030204" pitchFamily="34" charset="0"/>
+              </a:rPr>
+              <a:t>your </a:t>
+            </a:r>
+            <a:r>
+              <a:rPr lang="en-US" sz="2400" dirty="0">
+                <a:solidFill>
+                  <a:srgbClr val="FFC000"/>
+                </a:solidFill>
+                <a:latin typeface="Calibri" panose="020F0502020204030204" pitchFamily="34" charset="0"/>
+                <a:cs typeface="Calibri" panose="020F0502020204030204" pitchFamily="34" charset="0"/>
+              </a:rPr>
+              <a:t>database schema.</a:t>
             </a:r>
           </a:p>
         </p:txBody>
@@ -6297,7 +6503,7 @@
         <p:spPr>
           <a:xfrm>
             <a:off x="148682" y="97447"/>
-            <a:ext cx="11705063" cy="1754326"/>
+            <a:ext cx="11705063" cy="2308324"/>
           </a:xfrm>
           <a:prstGeom prst="rect">
             <a:avLst/>
@@ -6311,54 +6517,81 @@
           <a:p>
             <a:pPr lvl="1"/>
             <a:r>
-              <a:rPr lang="en-US" dirty="0"/>
+              <a:rPr lang="en-US" sz="2400" dirty="0">
+                <a:latin typeface="Calibri" panose="020F0502020204030204" pitchFamily="34" charset="0"/>
+                <a:cs typeface="Calibri" panose="020F0502020204030204" pitchFamily="34" charset="0"/>
+              </a:rPr>
               <a:t>Managed object</a:t>
             </a:r>
           </a:p>
           <a:p>
             <a:pPr lvl="1"/>
             <a:r>
-              <a:rPr lang="en-US" dirty="0"/>
+              <a:rPr lang="en-US" sz="2400" dirty="0">
+                <a:latin typeface="Calibri" panose="020F0502020204030204" pitchFamily="34" charset="0"/>
+                <a:cs typeface="Calibri" panose="020F0502020204030204" pitchFamily="34" charset="0"/>
+              </a:rPr>
               <a:t>This class represents an entity that we want to store in Core Data. Traditional da‐</a:t>
             </a:r>
           </a:p>
           <a:p>
             <a:pPr lvl="1"/>
             <a:r>
-              <a:rPr lang="en-US" dirty="0" err="1"/>
+              <a:rPr lang="en-US" sz="2400" dirty="0" err="1">
+                <a:latin typeface="Calibri" panose="020F0502020204030204" pitchFamily="34" charset="0"/>
+                <a:cs typeface="Calibri" panose="020F0502020204030204" pitchFamily="34" charset="0"/>
+              </a:rPr>
               <a:t>tabase</a:t>
             </a:r>
             <a:r>
-              <a:rPr lang="en-US" dirty="0"/>
+              <a:rPr lang="en-US" sz="2400" dirty="0">
+                <a:latin typeface="Calibri" panose="020F0502020204030204" pitchFamily="34" charset="0"/>
+                <a:cs typeface="Calibri" panose="020F0502020204030204" pitchFamily="34" charset="0"/>
+              </a:rPr>
               <a:t> programmers would know such entities as  tables. A managed object is of</a:t>
             </a:r>
           </a:p>
           <a:p>
             <a:pPr lvl="1"/>
             <a:r>
-              <a:rPr lang="en-US" dirty="0"/>
+              <a:rPr lang="en-US" sz="2400" dirty="0">
+                <a:latin typeface="Calibri" panose="020F0502020204030204" pitchFamily="34" charset="0"/>
+                <a:cs typeface="Calibri" panose="020F0502020204030204" pitchFamily="34" charset="0"/>
+              </a:rPr>
               <a:t>type  </a:t>
             </a:r>
             <a:r>
-              <a:rPr lang="en-US" dirty="0" err="1"/>
+              <a:rPr lang="en-US" sz="2400" dirty="0" err="1">
+                <a:latin typeface="Calibri" panose="020F0502020204030204" pitchFamily="34" charset="0"/>
+                <a:cs typeface="Calibri" panose="020F0502020204030204" pitchFamily="34" charset="0"/>
+              </a:rPr>
               <a:t>NSManagedObject</a:t>
             </a:r>
             <a:r>
-              <a:rPr lang="en-US" dirty="0"/>
+              <a:rPr lang="en-US" sz="2400" dirty="0">
+                <a:latin typeface="Calibri" panose="020F0502020204030204" pitchFamily="34" charset="0"/>
+                <a:cs typeface="Calibri" panose="020F0502020204030204" pitchFamily="34" charset="0"/>
+              </a:rPr>
               <a:t>, and its instances are placed on managed object contexts.</a:t>
             </a:r>
           </a:p>
           <a:p>
             <a:pPr lvl="1"/>
             <a:r>
-              <a:rPr lang="en-US" dirty="0"/>
+              <a:rPr lang="en-US" sz="2400" dirty="0">
+                <a:latin typeface="Calibri" panose="020F0502020204030204" pitchFamily="34" charset="0"/>
+                <a:cs typeface="Calibri" panose="020F0502020204030204" pitchFamily="34" charset="0"/>
+              </a:rPr>
               <a:t>They adhere to the schema dictated by the managed object model, and they get</a:t>
             </a:r>
           </a:p>
           <a:p>
             <a:pPr lvl="1"/>
             <a:r>
-              <a:rPr lang="en-US" dirty="0"/>
+              <a:rPr lang="en-US" sz="2400" dirty="0">
+                <a:latin typeface="Calibri" panose="020F0502020204030204" pitchFamily="34" charset="0"/>
+                <a:cs typeface="Calibri" panose="020F0502020204030204" pitchFamily="34" charset="0"/>
+              </a:rPr>
               <a:t>saved to a persistent store through a persistent store coordinator.</a:t>
             </a:r>
           </a:p>

--- a/course/IOS_Module_03_core_data.pptx
+++ b/course/IOS_Module_03_core_data.pptx
@@ -245,7 +245,7 @@
           <a:p>
             <a:fld id="{6C716596-F596-4EA2-A006-3FF11DDC4AEF}" type="datetimeFigureOut">
               <a:rPr lang="en-US" smtClean="0"/>
-              <a:t>5/25/2015</a:t>
+              <a:t>5/28/2015</a:t>
             </a:fld>
             <a:endParaRPr lang="en-US"/>
           </a:p>
@@ -11428,27 +11428,57 @@
                 <a:latin typeface="Calibri" panose="020F0502020204030204" pitchFamily="34" charset="0"/>
                 <a:cs typeface="Calibri" panose="020F0502020204030204" pitchFamily="34" charset="0"/>
               </a:rPr>
-              <a:t>the insertNewObjectForEntityForName</a:t>
+              <a:t>the </a:t>
+            </a:r>
+            <a:r>
+              <a:rPr lang="ja-JP" altLang="en-US" sz="2400" dirty="0" smtClean="0">
+                <a:solidFill>
+                  <a:srgbClr val="FF00FF"/>
+                </a:solidFill>
+                <a:latin typeface="Calibri" panose="020F0502020204030204" pitchFamily="34" charset="0"/>
+                <a:cs typeface="Calibri" panose="020F0502020204030204" pitchFamily="34" charset="0"/>
+              </a:rPr>
+              <a:t>insertNewObjectForEntityForName</a:t>
             </a:r>
             <a:r>
               <a:rPr lang="ja-JP" altLang="en-US" sz="2400" dirty="0">
                 <a:solidFill>
+                  <a:srgbClr val="FF00FF"/>
+                </a:solidFill>
+                <a:latin typeface="Calibri" panose="020F0502020204030204" pitchFamily="34" charset="0"/>
+                <a:cs typeface="Calibri" panose="020F0502020204030204" pitchFamily="34" charset="0"/>
+              </a:rPr>
+              <a:t>:inManagedObjectContext:</a:t>
+            </a:r>
+            <a:r>
+              <a:rPr lang="ja-JP" altLang="en-US" sz="2400" dirty="0">
+                <a:solidFill>
                   <a:srgbClr val="00B0F0"/>
                 </a:solidFill>
                 <a:latin typeface="Calibri" panose="020F0502020204030204" pitchFamily="34" charset="0"/>
                 <a:cs typeface="Calibri" panose="020F0502020204030204" pitchFamily="34" charset="0"/>
               </a:rPr>
-              <a:t>:inManagedObjectContext:class method of  </a:t>
+              <a:t>class method of  </a:t>
             </a:r>
             <a:r>
               <a:rPr lang="ja-JP" altLang="en-US" sz="2400" dirty="0" smtClean="0">
                 <a:solidFill>
+                  <a:srgbClr val="FF00FF"/>
+                </a:solidFill>
+                <a:latin typeface="Calibri" panose="020F0502020204030204" pitchFamily="34" charset="0"/>
+                <a:cs typeface="Calibri" panose="020F0502020204030204" pitchFamily="34" charset="0"/>
+              </a:rPr>
+              <a:t>NSEntityDescription</a:t>
+            </a:r>
+            <a:r>
+              <a:rPr lang="ja-JP" altLang="en-US" sz="2400" dirty="0" smtClean="0">
+                <a:solidFill>
                   <a:srgbClr val="00B0F0"/>
                 </a:solidFill>
                 <a:latin typeface="Calibri" panose="020F0502020204030204" pitchFamily="34" charset="0"/>
                 <a:cs typeface="Calibri" panose="020F0502020204030204" pitchFamily="34" charset="0"/>
               </a:rPr>
-              <a:t>NSEntityDescription to </a:t>
+              <a:t> to </a:t>
             </a:r>
             <a:r>
               <a:rPr lang="ja-JP" altLang="en-US" sz="2400" dirty="0">
@@ -11720,7 +11750,24 @@
                 <a:latin typeface="Calibri" panose="020F0502020204030204" pitchFamily="34" charset="0"/>
                 <a:cs typeface="Calibri" panose="020F0502020204030204" pitchFamily="34" charset="0"/>
               </a:rPr>
-              <a:t>In the  application:didFinishLaunchingWithOptions:method of your shared</a:t>
+              <a:t>In the  </a:t>
+            </a:r>
+            <a:r>
+              <a:rPr lang="ja-JP" altLang="en-US" sz="2400" dirty="0">
+                <a:solidFill>
+                  <a:srgbClr val="FF00FF"/>
+                </a:solidFill>
+                <a:latin typeface="Calibri" panose="020F0502020204030204" pitchFamily="34" charset="0"/>
+                <a:cs typeface="Calibri" panose="020F0502020204030204" pitchFamily="34" charset="0"/>
+              </a:rPr>
+              <a:t>application:didFinishLaunchingWithOptions:</a:t>
+            </a:r>
+            <a:r>
+              <a:rPr lang="ja-JP" altLang="en-US" sz="2400" dirty="0">
+                <a:latin typeface="Calibri" panose="020F0502020204030204" pitchFamily="34" charset="0"/>
+                <a:cs typeface="Calibri" panose="020F0502020204030204" pitchFamily="34" charset="0"/>
+              </a:rPr>
+              <a:t>method of your shared</a:t>
             </a:r>
           </a:p>
           <a:p>
@@ -11811,8 +11858,8 @@
         </p:blipFill>
         <p:spPr>
           <a:xfrm>
-            <a:off x="2597399" y="372439"/>
-            <a:ext cx="7093010" cy="6089677"/>
+            <a:off x="1805663" y="0"/>
+            <a:ext cx="8074317" cy="6932174"/>
           </a:xfrm>
           <a:prstGeom prst="rect">
             <a:avLst/>
@@ -11864,7 +11911,7 @@
         </p:nvSpPr>
         <p:spPr>
           <a:xfrm>
-            <a:off x="177055" y="176542"/>
+            <a:off x="0" y="0"/>
             <a:ext cx="3808607" cy="461665"/>
           </a:xfrm>
           <a:prstGeom prst="rect">
@@ -11880,7 +11927,7 @@
             <a:r>
               <a:rPr lang="ja-JP" altLang="en-US" sz="2400" dirty="0">
                 <a:solidFill>
-                  <a:srgbClr val="FF00FF"/>
+                  <a:srgbClr val="00B050"/>
                 </a:solidFill>
                 <a:latin typeface="Calibri" panose="020F0502020204030204" pitchFamily="34" charset="0"/>
                 <a:cs typeface="Calibri" panose="020F0502020204030204" pitchFamily="34" charset="0"/>
@@ -11898,8 +11945,8 @@
         </p:nvSpPr>
         <p:spPr>
           <a:xfrm>
-            <a:off x="7128616" y="2330605"/>
-            <a:ext cx="4963023" cy="1569660"/>
+            <a:off x="7360000" y="2352907"/>
+            <a:ext cx="4832000" cy="1569660"/>
           </a:xfrm>
           <a:prstGeom prst="rect">
             <a:avLst/>
@@ -11971,8 +12018,8 @@
         </p:blipFill>
         <p:spPr>
           <a:xfrm>
-            <a:off x="177055" y="638207"/>
-            <a:ext cx="6951561" cy="6041373"/>
+            <a:off x="-1" y="461664"/>
+            <a:ext cx="7360001" cy="6396335"/>
           </a:xfrm>
           <a:prstGeom prst="rect">
             <a:avLst/>
@@ -12110,8 +12157,8 @@
         </p:blipFill>
         <p:spPr>
           <a:xfrm>
-            <a:off x="2200209" y="407813"/>
-            <a:ext cx="7534806" cy="6041421"/>
+            <a:off x="2021789" y="0"/>
+            <a:ext cx="8553236" cy="6858000"/>
           </a:xfrm>
           <a:prstGeom prst="rect">
             <a:avLst/>
@@ -12163,7 +12210,7 @@
         </p:nvSpPr>
         <p:spPr>
           <a:xfrm>
-            <a:off x="133814" y="87775"/>
+            <a:off x="0" y="0"/>
             <a:ext cx="4464107" cy="523220"/>
           </a:xfrm>
           <a:prstGeom prst="rect">
@@ -12205,8 +12252,8 @@
         </p:blipFill>
         <p:spPr>
           <a:xfrm>
-            <a:off x="2118731" y="587207"/>
-            <a:ext cx="5843239" cy="6270793"/>
+            <a:off x="5041401" y="0"/>
+            <a:ext cx="6390410" cy="6858000"/>
           </a:xfrm>
           <a:prstGeom prst="rect">
             <a:avLst/>
@@ -12258,7 +12305,7 @@
         </p:nvSpPr>
         <p:spPr>
           <a:xfrm>
-            <a:off x="112939" y="99690"/>
+            <a:off x="0" y="0"/>
             <a:ext cx="4655570" cy="461665"/>
           </a:xfrm>
           <a:prstGeom prst="rect">
@@ -12274,9 +12321,7 @@
             <a:r>
               <a:rPr lang="ja-JP" altLang="en-US" sz="2400" dirty="0">
                 <a:solidFill>
-                  <a:schemeClr val="accent6">
-                    <a:lumMod val="75000"/>
-                  </a:schemeClr>
+                  <a:srgbClr val="FF00FF"/>
                 </a:solidFill>
                 <a:latin typeface="Calibri" panose="020F0502020204030204" pitchFamily="34" charset="0"/>
                 <a:cs typeface="Calibri" panose="020F0502020204030204" pitchFamily="34" charset="0"/>
@@ -12352,7 +12397,7 @@
         </p:nvSpPr>
         <p:spPr>
           <a:xfrm>
-            <a:off x="112939" y="2150173"/>
+            <a:off x="112939" y="2327922"/>
             <a:ext cx="11383968" cy="461665"/>
           </a:xfrm>
           <a:prstGeom prst="rect">
@@ -12368,12 +12413,36 @@
             <a:r>
               <a:rPr lang="ja-JP" altLang="en-US" sz="2400" dirty="0">
                 <a:solidFill>
-                  <a:srgbClr val="66CCFF"/>
-                </a:solidFill>
-                <a:latin typeface="Calibri" panose="020F0502020204030204" pitchFamily="34" charset="0"/>
-                <a:cs typeface="Calibri" panose="020F0502020204030204" pitchFamily="34" charset="0"/>
-              </a:rPr>
-              <a:t>Use fetched results controllers, which are instances of NSFetchedResultsController.</a:t>
+                  <a:schemeClr val="accent6">
+                    <a:lumMod val="75000"/>
+                  </a:schemeClr>
+                </a:solidFill>
+                <a:latin typeface="Calibri" panose="020F0502020204030204" pitchFamily="34" charset="0"/>
+                <a:cs typeface="Calibri" panose="020F0502020204030204" pitchFamily="34" charset="0"/>
+              </a:rPr>
+              <a:t>Use fetched results controllers, which are instances of </a:t>
+            </a:r>
+            <a:r>
+              <a:rPr lang="ja-JP" altLang="en-US" sz="2400" dirty="0">
+                <a:solidFill>
+                  <a:srgbClr val="FF00FF"/>
+                </a:solidFill>
+                <a:latin typeface="Calibri" panose="020F0502020204030204" pitchFamily="34" charset="0"/>
+                <a:cs typeface="Calibri" panose="020F0502020204030204" pitchFamily="34" charset="0"/>
+              </a:rPr>
+              <a:t>NSFetchedResultsController</a:t>
+            </a:r>
+            <a:r>
+              <a:rPr lang="ja-JP" altLang="en-US" sz="2400" dirty="0">
+                <a:solidFill>
+                  <a:schemeClr val="accent6">
+                    <a:lumMod val="75000"/>
+                  </a:schemeClr>
+                </a:solidFill>
+                <a:latin typeface="Calibri" panose="020F0502020204030204" pitchFamily="34" charset="0"/>
+                <a:cs typeface="Calibri" panose="020F0502020204030204" pitchFamily="34" charset="0"/>
+              </a:rPr>
+              <a:t>.</a:t>
             </a:r>
           </a:p>
         </p:txBody>
@@ -12386,7 +12455,7 @@
         </p:nvSpPr>
         <p:spPr>
           <a:xfrm>
-            <a:off x="112939" y="3156907"/>
+            <a:off x="112939" y="3133912"/>
             <a:ext cx="11303619" cy="846382"/>
           </a:xfrm>
           <a:prstGeom prst="rect">
@@ -12401,6 +12470,9 @@
           <a:p>
             <a:r>
               <a:rPr lang="ja-JP" altLang="en-US" sz="2400" dirty="0">
+                <a:solidFill>
+                  <a:srgbClr val="00B050"/>
+                </a:solidFill>
                 <a:latin typeface="Calibri" panose="020F0502020204030204" pitchFamily="34" charset="0"/>
                 <a:cs typeface="Calibri" panose="020F0502020204030204" pitchFamily="34" charset="0"/>
               </a:rPr>
@@ -12410,6 +12482,9 @@
           <a:p>
             <a:r>
               <a:rPr lang="ja-JP" altLang="en-US" sz="2400" dirty="0">
+                <a:solidFill>
+                  <a:srgbClr val="00B050"/>
+                </a:solidFill>
                 <a:latin typeface="Calibri" panose="020F0502020204030204" pitchFamily="34" charset="0"/>
                 <a:cs typeface="Calibri" panose="020F0502020204030204" pitchFamily="34" charset="0"/>
               </a:rPr>
@@ -12463,7 +12538,7 @@
         </p:nvSpPr>
         <p:spPr>
           <a:xfrm>
-            <a:off x="92927" y="168380"/>
+            <a:off x="0" y="0"/>
             <a:ext cx="11415132" cy="830997"/>
           </a:xfrm>
           <a:prstGeom prst="rect">
@@ -12530,7 +12605,7 @@
         </p:blipFill>
         <p:spPr>
           <a:xfrm>
-            <a:off x="1775830" y="1869223"/>
+            <a:off x="1597411" y="1612745"/>
             <a:ext cx="8833504" cy="4174738"/>
           </a:xfrm>
           <a:prstGeom prst="rect">
@@ -12599,7 +12674,7 @@
             <a:r>
               <a:rPr lang="ja-JP" altLang="en-US" sz="2400" dirty="0" smtClean="0">
                 <a:solidFill>
-                  <a:srgbClr val="00B0F0"/>
+                  <a:srgbClr val="FF00FF"/>
                 </a:solidFill>
                 <a:latin typeface="Calibri" panose="020F0502020204030204" pitchFamily="34" charset="0"/>
                 <a:cs typeface="Calibri" panose="020F0502020204030204" pitchFamily="34" charset="0"/>
@@ -12608,7 +12683,7 @@
             </a:r>
             <a:endParaRPr lang="ja-JP" altLang="en-US" sz="2400" dirty="0">
               <a:solidFill>
-                <a:srgbClr val="00B0F0"/>
+                <a:srgbClr val="FF00FF"/>
               </a:solidFill>
               <a:latin typeface="Calibri" panose="020F0502020204030204" pitchFamily="34" charset="0"/>
               <a:cs typeface="Calibri" panose="020F0502020204030204" pitchFamily="34" charset="0"/>
@@ -12632,8 +12707,8 @@
         </p:blipFill>
         <p:spPr>
           <a:xfrm>
-            <a:off x="4069580" y="584327"/>
-            <a:ext cx="6169296" cy="6112488"/>
+            <a:off x="2809492" y="584327"/>
+            <a:ext cx="6331979" cy="6273673"/>
           </a:xfrm>
           <a:prstGeom prst="rect">
             <a:avLst/>
@@ -12693,8 +12768,8 @@
         </p:blipFill>
         <p:spPr>
           <a:xfrm>
-            <a:off x="2036605" y="603558"/>
-            <a:ext cx="7296965" cy="5783769"/>
+            <a:off x="1746672" y="0"/>
+            <a:ext cx="8652245" cy="6858000"/>
           </a:xfrm>
           <a:prstGeom prst="rect">
             <a:avLst/>
@@ -12754,7 +12829,7 @@
         </p:blipFill>
         <p:spPr>
           <a:xfrm>
-            <a:off x="1550135" y="872003"/>
+            <a:off x="1460924" y="1139632"/>
             <a:ext cx="9093393" cy="4770514"/>
           </a:xfrm>
           <a:prstGeom prst="rect">
@@ -12807,7 +12882,7 @@
         </p:nvSpPr>
         <p:spPr>
           <a:xfrm>
-            <a:off x="204440" y="107938"/>
+            <a:off x="0" y="0"/>
             <a:ext cx="11482038" cy="830997"/>
           </a:xfrm>
           <a:prstGeom prst="rect">
@@ -12869,8 +12944,8 @@
         </p:blipFill>
         <p:spPr>
           <a:xfrm>
-            <a:off x="2461980" y="1122208"/>
-            <a:ext cx="6425542" cy="5618659"/>
+            <a:off x="2283559" y="830996"/>
+            <a:ext cx="6892526" cy="6027003"/>
           </a:xfrm>
           <a:prstGeom prst="rect">
             <a:avLst/>
@@ -12922,7 +12997,7 @@
         </p:nvSpPr>
         <p:spPr>
           <a:xfrm>
-            <a:off x="223024" y="178421"/>
+            <a:off x="0" y="0"/>
             <a:ext cx="11173522" cy="830997"/>
           </a:xfrm>
           <a:prstGeom prst="rect">
@@ -12993,8 +13068,8 @@
         </p:blipFill>
         <p:spPr>
           <a:xfrm>
-            <a:off x="5255477" y="752940"/>
-            <a:ext cx="5829300" cy="1524000"/>
+            <a:off x="2142024" y="1271239"/>
+            <a:ext cx="7600309" cy="1987009"/>
           </a:xfrm>
           <a:prstGeom prst="rect">
             <a:avLst/>
@@ -13017,8 +13092,8 @@
         </p:blipFill>
         <p:spPr>
           <a:xfrm>
-            <a:off x="5291021" y="2276940"/>
-            <a:ext cx="6105525" cy="1981200"/>
+            <a:off x="2142024" y="3698489"/>
+            <a:ext cx="7640496" cy="2479287"/>
           </a:xfrm>
           <a:prstGeom prst="rect">
             <a:avLst/>
@@ -13070,7 +13145,7 @@
         </p:nvSpPr>
         <p:spPr>
           <a:xfrm>
-            <a:off x="156116" y="0"/>
+            <a:off x="0" y="0"/>
             <a:ext cx="11820294" cy="1938992"/>
           </a:xfrm>
           <a:prstGeom prst="rect">
@@ -13170,8 +13245,8 @@
         </p:blipFill>
         <p:spPr>
           <a:xfrm>
-            <a:off x="1668332" y="1938992"/>
-            <a:ext cx="8795861" cy="4783060"/>
+            <a:off x="1278040" y="1838632"/>
+            <a:ext cx="9230423" cy="5019368"/>
           </a:xfrm>
           <a:prstGeom prst="rect">
             <a:avLst/>
